--- a/draft-gandhi-spring-stamp-srpm-03.pptx
+++ b/draft-gandhi-spring-stamp-srpm-03.pptx
@@ -5,10 +5,10 @@
     <p:sldMasterId id="2147483648" r:id="rId1"/>
   </p:sldMasterIdLst>
   <p:notesMasterIdLst>
-    <p:notesMasterId r:id="rId14"/>
+    <p:notesMasterId r:id="rId15"/>
   </p:notesMasterIdLst>
   <p:handoutMasterIdLst>
-    <p:handoutMasterId r:id="rId15"/>
+    <p:handoutMasterId r:id="rId16"/>
   </p:handoutMasterIdLst>
   <p:sldIdLst>
     <p:sldId id="1661" r:id="rId2"/>
@@ -21,8 +21,9 @@
     <p:sldId id="320" r:id="rId9"/>
     <p:sldId id="1658" r:id="rId10"/>
     <p:sldId id="1667" r:id="rId11"/>
-    <p:sldId id="1670" r:id="rId12"/>
-    <p:sldId id="1654" r:id="rId13"/>
+    <p:sldId id="1674" r:id="rId12"/>
+    <p:sldId id="1670" r:id="rId13"/>
+    <p:sldId id="1654" r:id="rId14"/>
   </p:sldIdLst>
   <p:sldSz cx="9144000" cy="5143500" type="screen16x9"/>
   <p:notesSz cx="6858000" cy="9144000"/>
@@ -255,7 +256,7 @@
           <a:p>
             <a:fld id="{E8FA3DB5-7722-3F4F-947D-12B203669AD7}" type="datetimeFigureOut">
               <a:rPr lang="en-US" smtClean="0"/>
-              <a:t>11/7/20</a:t>
+              <a:t>11/8/20</a:t>
             </a:fld>
             <a:endParaRPr lang="en-US"/>
           </a:p>
@@ -1366,7 +1367,7 @@
           <a:bodyPr/>
           <a:lstStyle/>
           <a:p>
-            <a:endParaRPr lang="en-CA" dirty="0"/>
+            <a:endParaRPr lang="en-US" dirty="0"/>
           </a:p>
         </p:txBody>
       </p:sp>
@@ -1402,7 +1403,7 @@
     </p:spTree>
     <p:extLst>
       <p:ext uri="{BB962C8B-B14F-4D97-AF65-F5344CB8AC3E}">
-        <p14:creationId xmlns:p14="http://schemas.microsoft.com/office/powerpoint/2010/main" val="903991211"/>
+        <p14:creationId xmlns:p14="http://schemas.microsoft.com/office/powerpoint/2010/main" val="2316887433"/>
       </p:ext>
     </p:extLst>
   </p:cSld>
@@ -1456,7 +1457,7 @@
           <a:bodyPr/>
           <a:lstStyle/>
           <a:p>
-            <a:endParaRPr lang="en-US" dirty="0"/>
+            <a:endParaRPr lang="en-CA" dirty="0"/>
           </a:p>
         </p:txBody>
       </p:sp>
@@ -1484,6 +1485,96 @@
                 <a:defRPr/>
               </a:pPr>
               <a:t>12</a:t>
+            </a:fld>
+            <a:endParaRPr lang="en-US" altLang="zh-CN"/>
+          </a:p>
+        </p:txBody>
+      </p:sp>
+    </p:spTree>
+    <p:extLst>
+      <p:ext uri="{BB962C8B-B14F-4D97-AF65-F5344CB8AC3E}">
+        <p14:creationId xmlns:p14="http://schemas.microsoft.com/office/powerpoint/2010/main" val="903991211"/>
+      </p:ext>
+    </p:extLst>
+  </p:cSld>
+  <p:clrMapOvr>
+    <a:masterClrMapping/>
+  </p:clrMapOvr>
+</p:notes>
+</file>
+
+<file path=ppt/notesSlides/notesSlide9.xml><?xml version="1.0" encoding="utf-8"?>
+<p:notes xmlns:a="http://schemas.openxmlformats.org/drawingml/2006/main" xmlns:r="http://schemas.openxmlformats.org/officeDocument/2006/relationships" xmlns:p="http://schemas.openxmlformats.org/presentationml/2006/main">
+  <p:cSld>
+    <p:spTree>
+      <p:nvGrpSpPr>
+        <p:cNvPr id="1" name=""/>
+        <p:cNvGrpSpPr/>
+        <p:nvPr/>
+      </p:nvGrpSpPr>
+      <p:grpSpPr>
+        <a:xfrm>
+          <a:off x="0" y="0"/>
+          <a:ext cx="0" cy="0"/>
+          <a:chOff x="0" y="0"/>
+          <a:chExt cx="0" cy="0"/>
+        </a:xfrm>
+      </p:grpSpPr>
+      <p:sp>
+        <p:nvSpPr>
+          <p:cNvPr id="2" name="Slide Image Placeholder 1"/>
+          <p:cNvSpPr>
+            <a:spLocks noGrp="1" noRot="1" noChangeAspect="1"/>
+          </p:cNvSpPr>
+          <p:nvPr>
+            <p:ph type="sldImg"/>
+          </p:nvPr>
+        </p:nvSpPr>
+        <p:spPr/>
+      </p:sp>
+      <p:sp>
+        <p:nvSpPr>
+          <p:cNvPr id="3" name="Notes Placeholder 2"/>
+          <p:cNvSpPr>
+            <a:spLocks noGrp="1"/>
+          </p:cNvSpPr>
+          <p:nvPr>
+            <p:ph type="body" idx="1"/>
+          </p:nvPr>
+        </p:nvSpPr>
+        <p:spPr/>
+        <p:txBody>
+          <a:bodyPr/>
+          <a:lstStyle/>
+          <a:p>
+            <a:endParaRPr lang="en-US" dirty="0"/>
+          </a:p>
+        </p:txBody>
+      </p:sp>
+      <p:sp>
+        <p:nvSpPr>
+          <p:cNvPr id="4" name="Slide Number Placeholder 3"/>
+          <p:cNvSpPr>
+            <a:spLocks noGrp="1"/>
+          </p:cNvSpPr>
+          <p:nvPr>
+            <p:ph type="sldNum" sz="quarter" idx="10"/>
+          </p:nvPr>
+        </p:nvSpPr>
+        <p:spPr/>
+        <p:txBody>
+          <a:bodyPr/>
+          <a:lstStyle/>
+          <a:p>
+            <a:pPr>
+              <a:defRPr/>
+            </a:pPr>
+            <a:fld id="{100938BD-FD70-4535-B0C2-13FC38CDF1BE}" type="slidenum">
+              <a:rPr lang="en-US" altLang="zh-CN" smtClean="0"/>
+              <a:pPr>
+                <a:defRPr/>
+              </a:pPr>
+              <a:t>13</a:t>
             </a:fld>
             <a:endParaRPr lang="en-US" altLang="zh-CN"/>
           </a:p>
@@ -5389,8 +5480,8 @@
         </p:nvSpPr>
         <p:spPr>
           <a:xfrm>
-            <a:off x="457200" y="0"/>
-            <a:ext cx="8229600" cy="857250"/>
+            <a:off x="489857" y="80962"/>
+            <a:ext cx="8153400" cy="857250"/>
           </a:xfrm>
         </p:spPr>
         <p:txBody>
@@ -5405,6 +5496,315 @@
                 <a:latin typeface="Calibri Light" panose="020F0302020204030204" pitchFamily="34" charset="0"/>
                 <a:cs typeface="Calibri Light" panose="020F0302020204030204" pitchFamily="34" charset="0"/>
               </a:rPr>
+              <a:t>Example PM Metrics</a:t>
+            </a:r>
+          </a:p>
+        </p:txBody>
+      </p:sp>
+      <p:sp>
+        <p:nvSpPr>
+          <p:cNvPr id="4" name="Footer Placeholder 3"/>
+          <p:cNvSpPr>
+            <a:spLocks noGrp="1"/>
+          </p:cNvSpPr>
+          <p:nvPr>
+            <p:ph type="ftr" sz="quarter" idx="11"/>
+          </p:nvPr>
+        </p:nvSpPr>
+        <p:spPr>
+          <a:xfrm>
+            <a:off x="3124200" y="4800151"/>
+            <a:ext cx="2895600" cy="357188"/>
+          </a:xfrm>
+        </p:spPr>
+        <p:txBody>
+          <a:bodyPr/>
+          <a:lstStyle/>
+          <a:p>
+            <a:r>
+              <a:rPr lang="en-CA" dirty="0"/>
+              <a:t>109</a:t>
+            </a:r>
+            <a:r>
+              <a:rPr lang="en-CA" baseline="30000" dirty="0"/>
+              <a:t>th</a:t>
+            </a:r>
+            <a:r>
+              <a:rPr lang="en-CA" dirty="0"/>
+              <a:t> IETF Online</a:t>
+            </a:r>
+          </a:p>
+        </p:txBody>
+      </p:sp>
+      <p:sp>
+        <p:nvSpPr>
+          <p:cNvPr id="6" name="Content Placeholder 2"/>
+          <p:cNvSpPr>
+            <a:spLocks noGrp="1"/>
+          </p:cNvSpPr>
+          <p:nvPr>
+            <p:ph idx="1"/>
+          </p:nvPr>
+        </p:nvSpPr>
+        <p:spPr>
+          <a:xfrm>
+            <a:off x="533400" y="1009650"/>
+            <a:ext cx="8077200" cy="3124200"/>
+          </a:xfrm>
+        </p:spPr>
+        <p:txBody>
+          <a:bodyPr/>
+          <a:lstStyle/>
+          <a:p>
+            <a:pPr>
+              <a:lnSpc>
+                <a:spcPts val="2360"/>
+              </a:lnSpc>
+              <a:spcBef>
+                <a:spcPts val="600"/>
+              </a:spcBef>
+            </a:pPr>
+            <a:r>
+              <a:rPr lang="en-US" sz="2000" dirty="0">
+                <a:latin typeface="Calibri" panose="020F0502020204030204" pitchFamily="34" charset="0"/>
+                <a:cs typeface="Calibri" panose="020F0502020204030204" pitchFamily="34" charset="0"/>
+              </a:rPr>
+              <a:t>PM probe packets can be used to compute following delay metrics:</a:t>
+            </a:r>
+          </a:p>
+          <a:p>
+            <a:pPr lvl="1">
+              <a:lnSpc>
+                <a:spcPts val="2360"/>
+              </a:lnSpc>
+              <a:spcBef>
+                <a:spcPts val="600"/>
+              </a:spcBef>
+            </a:pPr>
+            <a:r>
+              <a:rPr lang="en-US" sz="2000" dirty="0">
+                <a:latin typeface="Calibri" panose="020F0502020204030204" pitchFamily="34" charset="0"/>
+                <a:cs typeface="Calibri" panose="020F0502020204030204" pitchFamily="34" charset="0"/>
+              </a:rPr>
+              <a:t>Minimum delay</a:t>
+            </a:r>
+          </a:p>
+          <a:p>
+            <a:pPr lvl="1">
+              <a:lnSpc>
+                <a:spcPts val="2360"/>
+              </a:lnSpc>
+              <a:spcBef>
+                <a:spcPts val="600"/>
+              </a:spcBef>
+            </a:pPr>
+            <a:r>
+              <a:rPr lang="en-US" sz="2000" dirty="0">
+                <a:latin typeface="Calibri" panose="020F0502020204030204" pitchFamily="34" charset="0"/>
+                <a:cs typeface="Calibri" panose="020F0502020204030204" pitchFamily="34" charset="0"/>
+              </a:rPr>
+              <a:t>Maximum delay</a:t>
+            </a:r>
+          </a:p>
+          <a:p>
+            <a:pPr lvl="1">
+              <a:lnSpc>
+                <a:spcPts val="2360"/>
+              </a:lnSpc>
+              <a:spcBef>
+                <a:spcPts val="600"/>
+              </a:spcBef>
+            </a:pPr>
+            <a:r>
+              <a:rPr lang="en-US" sz="2000" dirty="0">
+                <a:latin typeface="Calibri" panose="020F0502020204030204" pitchFamily="34" charset="0"/>
+                <a:cs typeface="Calibri" panose="020F0502020204030204" pitchFamily="34" charset="0"/>
+              </a:rPr>
+              <a:t>Average delay</a:t>
+            </a:r>
+          </a:p>
+          <a:p>
+            <a:pPr lvl="1">
+              <a:lnSpc>
+                <a:spcPts val="2360"/>
+              </a:lnSpc>
+              <a:spcBef>
+                <a:spcPts val="600"/>
+              </a:spcBef>
+            </a:pPr>
+            <a:r>
+              <a:rPr lang="en-US" sz="2000" dirty="0">
+                <a:latin typeface="Calibri" panose="020F0502020204030204" pitchFamily="34" charset="0"/>
+                <a:cs typeface="Calibri" panose="020F0502020204030204" pitchFamily="34" charset="0"/>
+              </a:rPr>
+              <a:t>Delay variance</a:t>
+            </a:r>
+          </a:p>
+          <a:p>
+            <a:pPr>
+              <a:lnSpc>
+                <a:spcPts val="2360"/>
+              </a:lnSpc>
+              <a:spcBef>
+                <a:spcPts val="600"/>
+              </a:spcBef>
+            </a:pPr>
+            <a:r>
+              <a:rPr lang="en-US" sz="2000" dirty="0">
+                <a:latin typeface="Calibri" panose="020F0502020204030204" pitchFamily="34" charset="0"/>
+                <a:cs typeface="Calibri" panose="020F0502020204030204" pitchFamily="34" charset="0"/>
+              </a:rPr>
+              <a:t>PM probe packet loss can be used to compute following loss metrics:</a:t>
+            </a:r>
+          </a:p>
+          <a:p>
+            <a:pPr lvl="1">
+              <a:lnSpc>
+                <a:spcPts val="2360"/>
+              </a:lnSpc>
+              <a:spcBef>
+                <a:spcPts val="600"/>
+              </a:spcBef>
+            </a:pPr>
+            <a:r>
+              <a:rPr lang="en-US" sz="2000" dirty="0">
+                <a:latin typeface="Calibri" panose="020F0502020204030204" pitchFamily="34" charset="0"/>
+                <a:cs typeface="Calibri" panose="020F0502020204030204" pitchFamily="34" charset="0"/>
+              </a:rPr>
+              <a:t>Synthetic packet loss (aka indirect-mode packet loss measurement)</a:t>
+            </a:r>
+          </a:p>
+          <a:p>
+            <a:pPr lvl="1">
+              <a:lnSpc>
+                <a:spcPts val="2360"/>
+              </a:lnSpc>
+              <a:spcBef>
+                <a:spcPts val="600"/>
+              </a:spcBef>
+            </a:pPr>
+            <a:r>
+              <a:rPr lang="en-US" sz="2000" dirty="0">
+                <a:latin typeface="Calibri" panose="020F0502020204030204" pitchFamily="34" charset="0"/>
+                <a:cs typeface="Calibri" panose="020F0502020204030204" pitchFamily="34" charset="0"/>
+              </a:rPr>
+              <a:t>Connection loss (aka liveness heart-beat failure detection)</a:t>
+            </a:r>
+          </a:p>
+          <a:p>
+            <a:pPr>
+              <a:lnSpc>
+                <a:spcPts val="2360"/>
+              </a:lnSpc>
+              <a:spcBef>
+                <a:spcPts val="600"/>
+              </a:spcBef>
+            </a:pPr>
+            <a:endParaRPr lang="en-US" sz="2000" dirty="0">
+              <a:latin typeface="Arial" panose="020B0604020202020204" pitchFamily="34" charset="0"/>
+              <a:cs typeface="Arial" panose="020B0604020202020204" pitchFamily="34" charset="0"/>
+            </a:endParaRPr>
+          </a:p>
+        </p:txBody>
+      </p:sp>
+      <p:sp>
+        <p:nvSpPr>
+          <p:cNvPr id="5" name="Slide Number Placeholder 4">
+            <a:extLst>
+              <a:ext uri="{FF2B5EF4-FFF2-40B4-BE49-F238E27FC236}">
+                <a16:creationId xmlns:a16="http://schemas.microsoft.com/office/drawing/2014/main" id="{DB7171B5-76A8-7648-8775-D1C8FBA7C22C}"/>
+              </a:ext>
+            </a:extLst>
+          </p:cNvPr>
+          <p:cNvSpPr>
+            <a:spLocks noGrp="1"/>
+          </p:cNvSpPr>
+          <p:nvPr>
+            <p:ph type="sldNum" sz="quarter" idx="12"/>
+          </p:nvPr>
+        </p:nvSpPr>
+        <p:spPr>
+          <a:xfrm>
+            <a:off x="6553200" y="4705350"/>
+            <a:ext cx="2133600" cy="357188"/>
+          </a:xfrm>
+        </p:spPr>
+        <p:txBody>
+          <a:bodyPr/>
+          <a:lstStyle/>
+          <a:p>
+            <a:pPr>
+              <a:defRPr/>
+            </a:pPr>
+            <a:fld id="{BD6E0F59-1DD8-40FC-9C92-B6295CBA6CCA}" type="slidenum">
+              <a:rPr lang="en-US" altLang="zh-CN" smtClean="0"/>
+              <a:pPr>
+                <a:defRPr/>
+              </a:pPr>
+              <a:t>11</a:t>
+            </a:fld>
+            <a:endParaRPr lang="en-US" altLang="zh-CN" dirty="0"/>
+          </a:p>
+        </p:txBody>
+      </p:sp>
+    </p:spTree>
+    <p:extLst>
+      <p:ext uri="{BB962C8B-B14F-4D97-AF65-F5344CB8AC3E}">
+        <p14:creationId xmlns:p14="http://schemas.microsoft.com/office/powerpoint/2010/main" val="2422956264"/>
+      </p:ext>
+    </p:extLst>
+  </p:cSld>
+  <p:clrMapOvr>
+    <a:masterClrMapping/>
+  </p:clrMapOvr>
+</p:sld>
+</file>
+
+<file path=ppt/slides/slide12.xml><?xml version="1.0" encoding="utf-8"?>
+<p:sld xmlns:a="http://schemas.openxmlformats.org/drawingml/2006/main" xmlns:r="http://schemas.openxmlformats.org/officeDocument/2006/relationships" xmlns:p="http://schemas.openxmlformats.org/presentationml/2006/main">
+  <p:cSld>
+    <p:spTree>
+      <p:nvGrpSpPr>
+        <p:cNvPr id="1" name=""/>
+        <p:cNvGrpSpPr/>
+        <p:nvPr/>
+      </p:nvGrpSpPr>
+      <p:grpSpPr>
+        <a:xfrm>
+          <a:off x="0" y="0"/>
+          <a:ext cx="0" cy="0"/>
+          <a:chOff x="0" y="0"/>
+          <a:chExt cx="0" cy="0"/>
+        </a:xfrm>
+      </p:grpSpPr>
+      <p:sp>
+        <p:nvSpPr>
+          <p:cNvPr id="2" name="Title 1"/>
+          <p:cNvSpPr>
+            <a:spLocks noGrp="1"/>
+          </p:cNvSpPr>
+          <p:nvPr>
+            <p:ph type="title"/>
+          </p:nvPr>
+        </p:nvSpPr>
+        <p:spPr>
+          <a:xfrm>
+            <a:off x="457200" y="0"/>
+            <a:ext cx="8229600" cy="857250"/>
+          </a:xfrm>
+        </p:spPr>
+        <p:txBody>
+          <a:bodyPr/>
+          <a:lstStyle/>
+          <a:p>
+            <a:r>
+              <a:rPr lang="en-US" sz="3600" dirty="0">
+                <a:solidFill>
+                  <a:srgbClr val="0070C0"/>
+                </a:solidFill>
+                <a:latin typeface="Calibri Light" panose="020F0302020204030204" pitchFamily="34" charset="0"/>
+                <a:cs typeface="Calibri Light" panose="020F0302020204030204" pitchFamily="34" charset="0"/>
+              </a:rPr>
               <a:t>Next Steps</a:t>
             </a:r>
           </a:p>
@@ -5527,7 +5927,7 @@
               <a:pPr>
                 <a:defRPr/>
               </a:pPr>
-              <a:t>11</a:t>
+              <a:t>12</a:t>
             </a:fld>
             <a:endParaRPr lang="en-US" altLang="zh-CN"/>
           </a:p>
@@ -5546,7 +5946,7 @@
 </p:sld>
 </file>
 
-<file path=ppt/slides/slide12.xml><?xml version="1.0" encoding="utf-8"?>
+<file path=ppt/slides/slide13.xml><?xml version="1.0" encoding="utf-8"?>
 <p:sld xmlns:a="http://schemas.openxmlformats.org/drawingml/2006/main" xmlns:r="http://schemas.openxmlformats.org/officeDocument/2006/relationships" xmlns:p="http://schemas.openxmlformats.org/presentationml/2006/main">
   <p:cSld>
     <p:spTree>
@@ -5810,7 +6210,7 @@
               <a:pPr>
                 <a:defRPr/>
               </a:pPr>
-              <a:t>12</a:t>
+              <a:t>13</a:t>
             </a:fld>
             <a:endParaRPr lang="en-US" altLang="zh-CN" dirty="0"/>
           </a:p>
@@ -6983,7 +7383,7 @@
               <a:rPr lang="en-CA" sz="1200" dirty="0">
                 <a:latin typeface="Courier" pitchFamily="2" charset="0"/>
               </a:rPr>
-              <a:t>                      Sender              Reflector</a:t>
+              <a:t>                  Session-Sender       Session-Reflector</a:t>
             </a:r>
           </a:p>
         </p:txBody>
@@ -7124,7 +7524,7 @@
             </a:r>
             <a:r>
               <a:rPr lang="en-US" sz="1600" dirty="0"/>
-              <a:t> is used for LM probe messages (unauthenticated mode).</a:t>
+              <a:t> is used for direct-mode LM probe messages (unauthenticated mode)</a:t>
             </a:r>
           </a:p>
           <a:p>
@@ -7209,7 +7609,7 @@
                 <a:ea typeface="Courier" charset="0"/>
                 <a:cs typeface="Courier" charset="0"/>
               </a:rPr>
-              <a:t>.  Source IP Address = Sender IPv4 or IPv6 Address              .</a:t>
+              <a:t>.  Source IP Address = Session-Sender IPv4 or IPv6 Address      .</a:t>
             </a:r>
           </a:p>
           <a:p>
@@ -7224,7 +7624,23 @@
                 <a:ea typeface="Courier" charset="0"/>
                 <a:cs typeface="Courier" charset="0"/>
               </a:rPr>
-              <a:t>.  Destination IP Address = Reflector IPv4 or IPv6 Address      .</a:t>
+              <a:t>.  Destination IP Address = Session-Reflector IPv4 or IPv6 </a:t>
+            </a:r>
+            <a:r>
+              <a:rPr lang="en-US" sz="1000" dirty="0" err="1">
+                <a:latin typeface="Courier" pitchFamily="2" charset="0"/>
+                <a:ea typeface="Courier" charset="0"/>
+                <a:cs typeface="Courier" charset="0"/>
+              </a:rPr>
+              <a:t>Addr</a:t>
+            </a:r>
+            <a:r>
+              <a:rPr lang="en-US" sz="1000" dirty="0">
+                <a:latin typeface="Courier" pitchFamily="2" charset="0"/>
+                <a:ea typeface="Courier" charset="0"/>
+                <a:cs typeface="Courier" charset="0"/>
+              </a:rPr>
+              <a:t> .</a:t>
             </a:r>
           </a:p>
           <a:p>
@@ -7299,7 +7715,7 @@
                 <a:ea typeface="Courier" charset="0"/>
                 <a:cs typeface="Courier" charset="0"/>
               </a:rPr>
-              <a:t>.  Source Port = As chosen by Sender                            .</a:t>
+              <a:t>.  Source Port = As chosen by Session-Sender                    .</a:t>
             </a:r>
           </a:p>
           <a:p>
@@ -7384,7 +7800,13 @@
               <a:rPr lang="en-CA" sz="1000" dirty="0">
                 <a:latin typeface="Courier" pitchFamily="2" charset="0"/>
               </a:rPr>
-              <a:t>DM Message as specified in Section 4.2 of RFC 8762</a:t>
+              <a:t>DM Message specified in Section 4.2 of RFC 8762</a:t>
+            </a:r>
+            <a:r>
+              <a:rPr lang="en-US" sz="1000" dirty="0">
+                <a:latin typeface="Courier" pitchFamily="2" charset="0"/>
+              </a:rPr>
+              <a:t> or  </a:t>
             </a:r>
             <a:r>
               <a:rPr lang="en-US" sz="1000" dirty="0">
@@ -7392,7 +7814,7 @@
                 <a:ea typeface="Courier" charset="0"/>
                 <a:cs typeface="Courier" charset="0"/>
               </a:rPr>
-              <a:t>| |</a:t>
+              <a:t>|</a:t>
             </a:r>
           </a:p>
           <a:p>
@@ -7413,7 +7835,7 @@
               <a:rPr lang="en-CA" sz="1000" dirty="0">
                 <a:latin typeface="Courier" pitchFamily="2" charset="0"/>
               </a:rPr>
-              <a:t>LM Message as specified in this document            </a:t>
+              <a:t>LM Message specified in this document               </a:t>
             </a:r>
             <a:r>
               <a:rPr lang="en-US" sz="1000" dirty="0">
@@ -8049,7 +8471,7 @@
             </a:r>
             <a:r>
               <a:rPr lang="en-US" sz="1600" dirty="0"/>
-              <a:t> is used for LM probe messages (unauthenticated mode) – same as Links.</a:t>
+              <a:t> is used for direct-mode LM probe messages (unauthenticated mode) – same as Links.</a:t>
             </a:r>
           </a:p>
           <a:p>
@@ -8105,7 +8527,7 @@
         <p:spPr>
           <a:xfrm>
             <a:off x="4267200" y="1986808"/>
-            <a:ext cx="3962400" cy="3208571"/>
+            <a:ext cx="3962400" cy="3093154"/>
           </a:xfrm>
           <a:prstGeom prst="rect">
             <a:avLst/>
@@ -8174,7 +8596,7 @@
                 <a:ea typeface="Courier" charset="0"/>
                 <a:cs typeface="Courier" charset="0"/>
               </a:rPr>
-              <a:t>.  Source IP Address = Sender IPv6 Address                      .</a:t>
+              <a:t>.  Source IP Address = Session-Sender IPv6 Address              .</a:t>
             </a:r>
           </a:p>
           <a:p>
@@ -8279,23 +8701,22 @@
                 <a:ea typeface="Courier" charset="0"/>
                 <a:cs typeface="Courier" charset="0"/>
               </a:rPr>
-              <a:t>| IP </a:t>
-            </a:r>
-            <a:r>
-              <a:rPr lang="en-US" sz="750">
-                <a:latin typeface="Courier" pitchFamily="2" charset="0"/>
-                <a:ea typeface="Courier" charset="0"/>
-                <a:cs typeface="Courier" charset="0"/>
-              </a:rPr>
-              <a:t>Header (as </a:t>
-            </a:r>
+              <a:t>| IP Header (as needed)                                         |</a:t>
+            </a:r>
+          </a:p>
+          <a:p>
+            <a:pPr>
+              <a:spcAft>
+                <a:spcPts val="0"/>
+              </a:spcAft>
+            </a:pPr>
             <a:r>
               <a:rPr lang="en-US" sz="750" dirty="0">
                 <a:latin typeface="Courier" pitchFamily="2" charset="0"/>
                 <a:ea typeface="Courier" charset="0"/>
                 <a:cs typeface="Courier" charset="0"/>
               </a:rPr>
-              <a:t>needed)                                         |</a:t>
+              <a:t>.  Source IP Address = Session-Sender IPv6 Address              .</a:t>
             </a:r>
           </a:p>
           <a:p>
@@ -8310,7 +8731,23 @@
                 <a:ea typeface="Courier" charset="0"/>
                 <a:cs typeface="Courier" charset="0"/>
               </a:rPr>
-              <a:t>.  Source IP Address = Sender IPv6 Address                      .</a:t>
+              <a:t>.  Destination IP Address = </a:t>
+            </a:r>
+            <a:r>
+              <a:rPr lang="en-US" sz="750" b="1" dirty="0">
+                <a:latin typeface="Courier" pitchFamily="2" charset="0"/>
+                <a:ea typeface="Courier" charset="0"/>
+                <a:cs typeface="Courier" charset="0"/>
+              </a:rPr>
+              <a:t>Session-Reflector</a:t>
+            </a:r>
+            <a:r>
+              <a:rPr lang="en-US" sz="750" dirty="0">
+                <a:latin typeface="Courier" pitchFamily="2" charset="0"/>
+                <a:ea typeface="Courier" charset="0"/>
+                <a:cs typeface="Courier" charset="0"/>
+              </a:rPr>
+              <a:t> IPv6 Address      .</a:t>
             </a:r>
           </a:p>
           <a:p>
@@ -8325,23 +8762,22 @@
                 <a:ea typeface="Courier" charset="0"/>
                 <a:cs typeface="Courier" charset="0"/>
               </a:rPr>
-              <a:t>.  Destination IP Address = </a:t>
-            </a:r>
-            <a:r>
-              <a:rPr lang="en-US" sz="750" b="1" dirty="0">
-                <a:latin typeface="Courier" pitchFamily="2" charset="0"/>
-                <a:ea typeface="Courier" charset="0"/>
-                <a:cs typeface="Courier" charset="0"/>
-              </a:rPr>
-              <a:t>Reflector</a:t>
-            </a:r>
+              <a:t>.                                                               .</a:t>
+            </a:r>
+          </a:p>
+          <a:p>
+            <a:pPr>
+              <a:spcAft>
+                <a:spcPts val="0"/>
+              </a:spcAft>
+            </a:pPr>
             <a:r>
               <a:rPr lang="en-US" sz="750" dirty="0">
                 <a:latin typeface="Courier" pitchFamily="2" charset="0"/>
                 <a:ea typeface="Courier" charset="0"/>
                 <a:cs typeface="Courier" charset="0"/>
               </a:rPr>
-              <a:t> IPv6 Address              .</a:t>
+              <a:t>+---------------------------------------------------------------+</a:t>
             </a:r>
           </a:p>
           <a:p>
@@ -8356,7 +8792,7 @@
                 <a:ea typeface="Courier" charset="0"/>
                 <a:cs typeface="Courier" charset="0"/>
               </a:rPr>
-              <a:t>.                                                               .</a:t>
+              <a:t>| UDP Header                                                    |</a:t>
             </a:r>
           </a:p>
           <a:p>
@@ -8371,37 +8807,7 @@
                 <a:ea typeface="Courier" charset="0"/>
                 <a:cs typeface="Courier" charset="0"/>
               </a:rPr>
-              <a:t>+---------------------------------------------------------------+</a:t>
-            </a:r>
-          </a:p>
-          <a:p>
-            <a:pPr>
-              <a:spcAft>
-                <a:spcPts val="0"/>
-              </a:spcAft>
-            </a:pPr>
-            <a:r>
-              <a:rPr lang="en-US" sz="750" dirty="0">
-                <a:latin typeface="Courier" pitchFamily="2" charset="0"/>
-                <a:ea typeface="Courier" charset="0"/>
-                <a:cs typeface="Courier" charset="0"/>
-              </a:rPr>
-              <a:t>| UDP Header                                                    |</a:t>
-            </a:r>
-          </a:p>
-          <a:p>
-            <a:pPr>
-              <a:spcAft>
-                <a:spcPts val="0"/>
-              </a:spcAft>
-            </a:pPr>
-            <a:r>
-              <a:rPr lang="en-US" sz="750" dirty="0">
-                <a:latin typeface="Courier" pitchFamily="2" charset="0"/>
-                <a:ea typeface="Courier" charset="0"/>
-                <a:cs typeface="Courier" charset="0"/>
-              </a:rPr>
-              <a:t>.  Source Port = As chosen by Sender                            .</a:t>
+              <a:t>.  Source Port = As chosen by Session-Sender                    .</a:t>
             </a:r>
           </a:p>
           <a:p>
@@ -8611,7 +9017,11 @@
           </a:p>
           <a:p>
             <a:r>
-              <a:rPr lang="en-US" sz="1600" b="1" dirty="0"/>
+              <a:rPr lang="en-US" sz="1600" dirty="0">
+                <a:solidFill>
+                  <a:srgbClr val="0070C0"/>
+                </a:solidFill>
+              </a:rPr>
               <a:t>Use Segment List from Return Path TLV if present in probe query message.</a:t>
             </a:r>
           </a:p>
@@ -8702,7 +9112,7 @@
                 <a:latin typeface="Courier" pitchFamily="2" charset="0"/>
                 <a:cs typeface="Courier New" panose="02070309020205020404" pitchFamily="49" charset="0"/>
               </a:rPr>
-              <a:t>.  Source IP Address = Reflector IPv4 or IPv6 Address           .</a:t>
+              <a:t>.  Source IP Address = Session-Reflector IPv4 or IPv6 Address   .</a:t>
             </a:r>
           </a:p>
           <a:p>
@@ -8756,7 +9166,7 @@
                 <a:latin typeface="Courier" pitchFamily="2" charset="0"/>
                 <a:cs typeface="Courier New" panose="02070309020205020404" pitchFamily="49" charset="0"/>
               </a:rPr>
-              <a:t>.  Source Port = As chosen by Reflector                         .</a:t>
+              <a:t>.  Source Port = As chosen by Session-Reflector                 .</a:t>
             </a:r>
           </a:p>
           <a:p>

--- a/draft-gandhi-spring-stamp-srpm-03.pptx
+++ b/draft-gandhi-spring-stamp-srpm-03.pptx
@@ -5,25 +5,26 @@
     <p:sldMasterId id="2147483648" r:id="rId1"/>
   </p:sldMasterIdLst>
   <p:notesMasterIdLst>
-    <p:notesMasterId r:id="rId15"/>
+    <p:notesMasterId r:id="rId16"/>
   </p:notesMasterIdLst>
   <p:handoutMasterIdLst>
-    <p:handoutMasterId r:id="rId16"/>
+    <p:handoutMasterId r:id="rId17"/>
   </p:handoutMasterIdLst>
   <p:sldIdLst>
     <p:sldId id="1661" r:id="rId2"/>
     <p:sldId id="1662" r:id="rId3"/>
     <p:sldId id="1663" r:id="rId4"/>
     <p:sldId id="1653" r:id="rId5"/>
-    <p:sldId id="1652" r:id="rId6"/>
-    <p:sldId id="1657" r:id="rId7"/>
-    <p:sldId id="1673" r:id="rId8"/>
-    <p:sldId id="320" r:id="rId9"/>
-    <p:sldId id="1658" r:id="rId10"/>
-    <p:sldId id="1667" r:id="rId11"/>
-    <p:sldId id="1674" r:id="rId12"/>
-    <p:sldId id="1670" r:id="rId13"/>
-    <p:sldId id="1654" r:id="rId14"/>
+    <p:sldId id="1675" r:id="rId6"/>
+    <p:sldId id="1652" r:id="rId7"/>
+    <p:sldId id="1657" r:id="rId8"/>
+    <p:sldId id="1673" r:id="rId9"/>
+    <p:sldId id="320" r:id="rId10"/>
+    <p:sldId id="1658" r:id="rId11"/>
+    <p:sldId id="1667" r:id="rId12"/>
+    <p:sldId id="1674" r:id="rId13"/>
+    <p:sldId id="1670" r:id="rId14"/>
+    <p:sldId id="1654" r:id="rId15"/>
   </p:sldIdLst>
   <p:sldSz cx="9144000" cy="5143500" type="screen16x9"/>
   <p:notesSz cx="6858000" cy="9144000"/>
@@ -256,7 +257,7 @@
           <a:p>
             <a:fld id="{E8FA3DB5-7722-3F4F-947D-12B203669AD7}" type="datetimeFigureOut">
               <a:rPr lang="en-US" smtClean="0"/>
-              <a:t>11/8/20</a:t>
+              <a:t>11/9/20</a:t>
             </a:fld>
             <a:endParaRPr lang="en-US"/>
           </a:p>
@@ -873,6 +874,96 @@
 </p:notes>
 </file>
 
+<file path=ppt/notesSlides/notesSlide10.xml><?xml version="1.0" encoding="utf-8"?>
+<p:notes xmlns:a="http://schemas.openxmlformats.org/drawingml/2006/main" xmlns:r="http://schemas.openxmlformats.org/officeDocument/2006/relationships" xmlns:p="http://schemas.openxmlformats.org/presentationml/2006/main">
+  <p:cSld>
+    <p:spTree>
+      <p:nvGrpSpPr>
+        <p:cNvPr id="1" name=""/>
+        <p:cNvGrpSpPr/>
+        <p:nvPr/>
+      </p:nvGrpSpPr>
+      <p:grpSpPr>
+        <a:xfrm>
+          <a:off x="0" y="0"/>
+          <a:ext cx="0" cy="0"/>
+          <a:chOff x="0" y="0"/>
+          <a:chExt cx="0" cy="0"/>
+        </a:xfrm>
+      </p:grpSpPr>
+      <p:sp>
+        <p:nvSpPr>
+          <p:cNvPr id="2" name="Slide Image Placeholder 1"/>
+          <p:cNvSpPr>
+            <a:spLocks noGrp="1" noRot="1" noChangeAspect="1"/>
+          </p:cNvSpPr>
+          <p:nvPr>
+            <p:ph type="sldImg"/>
+          </p:nvPr>
+        </p:nvSpPr>
+        <p:spPr/>
+      </p:sp>
+      <p:sp>
+        <p:nvSpPr>
+          <p:cNvPr id="3" name="Notes Placeholder 2"/>
+          <p:cNvSpPr>
+            <a:spLocks noGrp="1"/>
+          </p:cNvSpPr>
+          <p:nvPr>
+            <p:ph type="body" idx="1"/>
+          </p:nvPr>
+        </p:nvSpPr>
+        <p:spPr/>
+        <p:txBody>
+          <a:bodyPr/>
+          <a:lstStyle/>
+          <a:p>
+            <a:endParaRPr lang="en-US" dirty="0"/>
+          </a:p>
+        </p:txBody>
+      </p:sp>
+      <p:sp>
+        <p:nvSpPr>
+          <p:cNvPr id="4" name="Slide Number Placeholder 3"/>
+          <p:cNvSpPr>
+            <a:spLocks noGrp="1"/>
+          </p:cNvSpPr>
+          <p:nvPr>
+            <p:ph type="sldNum" sz="quarter" idx="10"/>
+          </p:nvPr>
+        </p:nvSpPr>
+        <p:spPr/>
+        <p:txBody>
+          <a:bodyPr/>
+          <a:lstStyle/>
+          <a:p>
+            <a:pPr>
+              <a:defRPr/>
+            </a:pPr>
+            <a:fld id="{100938BD-FD70-4535-B0C2-13FC38CDF1BE}" type="slidenum">
+              <a:rPr lang="en-US" altLang="zh-CN" smtClean="0"/>
+              <a:pPr>
+                <a:defRPr/>
+              </a:pPr>
+              <a:t>14</a:t>
+            </a:fld>
+            <a:endParaRPr lang="en-US" altLang="zh-CN"/>
+          </a:p>
+        </p:txBody>
+      </p:sp>
+    </p:spTree>
+    <p:extLst>
+      <p:ext uri="{BB962C8B-B14F-4D97-AF65-F5344CB8AC3E}">
+        <p14:creationId xmlns:p14="http://schemas.microsoft.com/office/powerpoint/2010/main" val="2642803163"/>
+      </p:ext>
+    </p:extLst>
+  </p:cSld>
+  <p:clrMapOvr>
+    <a:masterClrMapping/>
+  </p:clrMapOvr>
+</p:notes>
+</file>
+
 <file path=ppt/notesSlides/notesSlide2.xml><?xml version="1.0" encoding="utf-8"?>
 <p:notes xmlns:a="http://schemas.openxmlformats.org/drawingml/2006/main" xmlns:r="http://schemas.openxmlformats.org/officeDocument/2006/relationships" xmlns:p="http://schemas.openxmlformats.org/presentationml/2006/main">
   <p:cSld>
@@ -1187,7 +1278,7 @@
           <a:bodyPr/>
           <a:lstStyle/>
           <a:p>
-            <a:endParaRPr lang="en-US" dirty="0"/>
+            <a:endParaRPr lang="en-CA" dirty="0"/>
           </a:p>
         </p:txBody>
       </p:sp>
@@ -1214,7 +1305,7 @@
               <a:pPr>
                 <a:defRPr/>
               </a:pPr>
-              <a:t>9</a:t>
+              <a:t>5</a:t>
             </a:fld>
             <a:endParaRPr lang="en-US" altLang="zh-CN"/>
           </a:p>
@@ -1223,7 +1314,7 @@
     </p:spTree>
     <p:extLst>
       <p:ext uri="{BB962C8B-B14F-4D97-AF65-F5344CB8AC3E}">
-        <p14:creationId xmlns:p14="http://schemas.microsoft.com/office/powerpoint/2010/main" val="3887132760"/>
+        <p14:creationId xmlns:p14="http://schemas.microsoft.com/office/powerpoint/2010/main" val="2410420699"/>
       </p:ext>
     </p:extLst>
   </p:cSld>
@@ -1313,7 +1404,7 @@
     </p:spTree>
     <p:extLst>
       <p:ext uri="{BB962C8B-B14F-4D97-AF65-F5344CB8AC3E}">
-        <p14:creationId xmlns:p14="http://schemas.microsoft.com/office/powerpoint/2010/main" val="2056051401"/>
+        <p14:creationId xmlns:p14="http://schemas.microsoft.com/office/powerpoint/2010/main" val="3887132760"/>
       </p:ext>
     </p:extLst>
   </p:cSld>
@@ -1403,7 +1494,7 @@
     </p:spTree>
     <p:extLst>
       <p:ext uri="{BB962C8B-B14F-4D97-AF65-F5344CB8AC3E}">
-        <p14:creationId xmlns:p14="http://schemas.microsoft.com/office/powerpoint/2010/main" val="2316887433"/>
+        <p14:creationId xmlns:p14="http://schemas.microsoft.com/office/powerpoint/2010/main" val="2056051401"/>
       </p:ext>
     </p:extLst>
   </p:cSld>
@@ -1457,7 +1548,7 @@
           <a:bodyPr/>
           <a:lstStyle/>
           <a:p>
-            <a:endParaRPr lang="en-CA" dirty="0"/>
+            <a:endParaRPr lang="en-US" dirty="0"/>
           </a:p>
         </p:txBody>
       </p:sp>
@@ -1493,7 +1584,7 @@
     </p:spTree>
     <p:extLst>
       <p:ext uri="{BB962C8B-B14F-4D97-AF65-F5344CB8AC3E}">
-        <p14:creationId xmlns:p14="http://schemas.microsoft.com/office/powerpoint/2010/main" val="903991211"/>
+        <p14:creationId xmlns:p14="http://schemas.microsoft.com/office/powerpoint/2010/main" val="2316887433"/>
       </p:ext>
     </p:extLst>
   </p:cSld>
@@ -1547,7 +1638,7 @@
           <a:bodyPr/>
           <a:lstStyle/>
           <a:p>
-            <a:endParaRPr lang="en-US" dirty="0"/>
+            <a:endParaRPr lang="en-CA" dirty="0"/>
           </a:p>
         </p:txBody>
       </p:sp>
@@ -1583,7 +1674,7 @@
     </p:spTree>
     <p:extLst>
       <p:ext uri="{BB962C8B-B14F-4D97-AF65-F5344CB8AC3E}">
-        <p14:creationId xmlns:p14="http://schemas.microsoft.com/office/powerpoint/2010/main" val="2642803163"/>
+        <p14:creationId xmlns:p14="http://schemas.microsoft.com/office/powerpoint/2010/main" val="903991211"/>
       </p:ext>
     </p:extLst>
   </p:cSld>
@@ -5213,24 +5304,143 @@
                 <a:latin typeface="Calibri Light" panose="020F0302020204030204" pitchFamily="34" charset="0"/>
                 <a:cs typeface="Calibri Light" panose="020F0302020204030204" pitchFamily="34" charset="0"/>
               </a:rPr>
-              <a:t>Performance Measurement Modes</a:t>
-            </a:r>
-          </a:p>
-        </p:txBody>
-      </p:sp>
-      <p:sp>
-        <p:nvSpPr>
-          <p:cNvPr id="4" name="Footer Placeholder 3"/>
+              <a:t>ECMP Support for SR Path</a:t>
+            </a:r>
+          </a:p>
+        </p:txBody>
+      </p:sp>
+      <p:sp>
+        <p:nvSpPr>
+          <p:cNvPr id="3" name="Content Placeholder 2"/>
           <p:cNvSpPr>
             <a:spLocks noGrp="1"/>
           </p:cNvSpPr>
           <p:nvPr>
-            <p:ph type="ftr" sz="quarter" idx="11"/>
+            <p:ph idx="1"/>
           </p:nvPr>
         </p:nvSpPr>
         <p:spPr>
           <a:xfrm>
-            <a:off x="3124200" y="4800151"/>
+            <a:off x="419100" y="912201"/>
+            <a:ext cx="8305800" cy="3259750"/>
+          </a:xfrm>
+        </p:spPr>
+        <p:txBody>
+          <a:bodyPr/>
+          <a:lstStyle/>
+          <a:p>
+            <a:pPr>
+              <a:lnSpc>
+                <a:spcPts val="2280"/>
+              </a:lnSpc>
+              <a:spcBef>
+                <a:spcPts val="0"/>
+              </a:spcBef>
+            </a:pPr>
+            <a:r>
+              <a:rPr lang="en-US" sz="1800" dirty="0"/>
+              <a:t>SR Path can have ECMP between the ingress and transit nodes, between transit nodes and between transit and egress nodes.</a:t>
+            </a:r>
+          </a:p>
+          <a:p>
+            <a:pPr>
+              <a:lnSpc>
+                <a:spcPts val="2280"/>
+              </a:lnSpc>
+              <a:spcBef>
+                <a:spcPts val="0"/>
+              </a:spcBef>
+            </a:pPr>
+            <a:r>
+              <a:rPr lang="en-US" sz="1800" dirty="0"/>
+              <a:t>Sending probe queries that can take advantage of the hashing function in forwarding plane.</a:t>
+            </a:r>
+          </a:p>
+          <a:p>
+            <a:pPr>
+              <a:lnSpc>
+                <a:spcPts val="2280"/>
+              </a:lnSpc>
+              <a:spcBef>
+                <a:spcPts val="0"/>
+              </a:spcBef>
+            </a:pPr>
+            <a:r>
+              <a:rPr lang="en-US" sz="1800" dirty="0"/>
+              <a:t>Existing forwarding mechanisms are applicable to probe messages. Examples are:</a:t>
+            </a:r>
+          </a:p>
+          <a:p>
+            <a:pPr lvl="1">
+              <a:lnSpc>
+                <a:spcPts val="2280"/>
+              </a:lnSpc>
+              <a:spcBef>
+                <a:spcPts val="0"/>
+              </a:spcBef>
+            </a:pPr>
+            <a:r>
+              <a:rPr lang="en-US" sz="1800" dirty="0"/>
+              <a:t>For IPv4</a:t>
+            </a:r>
+          </a:p>
+          <a:p>
+            <a:pPr lvl="2">
+              <a:lnSpc>
+                <a:spcPts val="2280"/>
+              </a:lnSpc>
+              <a:spcBef>
+                <a:spcPts val="0"/>
+              </a:spcBef>
+            </a:pPr>
+            <a:r>
+              <a:rPr lang="en-US" sz="1800" dirty="0"/>
+              <a:t>Sweeping destination address in IPv4 header (e.g. 127/8)</a:t>
+            </a:r>
+          </a:p>
+          <a:p>
+            <a:pPr lvl="1">
+              <a:lnSpc>
+                <a:spcPts val="2280"/>
+              </a:lnSpc>
+              <a:spcBef>
+                <a:spcPts val="0"/>
+              </a:spcBef>
+            </a:pPr>
+            <a:r>
+              <a:rPr lang="en-US" sz="1800" dirty="0"/>
+              <a:t>For IPv6</a:t>
+            </a:r>
+          </a:p>
+          <a:p>
+            <a:pPr lvl="2">
+              <a:lnSpc>
+                <a:spcPts val="2280"/>
+              </a:lnSpc>
+              <a:spcBef>
+                <a:spcPts val="0"/>
+              </a:spcBef>
+            </a:pPr>
+            <a:r>
+              <a:rPr lang="en-US" sz="1800" dirty="0"/>
+              <a:t>Sweeping flow label in IPv6 header</a:t>
+            </a:r>
+          </a:p>
+        </p:txBody>
+      </p:sp>
+      <p:sp>
+        <p:nvSpPr>
+          <p:cNvPr id="4" name="Footer Placeholder 3"/>
+          <p:cNvSpPr>
+            <a:spLocks noGrp="1"/>
+          </p:cNvSpPr>
+          <p:nvPr>
+            <p:ph type="ftr" sz="quarter" idx="11"/>
+          </p:nvPr>
+        </p:nvSpPr>
+        <p:spPr>
+          <a:xfrm>
+            <a:off x="3124200" y="4781550"/>
             <a:ext cx="2895600" cy="357188"/>
           </a:xfrm>
         </p:spPr>
@@ -5255,171 +5465,15 @@
       </p:sp>
       <p:sp>
         <p:nvSpPr>
-          <p:cNvPr id="6" name="Content Placeholder 2"/>
+          <p:cNvPr id="5" name="Slide Number Placeholder 4"/>
           <p:cNvSpPr>
             <a:spLocks noGrp="1"/>
           </p:cNvSpPr>
           <p:nvPr>
-            <p:ph idx="1"/>
-          </p:nvPr>
-        </p:nvSpPr>
-        <p:spPr>
-          <a:xfrm>
-            <a:off x="457200" y="1009650"/>
-            <a:ext cx="8319052" cy="3124200"/>
-          </a:xfrm>
-        </p:spPr>
-        <p:txBody>
-          <a:bodyPr/>
-          <a:lstStyle/>
-          <a:p>
-            <a:pPr>
-              <a:lnSpc>
-                <a:spcPts val="2360"/>
-              </a:lnSpc>
-              <a:spcBef>
-                <a:spcPts val="600"/>
-              </a:spcBef>
-            </a:pPr>
-            <a:r>
-              <a:rPr lang="en-US" sz="1800" dirty="0"/>
-              <a:t>One-way Measurement Mode</a:t>
-            </a:r>
-          </a:p>
-          <a:p>
-            <a:pPr lvl="1">
-              <a:lnSpc>
-                <a:spcPts val="2360"/>
-              </a:lnSpc>
-              <a:spcBef>
-                <a:spcPts val="600"/>
-              </a:spcBef>
-            </a:pPr>
-            <a:r>
-              <a:rPr lang="en-US" sz="1800" dirty="0"/>
-              <a:t>Reply sent “out of band” on IP/UDP path by default</a:t>
-            </a:r>
-          </a:p>
-          <a:p>
-            <a:pPr>
-              <a:lnSpc>
-                <a:spcPts val="2360"/>
-              </a:lnSpc>
-              <a:spcBef>
-                <a:spcPts val="600"/>
-              </a:spcBef>
-            </a:pPr>
-            <a:r>
-              <a:rPr lang="en-US" sz="1800" dirty="0"/>
-              <a:t>Two-way Measurement Mode</a:t>
-            </a:r>
-          </a:p>
-          <a:p>
-            <a:pPr lvl="1">
-              <a:lnSpc>
-                <a:spcPts val="2360"/>
-              </a:lnSpc>
-              <a:spcBef>
-                <a:spcPts val="600"/>
-              </a:spcBef>
-            </a:pPr>
-            <a:r>
-              <a:rPr lang="en-US" sz="1800" dirty="0"/>
-              <a:t>Reply sent “in-band” on reverse SR path</a:t>
-            </a:r>
-          </a:p>
-          <a:p>
-            <a:pPr lvl="2">
-              <a:lnSpc>
-                <a:spcPts val="2360"/>
-              </a:lnSpc>
-              <a:spcBef>
-                <a:spcPts val="600"/>
-              </a:spcBef>
-            </a:pPr>
-            <a:r>
-              <a:rPr lang="en-US" sz="1800" dirty="0"/>
-              <a:t>Based on Control Code from the probe query message</a:t>
-            </a:r>
-          </a:p>
-          <a:p>
-            <a:pPr lvl="1">
-              <a:lnSpc>
-                <a:spcPts val="2360"/>
-              </a:lnSpc>
-              <a:spcBef>
-                <a:spcPts val="600"/>
-              </a:spcBef>
-            </a:pPr>
-            <a:r>
-              <a:rPr lang="en-US" sz="1800" b="1" dirty="0"/>
-              <a:t>Use Return Path TLV for STAMP from the probe query message</a:t>
-            </a:r>
-          </a:p>
-          <a:p>
-            <a:pPr>
-              <a:lnSpc>
-                <a:spcPts val="2360"/>
-              </a:lnSpc>
-              <a:spcBef>
-                <a:spcPts val="600"/>
-              </a:spcBef>
-            </a:pPr>
-            <a:r>
-              <a:rPr lang="en-US" sz="1800" dirty="0"/>
-              <a:t>Loopback Measurement Mode</a:t>
-            </a:r>
-          </a:p>
-          <a:p>
-            <a:pPr lvl="1">
-              <a:lnSpc>
-                <a:spcPts val="2360"/>
-              </a:lnSpc>
-              <a:spcBef>
-                <a:spcPts val="600"/>
-              </a:spcBef>
-            </a:pPr>
-            <a:r>
-              <a:rPr lang="en-US" sz="1800" dirty="0"/>
-              <a:t>Probe message carries the return path in the header of the packet</a:t>
-            </a:r>
-            <a:endParaRPr lang="en-US" sz="1800" b="1" dirty="0"/>
-          </a:p>
-          <a:p>
-            <a:pPr>
-              <a:lnSpc>
-                <a:spcPts val="2360"/>
-              </a:lnSpc>
-              <a:spcBef>
-                <a:spcPts val="600"/>
-              </a:spcBef>
-            </a:pPr>
-            <a:endParaRPr lang="en-US" sz="1800" dirty="0"/>
-          </a:p>
-        </p:txBody>
-      </p:sp>
-      <p:sp>
-        <p:nvSpPr>
-          <p:cNvPr id="5" name="Slide Number Placeholder 4">
-            <a:extLst>
-              <a:ext uri="{FF2B5EF4-FFF2-40B4-BE49-F238E27FC236}">
-                <a16:creationId xmlns:a16="http://schemas.microsoft.com/office/drawing/2014/main" id="{DB7171B5-76A8-7648-8775-D1C8FBA7C22C}"/>
-              </a:ext>
-            </a:extLst>
-          </p:cNvPr>
-          <p:cNvSpPr>
-            <a:spLocks noGrp="1"/>
-          </p:cNvSpPr>
-          <p:nvPr>
             <p:ph type="sldNum" sz="quarter" idx="12"/>
           </p:nvPr>
         </p:nvSpPr>
-        <p:spPr>
-          <a:xfrm>
-            <a:off x="6553200" y="4705350"/>
-            <a:ext cx="2133600" cy="357188"/>
-          </a:xfrm>
-        </p:spPr>
+        <p:spPr/>
         <p:txBody>
           <a:bodyPr/>
           <a:lstStyle/>
@@ -5434,14 +5488,14 @@
               </a:pPr>
               <a:t>10</a:t>
             </a:fld>
-            <a:endParaRPr lang="en-US" altLang="zh-CN" dirty="0"/>
+            <a:endParaRPr lang="en-US" altLang="zh-CN"/>
           </a:p>
         </p:txBody>
       </p:sp>
     </p:spTree>
     <p:extLst>
       <p:ext uri="{BB962C8B-B14F-4D97-AF65-F5344CB8AC3E}">
-        <p14:creationId xmlns:p14="http://schemas.microsoft.com/office/powerpoint/2010/main" val="421663941"/>
+        <p14:creationId xmlns:p14="http://schemas.microsoft.com/office/powerpoint/2010/main" val="1470821304"/>
       </p:ext>
     </p:extLst>
   </p:cSld>
@@ -5480,8 +5534,8 @@
         </p:nvSpPr>
         <p:spPr>
           <a:xfrm>
-            <a:off x="489857" y="80962"/>
-            <a:ext cx="8153400" cy="857250"/>
+            <a:off x="457200" y="0"/>
+            <a:ext cx="8229600" cy="857250"/>
           </a:xfrm>
         </p:spPr>
         <p:txBody>
@@ -5496,7 +5550,7 @@
                 <a:latin typeface="Calibri Light" panose="020F0302020204030204" pitchFamily="34" charset="0"/>
                 <a:cs typeface="Calibri Light" panose="020F0302020204030204" pitchFamily="34" charset="0"/>
               </a:rPr>
-              <a:t>Example PM Metrics</a:t>
+              <a:t>Performance Measurement Modes</a:t>
             </a:r>
           </a:p>
         </p:txBody>
@@ -5548,8 +5602,8 @@
         </p:nvSpPr>
         <p:spPr>
           <a:xfrm>
-            <a:off x="533400" y="1009650"/>
-            <a:ext cx="8077200" cy="3124200"/>
+            <a:off x="457200" y="1009650"/>
+            <a:ext cx="8319052" cy="3124200"/>
           </a:xfrm>
         </p:spPr>
         <p:txBody>
@@ -5565,11 +5619,8 @@
               </a:spcBef>
             </a:pPr>
             <a:r>
-              <a:rPr lang="en-US" sz="2000" dirty="0">
-                <a:latin typeface="Calibri" panose="020F0502020204030204" pitchFamily="34" charset="0"/>
-                <a:cs typeface="Calibri" panose="020F0502020204030204" pitchFamily="34" charset="0"/>
-              </a:rPr>
-              <a:t>PM probe packets can be used to compute following delay metrics:</a:t>
+              <a:rPr lang="en-US" sz="1800" dirty="0"/>
+              <a:t>One-way Measurement Mode</a:t>
             </a:r>
           </a:p>
           <a:p>
@@ -5582,11 +5633,22 @@
               </a:spcBef>
             </a:pPr>
             <a:r>
-              <a:rPr lang="en-US" sz="2000" dirty="0">
-                <a:latin typeface="Calibri" panose="020F0502020204030204" pitchFamily="34" charset="0"/>
-                <a:cs typeface="Calibri" panose="020F0502020204030204" pitchFamily="34" charset="0"/>
-              </a:rPr>
-              <a:t>Minimum delay</a:t>
+              <a:rPr lang="en-US" sz="1800" dirty="0"/>
+              <a:t>Reply sent “out of band” on IP/UDP path by default</a:t>
+            </a:r>
+          </a:p>
+          <a:p>
+            <a:pPr>
+              <a:lnSpc>
+                <a:spcPts val="2360"/>
+              </a:lnSpc>
+              <a:spcBef>
+                <a:spcPts val="600"/>
+              </a:spcBef>
+            </a:pPr>
+            <a:r>
+              <a:rPr lang="en-US" sz="1800" dirty="0"/>
+              <a:t>Two-way Measurement Mode</a:t>
             </a:r>
           </a:p>
           <a:p>
@@ -5599,11 +5661,22 @@
               </a:spcBef>
             </a:pPr>
             <a:r>
-              <a:rPr lang="en-US" sz="2000" dirty="0">
-                <a:latin typeface="Calibri" panose="020F0502020204030204" pitchFamily="34" charset="0"/>
-                <a:cs typeface="Calibri" panose="020F0502020204030204" pitchFamily="34" charset="0"/>
-              </a:rPr>
-              <a:t>Maximum delay</a:t>
+              <a:rPr lang="en-US" sz="1800" dirty="0"/>
+              <a:t>Reply sent “in-band” on reverse SR path</a:t>
+            </a:r>
+          </a:p>
+          <a:p>
+            <a:pPr lvl="2">
+              <a:lnSpc>
+                <a:spcPts val="2360"/>
+              </a:lnSpc>
+              <a:spcBef>
+                <a:spcPts val="600"/>
+              </a:spcBef>
+            </a:pPr>
+            <a:r>
+              <a:rPr lang="en-US" sz="1800" dirty="0"/>
+              <a:t>Based on Control Code from the probe query message</a:t>
             </a:r>
           </a:p>
           <a:p>
@@ -5616,11 +5689,22 @@
               </a:spcBef>
             </a:pPr>
             <a:r>
-              <a:rPr lang="en-US" sz="2000" dirty="0">
-                <a:latin typeface="Calibri" panose="020F0502020204030204" pitchFamily="34" charset="0"/>
-                <a:cs typeface="Calibri" panose="020F0502020204030204" pitchFamily="34" charset="0"/>
-              </a:rPr>
-              <a:t>Average delay</a:t>
+              <a:rPr lang="en-US" sz="1800" b="1" dirty="0"/>
+              <a:t>Use Return Path TLV for STAMP from the probe query message</a:t>
+            </a:r>
+          </a:p>
+          <a:p>
+            <a:pPr>
+              <a:lnSpc>
+                <a:spcPts val="2360"/>
+              </a:lnSpc>
+              <a:spcBef>
+                <a:spcPts val="600"/>
+              </a:spcBef>
+            </a:pPr>
+            <a:r>
+              <a:rPr lang="en-US" sz="1800" dirty="0"/>
+              <a:t>Loopback Measurement Mode</a:t>
             </a:r>
           </a:p>
           <a:p>
@@ -5633,12 +5717,10 @@
               </a:spcBef>
             </a:pPr>
             <a:r>
-              <a:rPr lang="en-US" sz="2000" dirty="0">
-                <a:latin typeface="Calibri" panose="020F0502020204030204" pitchFamily="34" charset="0"/>
-                <a:cs typeface="Calibri" panose="020F0502020204030204" pitchFamily="34" charset="0"/>
-              </a:rPr>
-              <a:t>Delay variance</a:t>
-            </a:r>
+              <a:rPr lang="en-US" sz="1800" dirty="0"/>
+              <a:t>Probe message carries the return path in the header of the packet</a:t>
+            </a:r>
+            <a:endParaRPr lang="en-US" sz="1800" b="1" dirty="0"/>
           </a:p>
           <a:p>
             <a:pPr>
@@ -5649,61 +5731,7 @@
                 <a:spcPts val="600"/>
               </a:spcBef>
             </a:pPr>
-            <a:r>
-              <a:rPr lang="en-US" sz="2000" dirty="0">
-                <a:latin typeface="Calibri" panose="020F0502020204030204" pitchFamily="34" charset="0"/>
-                <a:cs typeface="Calibri" panose="020F0502020204030204" pitchFamily="34" charset="0"/>
-              </a:rPr>
-              <a:t>PM probe packet loss can be used to compute following loss metrics:</a:t>
-            </a:r>
-          </a:p>
-          <a:p>
-            <a:pPr lvl="1">
-              <a:lnSpc>
-                <a:spcPts val="2360"/>
-              </a:lnSpc>
-              <a:spcBef>
-                <a:spcPts val="600"/>
-              </a:spcBef>
-            </a:pPr>
-            <a:r>
-              <a:rPr lang="en-US" sz="2000" dirty="0">
-                <a:latin typeface="Calibri" panose="020F0502020204030204" pitchFamily="34" charset="0"/>
-                <a:cs typeface="Calibri" panose="020F0502020204030204" pitchFamily="34" charset="0"/>
-              </a:rPr>
-              <a:t>Synthetic packet loss (aka indirect-mode packet loss measurement)</a:t>
-            </a:r>
-          </a:p>
-          <a:p>
-            <a:pPr lvl="1">
-              <a:lnSpc>
-                <a:spcPts val="2360"/>
-              </a:lnSpc>
-              <a:spcBef>
-                <a:spcPts val="600"/>
-              </a:spcBef>
-            </a:pPr>
-            <a:r>
-              <a:rPr lang="en-US" sz="2000" dirty="0">
-                <a:latin typeface="Calibri" panose="020F0502020204030204" pitchFamily="34" charset="0"/>
-                <a:cs typeface="Calibri" panose="020F0502020204030204" pitchFamily="34" charset="0"/>
-              </a:rPr>
-              <a:t>Connection loss (aka liveness heart-beat failure detection)</a:t>
-            </a:r>
-          </a:p>
-          <a:p>
-            <a:pPr>
-              <a:lnSpc>
-                <a:spcPts val="2360"/>
-              </a:lnSpc>
-              <a:spcBef>
-                <a:spcPts val="600"/>
-              </a:spcBef>
-            </a:pPr>
-            <a:endParaRPr lang="en-US" sz="2000" dirty="0">
-              <a:latin typeface="Arial" panose="020B0604020202020204" pitchFamily="34" charset="0"/>
-              <a:cs typeface="Arial" panose="020B0604020202020204" pitchFamily="34" charset="0"/>
-            </a:endParaRPr>
+            <a:endParaRPr lang="en-US" sz="1800" dirty="0"/>
           </a:p>
         </p:txBody>
       </p:sp>
@@ -5750,7 +5778,7 @@
     </p:spTree>
     <p:extLst>
       <p:ext uri="{BB962C8B-B14F-4D97-AF65-F5344CB8AC3E}">
-        <p14:creationId xmlns:p14="http://schemas.microsoft.com/office/powerpoint/2010/main" val="2422956264"/>
+        <p14:creationId xmlns:p14="http://schemas.microsoft.com/office/powerpoint/2010/main" val="421663941"/>
       </p:ext>
     </p:extLst>
   </p:cSld>
@@ -5789,8 +5817,8 @@
         </p:nvSpPr>
         <p:spPr>
           <a:xfrm>
-            <a:off x="457200" y="0"/>
-            <a:ext cx="8229600" cy="857250"/>
+            <a:off x="489857" y="80962"/>
+            <a:ext cx="8153400" cy="857250"/>
           </a:xfrm>
         </p:spPr>
         <p:txBody>
@@ -5805,6 +5833,315 @@
                 <a:latin typeface="Calibri Light" panose="020F0302020204030204" pitchFamily="34" charset="0"/>
                 <a:cs typeface="Calibri Light" panose="020F0302020204030204" pitchFamily="34" charset="0"/>
               </a:rPr>
+              <a:t>Example PM Metrics</a:t>
+            </a:r>
+          </a:p>
+        </p:txBody>
+      </p:sp>
+      <p:sp>
+        <p:nvSpPr>
+          <p:cNvPr id="4" name="Footer Placeholder 3"/>
+          <p:cNvSpPr>
+            <a:spLocks noGrp="1"/>
+          </p:cNvSpPr>
+          <p:nvPr>
+            <p:ph type="ftr" sz="quarter" idx="11"/>
+          </p:nvPr>
+        </p:nvSpPr>
+        <p:spPr>
+          <a:xfrm>
+            <a:off x="3124200" y="4800151"/>
+            <a:ext cx="2895600" cy="357188"/>
+          </a:xfrm>
+        </p:spPr>
+        <p:txBody>
+          <a:bodyPr/>
+          <a:lstStyle/>
+          <a:p>
+            <a:r>
+              <a:rPr lang="en-CA" dirty="0"/>
+              <a:t>109</a:t>
+            </a:r>
+            <a:r>
+              <a:rPr lang="en-CA" baseline="30000" dirty="0"/>
+              <a:t>th</a:t>
+            </a:r>
+            <a:r>
+              <a:rPr lang="en-CA" dirty="0"/>
+              <a:t> IETF Online</a:t>
+            </a:r>
+          </a:p>
+        </p:txBody>
+      </p:sp>
+      <p:sp>
+        <p:nvSpPr>
+          <p:cNvPr id="6" name="Content Placeholder 2"/>
+          <p:cNvSpPr>
+            <a:spLocks noGrp="1"/>
+          </p:cNvSpPr>
+          <p:nvPr>
+            <p:ph idx="1"/>
+          </p:nvPr>
+        </p:nvSpPr>
+        <p:spPr>
+          <a:xfrm>
+            <a:off x="533400" y="1009650"/>
+            <a:ext cx="8077200" cy="3124200"/>
+          </a:xfrm>
+        </p:spPr>
+        <p:txBody>
+          <a:bodyPr/>
+          <a:lstStyle/>
+          <a:p>
+            <a:pPr>
+              <a:lnSpc>
+                <a:spcPts val="2360"/>
+              </a:lnSpc>
+              <a:spcBef>
+                <a:spcPts val="600"/>
+              </a:spcBef>
+            </a:pPr>
+            <a:r>
+              <a:rPr lang="en-US" sz="2000" dirty="0">
+                <a:latin typeface="Calibri" panose="020F0502020204030204" pitchFamily="34" charset="0"/>
+                <a:cs typeface="Calibri" panose="020F0502020204030204" pitchFamily="34" charset="0"/>
+              </a:rPr>
+              <a:t>PM probe packets can be used to compute following delay metrics:</a:t>
+            </a:r>
+          </a:p>
+          <a:p>
+            <a:pPr lvl="1">
+              <a:lnSpc>
+                <a:spcPts val="2360"/>
+              </a:lnSpc>
+              <a:spcBef>
+                <a:spcPts val="600"/>
+              </a:spcBef>
+            </a:pPr>
+            <a:r>
+              <a:rPr lang="en-US" sz="2000" dirty="0">
+                <a:latin typeface="Calibri" panose="020F0502020204030204" pitchFamily="34" charset="0"/>
+                <a:cs typeface="Calibri" panose="020F0502020204030204" pitchFamily="34" charset="0"/>
+              </a:rPr>
+              <a:t>Minimum delay</a:t>
+            </a:r>
+          </a:p>
+          <a:p>
+            <a:pPr lvl="1">
+              <a:lnSpc>
+                <a:spcPts val="2360"/>
+              </a:lnSpc>
+              <a:spcBef>
+                <a:spcPts val="600"/>
+              </a:spcBef>
+            </a:pPr>
+            <a:r>
+              <a:rPr lang="en-US" sz="2000" dirty="0">
+                <a:latin typeface="Calibri" panose="020F0502020204030204" pitchFamily="34" charset="0"/>
+                <a:cs typeface="Calibri" panose="020F0502020204030204" pitchFamily="34" charset="0"/>
+              </a:rPr>
+              <a:t>Maximum delay</a:t>
+            </a:r>
+          </a:p>
+          <a:p>
+            <a:pPr lvl="1">
+              <a:lnSpc>
+                <a:spcPts val="2360"/>
+              </a:lnSpc>
+              <a:spcBef>
+                <a:spcPts val="600"/>
+              </a:spcBef>
+            </a:pPr>
+            <a:r>
+              <a:rPr lang="en-US" sz="2000" dirty="0">
+                <a:latin typeface="Calibri" panose="020F0502020204030204" pitchFamily="34" charset="0"/>
+                <a:cs typeface="Calibri" panose="020F0502020204030204" pitchFamily="34" charset="0"/>
+              </a:rPr>
+              <a:t>Average delay</a:t>
+            </a:r>
+          </a:p>
+          <a:p>
+            <a:pPr lvl="1">
+              <a:lnSpc>
+                <a:spcPts val="2360"/>
+              </a:lnSpc>
+              <a:spcBef>
+                <a:spcPts val="600"/>
+              </a:spcBef>
+            </a:pPr>
+            <a:r>
+              <a:rPr lang="en-US" sz="2000" dirty="0">
+                <a:latin typeface="Calibri" panose="020F0502020204030204" pitchFamily="34" charset="0"/>
+                <a:cs typeface="Calibri" panose="020F0502020204030204" pitchFamily="34" charset="0"/>
+              </a:rPr>
+              <a:t>Delay variance</a:t>
+            </a:r>
+          </a:p>
+          <a:p>
+            <a:pPr>
+              <a:lnSpc>
+                <a:spcPts val="2360"/>
+              </a:lnSpc>
+              <a:spcBef>
+                <a:spcPts val="600"/>
+              </a:spcBef>
+            </a:pPr>
+            <a:r>
+              <a:rPr lang="en-US" sz="2000" dirty="0">
+                <a:latin typeface="Calibri" panose="020F0502020204030204" pitchFamily="34" charset="0"/>
+                <a:cs typeface="Calibri" panose="020F0502020204030204" pitchFamily="34" charset="0"/>
+              </a:rPr>
+              <a:t>PM probe packet loss can be used to compute following loss metrics:</a:t>
+            </a:r>
+          </a:p>
+          <a:p>
+            <a:pPr lvl="1">
+              <a:lnSpc>
+                <a:spcPts val="2360"/>
+              </a:lnSpc>
+              <a:spcBef>
+                <a:spcPts val="600"/>
+              </a:spcBef>
+            </a:pPr>
+            <a:r>
+              <a:rPr lang="en-US" sz="2000" dirty="0">
+                <a:latin typeface="Calibri" panose="020F0502020204030204" pitchFamily="34" charset="0"/>
+                <a:cs typeface="Calibri" panose="020F0502020204030204" pitchFamily="34" charset="0"/>
+              </a:rPr>
+              <a:t>Synthetic packet loss (aka indirect-mode packet loss measurement)</a:t>
+            </a:r>
+          </a:p>
+          <a:p>
+            <a:pPr lvl="1">
+              <a:lnSpc>
+                <a:spcPts val="2360"/>
+              </a:lnSpc>
+              <a:spcBef>
+                <a:spcPts val="600"/>
+              </a:spcBef>
+            </a:pPr>
+            <a:r>
+              <a:rPr lang="en-US" sz="2000" dirty="0">
+                <a:latin typeface="Calibri" panose="020F0502020204030204" pitchFamily="34" charset="0"/>
+                <a:cs typeface="Calibri" panose="020F0502020204030204" pitchFamily="34" charset="0"/>
+              </a:rPr>
+              <a:t>Connection loss (aka liveness heart-beat failure detection)</a:t>
+            </a:r>
+          </a:p>
+          <a:p>
+            <a:pPr>
+              <a:lnSpc>
+                <a:spcPts val="2360"/>
+              </a:lnSpc>
+              <a:spcBef>
+                <a:spcPts val="600"/>
+              </a:spcBef>
+            </a:pPr>
+            <a:endParaRPr lang="en-US" sz="2000" dirty="0">
+              <a:latin typeface="Arial" panose="020B0604020202020204" pitchFamily="34" charset="0"/>
+              <a:cs typeface="Arial" panose="020B0604020202020204" pitchFamily="34" charset="0"/>
+            </a:endParaRPr>
+          </a:p>
+        </p:txBody>
+      </p:sp>
+      <p:sp>
+        <p:nvSpPr>
+          <p:cNvPr id="5" name="Slide Number Placeholder 4">
+            <a:extLst>
+              <a:ext uri="{FF2B5EF4-FFF2-40B4-BE49-F238E27FC236}">
+                <a16:creationId xmlns:a16="http://schemas.microsoft.com/office/drawing/2014/main" id="{DB7171B5-76A8-7648-8775-D1C8FBA7C22C}"/>
+              </a:ext>
+            </a:extLst>
+          </p:cNvPr>
+          <p:cNvSpPr>
+            <a:spLocks noGrp="1"/>
+          </p:cNvSpPr>
+          <p:nvPr>
+            <p:ph type="sldNum" sz="quarter" idx="12"/>
+          </p:nvPr>
+        </p:nvSpPr>
+        <p:spPr>
+          <a:xfrm>
+            <a:off x="6553200" y="4705350"/>
+            <a:ext cx="2133600" cy="357188"/>
+          </a:xfrm>
+        </p:spPr>
+        <p:txBody>
+          <a:bodyPr/>
+          <a:lstStyle/>
+          <a:p>
+            <a:pPr>
+              <a:defRPr/>
+            </a:pPr>
+            <a:fld id="{BD6E0F59-1DD8-40FC-9C92-B6295CBA6CCA}" type="slidenum">
+              <a:rPr lang="en-US" altLang="zh-CN" smtClean="0"/>
+              <a:pPr>
+                <a:defRPr/>
+              </a:pPr>
+              <a:t>12</a:t>
+            </a:fld>
+            <a:endParaRPr lang="en-US" altLang="zh-CN" dirty="0"/>
+          </a:p>
+        </p:txBody>
+      </p:sp>
+    </p:spTree>
+    <p:extLst>
+      <p:ext uri="{BB962C8B-B14F-4D97-AF65-F5344CB8AC3E}">
+        <p14:creationId xmlns:p14="http://schemas.microsoft.com/office/powerpoint/2010/main" val="2422956264"/>
+      </p:ext>
+    </p:extLst>
+  </p:cSld>
+  <p:clrMapOvr>
+    <a:masterClrMapping/>
+  </p:clrMapOvr>
+</p:sld>
+</file>
+
+<file path=ppt/slides/slide13.xml><?xml version="1.0" encoding="utf-8"?>
+<p:sld xmlns:a="http://schemas.openxmlformats.org/drawingml/2006/main" xmlns:r="http://schemas.openxmlformats.org/officeDocument/2006/relationships" xmlns:p="http://schemas.openxmlformats.org/presentationml/2006/main">
+  <p:cSld>
+    <p:spTree>
+      <p:nvGrpSpPr>
+        <p:cNvPr id="1" name=""/>
+        <p:cNvGrpSpPr/>
+        <p:nvPr/>
+      </p:nvGrpSpPr>
+      <p:grpSpPr>
+        <a:xfrm>
+          <a:off x="0" y="0"/>
+          <a:ext cx="0" cy="0"/>
+          <a:chOff x="0" y="0"/>
+          <a:chExt cx="0" cy="0"/>
+        </a:xfrm>
+      </p:grpSpPr>
+      <p:sp>
+        <p:nvSpPr>
+          <p:cNvPr id="2" name="Title 1"/>
+          <p:cNvSpPr>
+            <a:spLocks noGrp="1"/>
+          </p:cNvSpPr>
+          <p:nvPr>
+            <p:ph type="title"/>
+          </p:nvPr>
+        </p:nvSpPr>
+        <p:spPr>
+          <a:xfrm>
+            <a:off x="457200" y="0"/>
+            <a:ext cx="8229600" cy="857250"/>
+          </a:xfrm>
+        </p:spPr>
+        <p:txBody>
+          <a:bodyPr/>
+          <a:lstStyle/>
+          <a:p>
+            <a:r>
+              <a:rPr lang="en-US" sz="3600" dirty="0">
+                <a:solidFill>
+                  <a:srgbClr val="0070C0"/>
+                </a:solidFill>
+                <a:latin typeface="Calibri Light" panose="020F0302020204030204" pitchFamily="34" charset="0"/>
+                <a:cs typeface="Calibri Light" panose="020F0302020204030204" pitchFamily="34" charset="0"/>
+              </a:rPr>
               <a:t>Next Steps</a:t>
             </a:r>
           </a:p>
@@ -5927,7 +6264,7 @@
               <a:pPr>
                 <a:defRPr/>
               </a:pPr>
-              <a:t>12</a:t>
+              <a:t>13</a:t>
             </a:fld>
             <a:endParaRPr lang="en-US" altLang="zh-CN"/>
           </a:p>
@@ -5946,7 +6283,7 @@
 </p:sld>
 </file>
 
-<file path=ppt/slides/slide13.xml><?xml version="1.0" encoding="utf-8"?>
+<file path=ppt/slides/slide14.xml><?xml version="1.0" encoding="utf-8"?>
 <p:sld xmlns:a="http://schemas.openxmlformats.org/drawingml/2006/main" xmlns:r="http://schemas.openxmlformats.org/officeDocument/2006/relationships" xmlns:p="http://schemas.openxmlformats.org/presentationml/2006/main">
   <p:cSld>
     <p:spTree>
@@ -6210,7 +6547,7 @@
               <a:pPr>
                 <a:defRPr/>
               </a:pPr>
-              <a:t>13</a:t>
+              <a:t>14</a:t>
             </a:fld>
             <a:endParaRPr lang="en-US" altLang="zh-CN" dirty="0"/>
           </a:p>
@@ -6313,7 +6650,7 @@
           <a:p>
             <a:r>
               <a:rPr lang="en-US" sz="2400" dirty="0"/>
-              <a:t>Summary</a:t>
+              <a:t>Summary of Procedures</a:t>
             </a:r>
           </a:p>
           <a:p>
@@ -7097,13 +7434,7 @@
       </p:grpSpPr>
       <p:sp>
         <p:nvSpPr>
-          <p:cNvPr id="2" name="Title 1">
-            <a:extLst>
-              <a:ext uri="{FF2B5EF4-FFF2-40B4-BE49-F238E27FC236}">
-                <a16:creationId xmlns:a16="http://schemas.microsoft.com/office/drawing/2014/main" id="{9A6F4236-AC14-394A-A36C-F2BD8CED3237}"/>
-              </a:ext>
-            </a:extLst>
-          </p:cNvPr>
+          <p:cNvPr id="2" name="Title 1"/>
           <p:cNvSpPr>
             <a:spLocks noGrp="1"/>
           </p:cNvSpPr>
@@ -7113,7 +7444,7 @@
         </p:nvSpPr>
         <p:spPr>
           <a:xfrm>
-            <a:off x="457200" y="-19050"/>
+            <a:off x="457200" y="0"/>
             <a:ext cx="8229600" cy="857250"/>
           </a:xfrm>
         </p:spPr>
@@ -7129,30 +7460,283 @@
                 <a:latin typeface="Calibri Light" panose="020F0302020204030204" pitchFamily="34" charset="0"/>
                 <a:cs typeface="Calibri Light" panose="020F0302020204030204" pitchFamily="34" charset="0"/>
               </a:rPr>
-              <a:t>Example Provisioning Model</a:t>
-            </a:r>
-          </a:p>
-        </p:txBody>
-      </p:sp>
-      <p:sp>
-        <p:nvSpPr>
-          <p:cNvPr id="4" name="Footer Placeholder 3">
-            <a:extLst>
-              <a:ext uri="{FF2B5EF4-FFF2-40B4-BE49-F238E27FC236}">
-                <a16:creationId xmlns:a16="http://schemas.microsoft.com/office/drawing/2014/main" id="{643D160E-CC3C-EB46-A6F1-43B8E2996F46}"/>
-              </a:ext>
-            </a:extLst>
-          </p:cNvPr>
+              <a:t>STAMP - Summary of PM Drafts</a:t>
+            </a:r>
+          </a:p>
+        </p:txBody>
+      </p:sp>
+      <p:sp>
+        <p:nvSpPr>
+          <p:cNvPr id="3" name="Content Placeholder 2"/>
           <p:cNvSpPr>
             <a:spLocks noGrp="1"/>
           </p:cNvSpPr>
           <p:nvPr>
-            <p:ph type="ftr" sz="quarter" idx="11"/>
+            <p:ph idx="1"/>
           </p:nvPr>
         </p:nvSpPr>
         <p:spPr>
           <a:xfrm>
-            <a:off x="3124200" y="4805362"/>
+            <a:off x="533400" y="947738"/>
+            <a:ext cx="8077200" cy="3543300"/>
+          </a:xfrm>
+        </p:spPr>
+        <p:txBody>
+          <a:bodyPr/>
+          <a:lstStyle/>
+          <a:p>
+            <a:pPr marL="0" indent="0">
+              <a:lnSpc>
+                <a:spcPts val="1680"/>
+              </a:lnSpc>
+              <a:spcBef>
+                <a:spcPts val="600"/>
+              </a:spcBef>
+              <a:buNone/>
+            </a:pPr>
+            <a:r>
+              <a:rPr lang="en-US" sz="1600" b="1" dirty="0">
+                <a:latin typeface="Calibri" panose="020F0502020204030204" pitchFamily="34" charset="0"/>
+                <a:cs typeface="Calibri" panose="020F0502020204030204" pitchFamily="34" charset="0"/>
+              </a:rPr>
+              <a:t>draft-</a:t>
+            </a:r>
+            <a:r>
+              <a:rPr lang="en-US" sz="1600" b="1" dirty="0" err="1">
+                <a:latin typeface="Calibri" panose="020F0502020204030204" pitchFamily="34" charset="0"/>
+                <a:cs typeface="Calibri" panose="020F0502020204030204" pitchFamily="34" charset="0"/>
+              </a:rPr>
+              <a:t>gandhi</a:t>
+            </a:r>
+            <a:r>
+              <a:rPr lang="en-US" sz="1600" b="1" dirty="0">
+                <a:latin typeface="Calibri" panose="020F0502020204030204" pitchFamily="34" charset="0"/>
+                <a:cs typeface="Calibri" panose="020F0502020204030204" pitchFamily="34" charset="0"/>
+              </a:rPr>
+              <a:t>-spring-stamp-</a:t>
+            </a:r>
+            <a:r>
+              <a:rPr lang="en-US" sz="1600" b="1" dirty="0" err="1">
+                <a:latin typeface="Calibri" panose="020F0502020204030204" pitchFamily="34" charset="0"/>
+                <a:cs typeface="Calibri" panose="020F0502020204030204" pitchFamily="34" charset="0"/>
+              </a:rPr>
+              <a:t>srpm</a:t>
+            </a:r>
+            <a:endParaRPr lang="en-US" sz="1600" b="1" dirty="0">
+              <a:latin typeface="Calibri" panose="020F0502020204030204" pitchFamily="34" charset="0"/>
+              <a:cs typeface="Calibri" panose="020F0502020204030204" pitchFamily="34" charset="0"/>
+            </a:endParaRPr>
+          </a:p>
+          <a:p>
+            <a:pPr>
+              <a:lnSpc>
+                <a:spcPts val="1680"/>
+              </a:lnSpc>
+              <a:spcBef>
+                <a:spcPts val="600"/>
+              </a:spcBef>
+            </a:pPr>
+            <a:r>
+              <a:rPr lang="en-US" sz="1600" dirty="0">
+                <a:latin typeface="Calibri" panose="020F0502020204030204" pitchFamily="34" charset="0"/>
+                <a:cs typeface="Calibri" panose="020F0502020204030204" pitchFamily="34" charset="0"/>
+              </a:rPr>
+              <a:t>Defines procedures for STAMP messages for delay, synthetic loss and direct-mode loss measurements</a:t>
+            </a:r>
+          </a:p>
+          <a:p>
+            <a:pPr>
+              <a:lnSpc>
+                <a:spcPts val="1680"/>
+              </a:lnSpc>
+              <a:spcBef>
+                <a:spcPts val="600"/>
+              </a:spcBef>
+            </a:pPr>
+            <a:r>
+              <a:rPr lang="en-US" sz="1600" dirty="0">
+                <a:latin typeface="Calibri" panose="020F0502020204030204" pitchFamily="34" charset="0"/>
+                <a:cs typeface="Calibri" panose="020F0502020204030204" pitchFamily="34" charset="0"/>
+              </a:rPr>
+              <a:t>Procedures are defined for Links and end-to-end SR Paths for SR-MPLS and SRv6 data-planes</a:t>
+            </a:r>
+          </a:p>
+          <a:p>
+            <a:pPr>
+              <a:lnSpc>
+                <a:spcPts val="1680"/>
+              </a:lnSpc>
+              <a:spcBef>
+                <a:spcPts val="600"/>
+              </a:spcBef>
+            </a:pPr>
+            <a:endParaRPr lang="en-US" sz="1600" dirty="0">
+              <a:latin typeface="Calibri" panose="020F0502020204030204" pitchFamily="34" charset="0"/>
+              <a:cs typeface="Calibri" panose="020F0502020204030204" pitchFamily="34" charset="0"/>
+            </a:endParaRPr>
+          </a:p>
+          <a:p>
+            <a:pPr marL="0" indent="0">
+              <a:lnSpc>
+                <a:spcPts val="1680"/>
+              </a:lnSpc>
+              <a:spcBef>
+                <a:spcPts val="600"/>
+              </a:spcBef>
+              <a:buNone/>
+            </a:pPr>
+            <a:r>
+              <a:rPr lang="en-US" sz="1600" b="1" dirty="0">
+                <a:latin typeface="Calibri" panose="020F0502020204030204" pitchFamily="34" charset="0"/>
+                <a:cs typeface="Calibri" panose="020F0502020204030204" pitchFamily="34" charset="0"/>
+              </a:rPr>
+              <a:t>draft-</a:t>
+            </a:r>
+            <a:r>
+              <a:rPr lang="en-US" sz="1600" b="1" dirty="0" err="1">
+                <a:latin typeface="Calibri" panose="020F0502020204030204" pitchFamily="34" charset="0"/>
+                <a:cs typeface="Calibri" panose="020F0502020204030204" pitchFamily="34" charset="0"/>
+              </a:rPr>
+              <a:t>gandhi</a:t>
+            </a:r>
+            <a:r>
+              <a:rPr lang="en-US" sz="1600" b="1" dirty="0">
+                <a:latin typeface="Calibri" panose="020F0502020204030204" pitchFamily="34" charset="0"/>
+                <a:cs typeface="Calibri" panose="020F0502020204030204" pitchFamily="34" charset="0"/>
+              </a:rPr>
+              <a:t>-</a:t>
+            </a:r>
+            <a:r>
+              <a:rPr lang="en-US" sz="1600" b="1" dirty="0" err="1">
+                <a:latin typeface="Calibri" panose="020F0502020204030204" pitchFamily="34" charset="0"/>
+                <a:cs typeface="Calibri" panose="020F0502020204030204" pitchFamily="34" charset="0"/>
+              </a:rPr>
+              <a:t>ippm</a:t>
+            </a:r>
+            <a:r>
+              <a:rPr lang="en-US" sz="1600" b="1" dirty="0">
+                <a:latin typeface="Calibri" panose="020F0502020204030204" pitchFamily="34" charset="0"/>
+                <a:cs typeface="Calibri" panose="020F0502020204030204" pitchFamily="34" charset="0"/>
+              </a:rPr>
+              <a:t>-stamp-</a:t>
+            </a:r>
+            <a:r>
+              <a:rPr lang="en-US" sz="1600" b="1" dirty="0" err="1">
+                <a:latin typeface="Calibri" panose="020F0502020204030204" pitchFamily="34" charset="0"/>
+                <a:cs typeface="Calibri" panose="020F0502020204030204" pitchFamily="34" charset="0"/>
+              </a:rPr>
+              <a:t>srpm</a:t>
+            </a:r>
+            <a:endParaRPr lang="en-US" sz="1600" b="1" dirty="0">
+              <a:latin typeface="Calibri" panose="020F0502020204030204" pitchFamily="34" charset="0"/>
+              <a:cs typeface="Calibri" panose="020F0502020204030204" pitchFamily="34" charset="0"/>
+            </a:endParaRPr>
+          </a:p>
+          <a:p>
+            <a:pPr>
+              <a:lnSpc>
+                <a:spcPts val="1680"/>
+              </a:lnSpc>
+              <a:spcBef>
+                <a:spcPts val="600"/>
+              </a:spcBef>
+            </a:pPr>
+            <a:r>
+              <a:rPr lang="en-US" sz="1600" dirty="0">
+                <a:latin typeface="Calibri" panose="020F0502020204030204" pitchFamily="34" charset="0"/>
+                <a:cs typeface="Calibri" panose="020F0502020204030204" pitchFamily="34" charset="0"/>
+              </a:rPr>
+              <a:t>Defines extensions for STAMP for Segment Routing</a:t>
+            </a:r>
+          </a:p>
+          <a:p>
+            <a:pPr>
+              <a:lnSpc>
+                <a:spcPts val="1680"/>
+              </a:lnSpc>
+              <a:spcBef>
+                <a:spcPts val="600"/>
+              </a:spcBef>
+            </a:pPr>
+            <a:r>
+              <a:rPr lang="en-US" sz="1600">
+                <a:latin typeface="Calibri" panose="020F0502020204030204" pitchFamily="34" charset="0"/>
+                <a:cs typeface="Calibri" panose="020F0502020204030204" pitchFamily="34" charset="0"/>
+              </a:rPr>
+              <a:t>Defines Session-Sender </a:t>
+            </a:r>
+            <a:r>
+              <a:rPr lang="en-US" sz="1600" dirty="0">
+                <a:latin typeface="Calibri" panose="020F0502020204030204" pitchFamily="34" charset="0"/>
+                <a:cs typeface="Calibri" panose="020F0502020204030204" pitchFamily="34" charset="0"/>
+              </a:rPr>
+              <a:t>Control code field for in-band response request</a:t>
+            </a:r>
+          </a:p>
+          <a:p>
+            <a:pPr>
+              <a:lnSpc>
+                <a:spcPts val="1680"/>
+              </a:lnSpc>
+              <a:spcBef>
+                <a:spcPts val="600"/>
+              </a:spcBef>
+            </a:pPr>
+            <a:r>
+              <a:rPr lang="en-US" sz="1600" dirty="0">
+                <a:latin typeface="Calibri" panose="020F0502020204030204" pitchFamily="34" charset="0"/>
+                <a:cs typeface="Calibri" panose="020F0502020204030204" pitchFamily="34" charset="0"/>
+              </a:rPr>
+              <a:t>Defines stand-alone direct-mode loss measurement query and response messages</a:t>
+            </a:r>
+          </a:p>
+          <a:p>
+            <a:pPr>
+              <a:lnSpc>
+                <a:spcPts val="1680"/>
+              </a:lnSpc>
+              <a:spcBef>
+                <a:spcPts val="600"/>
+              </a:spcBef>
+            </a:pPr>
+            <a:r>
+              <a:rPr lang="en-US" sz="1600" dirty="0">
+                <a:latin typeface="Calibri" panose="020F0502020204030204" pitchFamily="34" charset="0"/>
+                <a:cs typeface="Calibri" panose="020F0502020204030204" pitchFamily="34" charset="0"/>
+              </a:rPr>
+              <a:t>Defines TLVs to carry Destination Node Address and Return Path</a:t>
+            </a:r>
+          </a:p>
+          <a:p>
+            <a:pPr marL="457200" lvl="1" indent="0">
+              <a:lnSpc>
+                <a:spcPts val="1680"/>
+              </a:lnSpc>
+              <a:spcBef>
+                <a:spcPts val="600"/>
+              </a:spcBef>
+              <a:buNone/>
+            </a:pPr>
+            <a:endParaRPr lang="en-US" sz="1600" dirty="0">
+              <a:latin typeface="Calibri" panose="020F0502020204030204" pitchFamily="34" charset="0"/>
+              <a:cs typeface="Calibri" panose="020F0502020204030204" pitchFamily="34" charset="0"/>
+            </a:endParaRPr>
+          </a:p>
+        </p:txBody>
+      </p:sp>
+      <p:sp>
+        <p:nvSpPr>
+          <p:cNvPr id="4" name="Footer Placeholder 3"/>
+          <p:cNvSpPr>
+            <a:spLocks noGrp="1"/>
+          </p:cNvSpPr>
+          <p:nvPr>
+            <p:ph type="ftr" sz="quarter" idx="11"/>
+          </p:nvPr>
+        </p:nvSpPr>
+        <p:spPr>
+          <a:xfrm>
+            <a:off x="3124200" y="4786312"/>
             <a:ext cx="2895600" cy="357188"/>
           </a:xfrm>
         </p:spPr>
@@ -7177,13 +7761,7 @@
       </p:sp>
       <p:sp>
         <p:nvSpPr>
-          <p:cNvPr id="5" name="Slide Number Placeholder 4">
-            <a:extLst>
-              <a:ext uri="{FF2B5EF4-FFF2-40B4-BE49-F238E27FC236}">
-                <a16:creationId xmlns:a16="http://schemas.microsoft.com/office/drawing/2014/main" id="{A8B868AE-B105-7547-A646-14FCDF91C2DD}"/>
-              </a:ext>
-            </a:extLst>
-          </p:cNvPr>
+          <p:cNvPr id="5" name="Slide Number Placeholder 4"/>
           <p:cNvSpPr>
             <a:spLocks noGrp="1"/>
           </p:cNvSpPr>
@@ -7210,188 +7788,10 @@
           </a:p>
         </p:txBody>
       </p:sp>
-      <p:sp>
-        <p:nvSpPr>
-          <p:cNvPr id="7" name="Rectangle 6">
-            <a:extLst>
-              <a:ext uri="{FF2B5EF4-FFF2-40B4-BE49-F238E27FC236}">
-                <a16:creationId xmlns:a16="http://schemas.microsoft.com/office/drawing/2014/main" id="{AA6E66CA-28BC-2C4A-BC04-4600D8FEBF3B}"/>
-              </a:ext>
-            </a:extLst>
-          </p:cNvPr>
-          <p:cNvSpPr/>
-          <p:nvPr/>
-        </p:nvSpPr>
-        <p:spPr>
-          <a:xfrm>
-            <a:off x="1066800" y="983711"/>
-            <a:ext cx="7010400" cy="3416320"/>
-          </a:xfrm>
-          <a:prstGeom prst="rect">
-            <a:avLst/>
-          </a:prstGeom>
-          <a:solidFill>
-            <a:schemeClr val="accent6">
-              <a:lumMod val="20000"/>
-              <a:lumOff val="80000"/>
-            </a:schemeClr>
-          </a:solidFill>
-        </p:spPr>
-        <p:txBody>
-          <a:bodyPr wrap="square">
-            <a:spAutoFit/>
-          </a:bodyPr>
-          <a:lstStyle/>
-          <a:p>
-            <a:r>
-              <a:rPr lang="en-CA" sz="1200" dirty="0">
-                <a:latin typeface="Courier" pitchFamily="2" charset="0"/>
-              </a:rPr>
-              <a:t>                             +------------+</a:t>
-            </a:r>
-          </a:p>
-          <a:p>
-            <a:r>
-              <a:rPr lang="en-CA" sz="1200" dirty="0">
-                <a:latin typeface="Courier" pitchFamily="2" charset="0"/>
-              </a:rPr>
-              <a:t>                             | Controller |</a:t>
-            </a:r>
-          </a:p>
-          <a:p>
-            <a:r>
-              <a:rPr lang="en-CA" sz="1200" dirty="0">
-                <a:latin typeface="Courier" pitchFamily="2" charset="0"/>
-              </a:rPr>
-              <a:t>                             +------------+</a:t>
-            </a:r>
-          </a:p>
-          <a:p>
-            <a:r>
-              <a:rPr lang="en-CA" sz="1200" dirty="0">
-                <a:latin typeface="Courier" pitchFamily="2" charset="0"/>
-              </a:rPr>
-              <a:t>  Destination UDP Port            /  \         Destination UDP port</a:t>
-            </a:r>
-          </a:p>
-          <a:p>
-            <a:r>
-              <a:rPr lang="en-CA" sz="1200" dirty="0">
-                <a:latin typeface="Courier" pitchFamily="2" charset="0"/>
-              </a:rPr>
-              <a:t>  Measurement Protocol           /    \        Measurement Protocol</a:t>
-            </a:r>
-          </a:p>
-          <a:p>
-            <a:r>
-              <a:rPr lang="en-CA" sz="1200" dirty="0">
-                <a:latin typeface="Courier" pitchFamily="2" charset="0"/>
-              </a:rPr>
-              <a:t>  Measurement Type              /      \       Measurement Type</a:t>
-            </a:r>
-          </a:p>
-          <a:p>
-            <a:r>
-              <a:rPr lang="en-CA" sz="1200" dirty="0">
-                <a:latin typeface="Courier" pitchFamily="2" charset="0"/>
-              </a:rPr>
-              <a:t>     Delay/Loss                /        \        Delay/Loss</a:t>
-            </a:r>
-          </a:p>
-          <a:p>
-            <a:r>
-              <a:rPr lang="en-CA" sz="1200" dirty="0">
-                <a:latin typeface="Courier" pitchFamily="2" charset="0"/>
-              </a:rPr>
-              <a:t>  Authentication Mode &amp; Key   /          \     Authentication Mode &amp; Key</a:t>
-            </a:r>
-          </a:p>
-          <a:p>
-            <a:r>
-              <a:rPr lang="en-CA" sz="1200" dirty="0">
-                <a:latin typeface="Courier" pitchFamily="2" charset="0"/>
-              </a:rPr>
-              <a:t>  Timestamp Format           /            \    Loss Measurement Mode</a:t>
-            </a:r>
-          </a:p>
-          <a:p>
-            <a:r>
-              <a:rPr lang="en-CA" sz="1200" dirty="0">
-                <a:latin typeface="Courier" pitchFamily="2" charset="0"/>
-              </a:rPr>
-              <a:t>  Delay Measurement Mode    /              \   SSID - Wildcard</a:t>
-            </a:r>
-          </a:p>
-          <a:p>
-            <a:r>
-              <a:rPr lang="en-CA" sz="1200" dirty="0">
-                <a:latin typeface="Courier" pitchFamily="2" charset="0"/>
-              </a:rPr>
-              <a:t>  Loss Measurement Mode    /                \</a:t>
-            </a:r>
-          </a:p>
-          <a:p>
-            <a:r>
-              <a:rPr lang="en-CA" sz="1200" dirty="0">
-                <a:latin typeface="Courier" pitchFamily="2" charset="0"/>
-              </a:rPr>
-              <a:t>                          v                  v</a:t>
-            </a:r>
-          </a:p>
-          <a:p>
-            <a:r>
-              <a:rPr lang="en-CA" sz="1200" dirty="0">
-                <a:latin typeface="Courier" pitchFamily="2" charset="0"/>
-              </a:rPr>
-              <a:t>                     +-------+            +-------+</a:t>
-            </a:r>
-          </a:p>
-          <a:p>
-            <a:r>
-              <a:rPr lang="en-CA" sz="1200" dirty="0">
-                <a:latin typeface="Courier" pitchFamily="2" charset="0"/>
-              </a:rPr>
-              <a:t>                     |       |            |       |</a:t>
-            </a:r>
-          </a:p>
-          <a:p>
-            <a:r>
-              <a:rPr lang="en-CA" sz="1200" dirty="0">
-                <a:latin typeface="Courier" pitchFamily="2" charset="0"/>
-              </a:rPr>
-              <a:t>                     |   R1  |============|   R5  |</a:t>
-            </a:r>
-          </a:p>
-          <a:p>
-            <a:r>
-              <a:rPr lang="en-CA" sz="1200" dirty="0">
-                <a:latin typeface="Courier" pitchFamily="2" charset="0"/>
-              </a:rPr>
-              <a:t>                     |       |  SR Path   |       |</a:t>
-            </a:r>
-          </a:p>
-          <a:p>
-            <a:r>
-              <a:rPr lang="en-CA" sz="1200" dirty="0">
-                <a:latin typeface="Courier" pitchFamily="2" charset="0"/>
-              </a:rPr>
-              <a:t>                     +-------+  Or Link   +-------+</a:t>
-            </a:r>
-          </a:p>
-          <a:p>
-            <a:r>
-              <a:rPr lang="en-CA" sz="1200" dirty="0">
-                <a:latin typeface="Courier" pitchFamily="2" charset="0"/>
-              </a:rPr>
-              <a:t>                  Session-Sender       Session-Reflector</a:t>
-            </a:r>
-          </a:p>
-        </p:txBody>
-      </p:sp>
     </p:spTree>
     <p:extLst>
       <p:ext uri="{BB962C8B-B14F-4D97-AF65-F5344CB8AC3E}">
-        <p14:creationId xmlns:p14="http://schemas.microsoft.com/office/powerpoint/2010/main" val="674982456"/>
+        <p14:creationId xmlns:p14="http://schemas.microsoft.com/office/powerpoint/2010/main" val="3084405771"/>
       </p:ext>
     </p:extLst>
   </p:cSld>
@@ -7420,6 +7820,329 @@
       </p:grpSpPr>
       <p:sp>
         <p:nvSpPr>
+          <p:cNvPr id="2" name="Title 1">
+            <a:extLst>
+              <a:ext uri="{FF2B5EF4-FFF2-40B4-BE49-F238E27FC236}">
+                <a16:creationId xmlns:a16="http://schemas.microsoft.com/office/drawing/2014/main" id="{9A6F4236-AC14-394A-A36C-F2BD8CED3237}"/>
+              </a:ext>
+            </a:extLst>
+          </p:cNvPr>
+          <p:cNvSpPr>
+            <a:spLocks noGrp="1"/>
+          </p:cNvSpPr>
+          <p:nvPr>
+            <p:ph type="title"/>
+          </p:nvPr>
+        </p:nvSpPr>
+        <p:spPr>
+          <a:xfrm>
+            <a:off x="457200" y="-19050"/>
+            <a:ext cx="8229600" cy="857250"/>
+          </a:xfrm>
+        </p:spPr>
+        <p:txBody>
+          <a:bodyPr/>
+          <a:lstStyle/>
+          <a:p>
+            <a:r>
+              <a:rPr lang="en-US" sz="3600" dirty="0">
+                <a:solidFill>
+                  <a:srgbClr val="0070C0"/>
+                </a:solidFill>
+                <a:latin typeface="Calibri Light" panose="020F0302020204030204" pitchFamily="34" charset="0"/>
+                <a:cs typeface="Calibri Light" panose="020F0302020204030204" pitchFamily="34" charset="0"/>
+              </a:rPr>
+              <a:t>Example Provisioning Model</a:t>
+            </a:r>
+          </a:p>
+        </p:txBody>
+      </p:sp>
+      <p:sp>
+        <p:nvSpPr>
+          <p:cNvPr id="4" name="Footer Placeholder 3">
+            <a:extLst>
+              <a:ext uri="{FF2B5EF4-FFF2-40B4-BE49-F238E27FC236}">
+                <a16:creationId xmlns:a16="http://schemas.microsoft.com/office/drawing/2014/main" id="{643D160E-CC3C-EB46-A6F1-43B8E2996F46}"/>
+              </a:ext>
+            </a:extLst>
+          </p:cNvPr>
+          <p:cNvSpPr>
+            <a:spLocks noGrp="1"/>
+          </p:cNvSpPr>
+          <p:nvPr>
+            <p:ph type="ftr" sz="quarter" idx="11"/>
+          </p:nvPr>
+        </p:nvSpPr>
+        <p:spPr>
+          <a:xfrm>
+            <a:off x="3124200" y="4805362"/>
+            <a:ext cx="2895600" cy="357188"/>
+          </a:xfrm>
+        </p:spPr>
+        <p:txBody>
+          <a:bodyPr/>
+          <a:lstStyle/>
+          <a:p>
+            <a:r>
+              <a:rPr lang="en-CA" dirty="0"/>
+              <a:t>109</a:t>
+            </a:r>
+            <a:r>
+              <a:rPr lang="en-CA" baseline="30000" dirty="0"/>
+              <a:t>th</a:t>
+            </a:r>
+            <a:r>
+              <a:rPr lang="en-CA" dirty="0"/>
+              <a:t> IETF Online</a:t>
+            </a:r>
+          </a:p>
+        </p:txBody>
+      </p:sp>
+      <p:sp>
+        <p:nvSpPr>
+          <p:cNvPr id="5" name="Slide Number Placeholder 4">
+            <a:extLst>
+              <a:ext uri="{FF2B5EF4-FFF2-40B4-BE49-F238E27FC236}">
+                <a16:creationId xmlns:a16="http://schemas.microsoft.com/office/drawing/2014/main" id="{A8B868AE-B105-7547-A646-14FCDF91C2DD}"/>
+              </a:ext>
+            </a:extLst>
+          </p:cNvPr>
+          <p:cNvSpPr>
+            <a:spLocks noGrp="1"/>
+          </p:cNvSpPr>
+          <p:nvPr>
+            <p:ph type="sldNum" sz="quarter" idx="12"/>
+          </p:nvPr>
+        </p:nvSpPr>
+        <p:spPr/>
+        <p:txBody>
+          <a:bodyPr/>
+          <a:lstStyle/>
+          <a:p>
+            <a:pPr>
+              <a:defRPr/>
+            </a:pPr>
+            <a:fld id="{BD6E0F59-1DD8-40FC-9C92-B6295CBA6CCA}" type="slidenum">
+              <a:rPr lang="en-US" altLang="zh-CN" smtClean="0"/>
+              <a:pPr>
+                <a:defRPr/>
+              </a:pPr>
+              <a:t>6</a:t>
+            </a:fld>
+            <a:endParaRPr lang="en-US" altLang="zh-CN"/>
+          </a:p>
+        </p:txBody>
+      </p:sp>
+      <p:sp>
+        <p:nvSpPr>
+          <p:cNvPr id="7" name="Rectangle 6">
+            <a:extLst>
+              <a:ext uri="{FF2B5EF4-FFF2-40B4-BE49-F238E27FC236}">
+                <a16:creationId xmlns:a16="http://schemas.microsoft.com/office/drawing/2014/main" id="{AA6E66CA-28BC-2C4A-BC04-4600D8FEBF3B}"/>
+              </a:ext>
+            </a:extLst>
+          </p:cNvPr>
+          <p:cNvSpPr/>
+          <p:nvPr/>
+        </p:nvSpPr>
+        <p:spPr>
+          <a:xfrm>
+            <a:off x="1066800" y="983711"/>
+            <a:ext cx="7010400" cy="3416320"/>
+          </a:xfrm>
+          <a:prstGeom prst="rect">
+            <a:avLst/>
+          </a:prstGeom>
+          <a:solidFill>
+            <a:schemeClr val="accent6">
+              <a:lumMod val="20000"/>
+              <a:lumOff val="80000"/>
+            </a:schemeClr>
+          </a:solidFill>
+        </p:spPr>
+        <p:txBody>
+          <a:bodyPr wrap="square">
+            <a:spAutoFit/>
+          </a:bodyPr>
+          <a:lstStyle/>
+          <a:p>
+            <a:r>
+              <a:rPr lang="en-CA" sz="1200" dirty="0">
+                <a:latin typeface="Courier" pitchFamily="2" charset="0"/>
+              </a:rPr>
+              <a:t>                             +------------+</a:t>
+            </a:r>
+          </a:p>
+          <a:p>
+            <a:r>
+              <a:rPr lang="en-CA" sz="1200" dirty="0">
+                <a:latin typeface="Courier" pitchFamily="2" charset="0"/>
+              </a:rPr>
+              <a:t>                             | Controller |</a:t>
+            </a:r>
+          </a:p>
+          <a:p>
+            <a:r>
+              <a:rPr lang="en-CA" sz="1200" dirty="0">
+                <a:latin typeface="Courier" pitchFamily="2" charset="0"/>
+              </a:rPr>
+              <a:t>                             +------------+</a:t>
+            </a:r>
+          </a:p>
+          <a:p>
+            <a:r>
+              <a:rPr lang="en-CA" sz="1200" dirty="0">
+                <a:latin typeface="Courier" pitchFamily="2" charset="0"/>
+              </a:rPr>
+              <a:t>  Destination UDP Port            /  \         Destination UDP port</a:t>
+            </a:r>
+          </a:p>
+          <a:p>
+            <a:r>
+              <a:rPr lang="en-CA" sz="1200" dirty="0">
+                <a:latin typeface="Courier" pitchFamily="2" charset="0"/>
+              </a:rPr>
+              <a:t>  Measurement Protocol           /    \        Measurement Protocol</a:t>
+            </a:r>
+          </a:p>
+          <a:p>
+            <a:r>
+              <a:rPr lang="en-CA" sz="1200" dirty="0">
+                <a:latin typeface="Courier" pitchFamily="2" charset="0"/>
+              </a:rPr>
+              <a:t>  Measurement Type              /      \       Measurement Type</a:t>
+            </a:r>
+          </a:p>
+          <a:p>
+            <a:r>
+              <a:rPr lang="en-CA" sz="1200" dirty="0">
+                <a:latin typeface="Courier" pitchFamily="2" charset="0"/>
+              </a:rPr>
+              <a:t>     Delay/Loss                /        \        Delay/Loss</a:t>
+            </a:r>
+          </a:p>
+          <a:p>
+            <a:r>
+              <a:rPr lang="en-CA" sz="1200" dirty="0">
+                <a:latin typeface="Courier" pitchFamily="2" charset="0"/>
+              </a:rPr>
+              <a:t>  Authentication Mode &amp; Key   /          \     Authentication Mode &amp; Key</a:t>
+            </a:r>
+          </a:p>
+          <a:p>
+            <a:r>
+              <a:rPr lang="en-CA" sz="1200" dirty="0">
+                <a:latin typeface="Courier" pitchFamily="2" charset="0"/>
+              </a:rPr>
+              <a:t>  Timestamp Format           /            \    Loss Measurement Mode</a:t>
+            </a:r>
+          </a:p>
+          <a:p>
+            <a:r>
+              <a:rPr lang="en-CA" sz="1200" dirty="0">
+                <a:latin typeface="Courier" pitchFamily="2" charset="0"/>
+              </a:rPr>
+              <a:t>  Delay Measurement Mode    /              \   SSID - Wildcard</a:t>
+            </a:r>
+          </a:p>
+          <a:p>
+            <a:r>
+              <a:rPr lang="en-CA" sz="1200" dirty="0">
+                <a:latin typeface="Courier" pitchFamily="2" charset="0"/>
+              </a:rPr>
+              <a:t>  Loss Measurement Mode    /                \</a:t>
+            </a:r>
+          </a:p>
+          <a:p>
+            <a:r>
+              <a:rPr lang="en-CA" sz="1200" dirty="0">
+                <a:latin typeface="Courier" pitchFamily="2" charset="0"/>
+              </a:rPr>
+              <a:t>                          v                  v</a:t>
+            </a:r>
+          </a:p>
+          <a:p>
+            <a:r>
+              <a:rPr lang="en-CA" sz="1200" dirty="0">
+                <a:latin typeface="Courier" pitchFamily="2" charset="0"/>
+              </a:rPr>
+              <a:t>                     +-------+            +-------+</a:t>
+            </a:r>
+          </a:p>
+          <a:p>
+            <a:r>
+              <a:rPr lang="en-CA" sz="1200" dirty="0">
+                <a:latin typeface="Courier" pitchFamily="2" charset="0"/>
+              </a:rPr>
+              <a:t>                     |       |            |       |</a:t>
+            </a:r>
+          </a:p>
+          <a:p>
+            <a:r>
+              <a:rPr lang="en-CA" sz="1200" dirty="0">
+                <a:latin typeface="Courier" pitchFamily="2" charset="0"/>
+              </a:rPr>
+              <a:t>                     |   R1  |============|   R5  |</a:t>
+            </a:r>
+          </a:p>
+          <a:p>
+            <a:r>
+              <a:rPr lang="en-CA" sz="1200" dirty="0">
+                <a:latin typeface="Courier" pitchFamily="2" charset="0"/>
+              </a:rPr>
+              <a:t>                     |       |  SR Path   |       |</a:t>
+            </a:r>
+          </a:p>
+          <a:p>
+            <a:r>
+              <a:rPr lang="en-CA" sz="1200" dirty="0">
+                <a:latin typeface="Courier" pitchFamily="2" charset="0"/>
+              </a:rPr>
+              <a:t>                     +-------+  Or Link   +-------+</a:t>
+            </a:r>
+          </a:p>
+          <a:p>
+            <a:r>
+              <a:rPr lang="en-CA" sz="1200" dirty="0">
+                <a:latin typeface="Courier" pitchFamily="2" charset="0"/>
+              </a:rPr>
+              <a:t>                  Session-Sender       Session-Reflector</a:t>
+            </a:r>
+          </a:p>
+        </p:txBody>
+      </p:sp>
+    </p:spTree>
+    <p:extLst>
+      <p:ext uri="{BB962C8B-B14F-4D97-AF65-F5344CB8AC3E}">
+        <p14:creationId xmlns:p14="http://schemas.microsoft.com/office/powerpoint/2010/main" val="674982456"/>
+      </p:ext>
+    </p:extLst>
+  </p:cSld>
+  <p:clrMapOvr>
+    <a:masterClrMapping/>
+  </p:clrMapOvr>
+</p:sld>
+</file>
+
+<file path=ppt/slides/slide7.xml><?xml version="1.0" encoding="utf-8"?>
+<p:sld xmlns:a="http://schemas.openxmlformats.org/drawingml/2006/main" xmlns:r="http://schemas.openxmlformats.org/officeDocument/2006/relationships" xmlns:p="http://schemas.openxmlformats.org/presentationml/2006/main">
+  <p:cSld>
+    <p:spTree>
+      <p:nvGrpSpPr>
+        <p:cNvPr id="1" name=""/>
+        <p:cNvGrpSpPr/>
+        <p:nvPr/>
+      </p:nvGrpSpPr>
+      <p:grpSpPr>
+        <a:xfrm>
+          <a:off x="0" y="0"/>
+          <a:ext cx="0" cy="0"/>
+          <a:chOff x="0" y="0"/>
+          <a:chExt cx="0" cy="0"/>
+        </a:xfrm>
+      </p:grpSpPr>
+      <p:sp>
+        <p:nvSpPr>
           <p:cNvPr id="2" name="Title 1"/>
           <p:cNvSpPr>
             <a:spLocks noGrp="1"/>
@@ -7933,7 +8656,7 @@
               <a:pPr>
                 <a:defRPr/>
               </a:pPr>
-              <a:t>6</a:t>
+              <a:t>7</a:t>
             </a:fld>
             <a:endParaRPr lang="en-US" altLang="zh-CN"/>
           </a:p>
@@ -7952,7 +8675,7 @@
 </p:sld>
 </file>
 
-<file path=ppt/slides/slide7.xml><?xml version="1.0" encoding="utf-8"?>
+<file path=ppt/slides/slide8.xml><?xml version="1.0" encoding="utf-8"?>
 <p:sld xmlns:a="http://schemas.openxmlformats.org/drawingml/2006/main" xmlns:r="http://schemas.openxmlformats.org/officeDocument/2006/relationships" xmlns:p="http://schemas.openxmlformats.org/presentationml/2006/main">
   <p:cSld>
     <p:spTree>
@@ -8506,7 +9229,7 @@
               <a:pPr>
                 <a:defRPr/>
               </a:pPr>
-              <a:t>7</a:t>
+              <a:t>8</a:t>
             </a:fld>
             <a:endParaRPr lang="en-US" altLang="zh-CN"/>
           </a:p>
@@ -8925,371 +9648,6 @@
     <p:extLst>
       <p:ext uri="{BB962C8B-B14F-4D97-AF65-F5344CB8AC3E}">
         <p14:creationId xmlns:p14="http://schemas.microsoft.com/office/powerpoint/2010/main" val="2091496984"/>
-      </p:ext>
-    </p:extLst>
-  </p:cSld>
-  <p:clrMapOvr>
-    <a:masterClrMapping/>
-  </p:clrMapOvr>
-</p:sld>
-</file>
-
-<file path=ppt/slides/slide8.xml><?xml version="1.0" encoding="utf-8"?>
-<p:sld xmlns:a="http://schemas.openxmlformats.org/drawingml/2006/main" xmlns:r="http://schemas.openxmlformats.org/officeDocument/2006/relationships" xmlns:p="http://schemas.openxmlformats.org/presentationml/2006/main">
-  <p:cSld>
-    <p:spTree>
-      <p:nvGrpSpPr>
-        <p:cNvPr id="1" name=""/>
-        <p:cNvGrpSpPr/>
-        <p:nvPr/>
-      </p:nvGrpSpPr>
-      <p:grpSpPr>
-        <a:xfrm>
-          <a:off x="0" y="0"/>
-          <a:ext cx="0" cy="0"/>
-          <a:chOff x="0" y="0"/>
-          <a:chExt cx="0" cy="0"/>
-        </a:xfrm>
-      </p:grpSpPr>
-      <p:sp>
-        <p:nvSpPr>
-          <p:cNvPr id="2" name="Title 1"/>
-          <p:cNvSpPr>
-            <a:spLocks noGrp="1"/>
-          </p:cNvSpPr>
-          <p:nvPr>
-            <p:ph type="title"/>
-          </p:nvPr>
-        </p:nvSpPr>
-        <p:spPr>
-          <a:xfrm>
-            <a:off x="457200" y="0"/>
-            <a:ext cx="8229600" cy="857250"/>
-          </a:xfrm>
-        </p:spPr>
-        <p:txBody>
-          <a:bodyPr/>
-          <a:lstStyle/>
-          <a:p>
-            <a:r>
-              <a:rPr lang="en-US" sz="3600" dirty="0">
-                <a:solidFill>
-                  <a:srgbClr val="0070C0"/>
-                </a:solidFill>
-                <a:latin typeface="Calibri Light" panose="020F0302020204030204" pitchFamily="34" charset="0"/>
-                <a:cs typeface="Calibri Light" panose="020F0302020204030204" pitchFamily="34" charset="0"/>
-              </a:rPr>
-              <a:t>Probe Response Message</a:t>
-            </a:r>
-          </a:p>
-        </p:txBody>
-      </p:sp>
-      <p:sp>
-        <p:nvSpPr>
-          <p:cNvPr id="3" name="Content Placeholder 2"/>
-          <p:cNvSpPr>
-            <a:spLocks noGrp="1"/>
-          </p:cNvSpPr>
-          <p:nvPr>
-            <p:ph idx="1"/>
-          </p:nvPr>
-        </p:nvSpPr>
-        <p:spPr>
-          <a:xfrm>
-            <a:off x="228600" y="749499"/>
-            <a:ext cx="8686800" cy="1143000"/>
-          </a:xfrm>
-        </p:spPr>
-        <p:txBody>
-          <a:bodyPr/>
-          <a:lstStyle/>
-          <a:p>
-            <a:r>
-              <a:rPr lang="en-US" sz="1600" dirty="0"/>
-              <a:t>The probe response message is sent using the IP/UDP information from the probe query message. </a:t>
-            </a:r>
-          </a:p>
-          <a:p>
-            <a:r>
-              <a:rPr lang="en-US" sz="1600" dirty="0"/>
-              <a:t>Based on Control Code from the probe query message</a:t>
-            </a:r>
-          </a:p>
-          <a:p>
-            <a:r>
-              <a:rPr lang="en-US" sz="1600" dirty="0">
-                <a:solidFill>
-                  <a:srgbClr val="0070C0"/>
-                </a:solidFill>
-              </a:rPr>
-              <a:t>Use Segment List from Return Path TLV if present in probe query message.</a:t>
-            </a:r>
-          </a:p>
-        </p:txBody>
-      </p:sp>
-      <p:sp>
-        <p:nvSpPr>
-          <p:cNvPr id="4" name="Footer Placeholder 3"/>
-          <p:cNvSpPr>
-            <a:spLocks noGrp="1"/>
-          </p:cNvSpPr>
-          <p:nvPr>
-            <p:ph type="ftr" sz="quarter" idx="11"/>
-          </p:nvPr>
-        </p:nvSpPr>
-        <p:spPr>
-          <a:xfrm>
-            <a:off x="3124200" y="4786312"/>
-            <a:ext cx="2895600" cy="357188"/>
-          </a:xfrm>
-        </p:spPr>
-        <p:txBody>
-          <a:bodyPr/>
-          <a:lstStyle/>
-          <a:p>
-            <a:r>
-              <a:rPr lang="en-CA" dirty="0"/>
-              <a:t>109</a:t>
-            </a:r>
-            <a:r>
-              <a:rPr lang="en-CA" baseline="30000" dirty="0"/>
-              <a:t>th</a:t>
-            </a:r>
-            <a:r>
-              <a:rPr lang="en-CA" dirty="0"/>
-              <a:t> IETF Online</a:t>
-            </a:r>
-          </a:p>
-        </p:txBody>
-      </p:sp>
-      <p:sp>
-        <p:nvSpPr>
-          <p:cNvPr id="5" name="Rectangle 4"/>
-          <p:cNvSpPr/>
-          <p:nvPr/>
-        </p:nvSpPr>
-        <p:spPr>
-          <a:xfrm>
-            <a:off x="1828800" y="1857048"/>
-            <a:ext cx="5257800" cy="2862322"/>
-          </a:xfrm>
-          <a:prstGeom prst="rect">
-            <a:avLst/>
-          </a:prstGeom>
-          <a:solidFill>
-            <a:schemeClr val="accent6">
-              <a:lumMod val="20000"/>
-              <a:lumOff val="80000"/>
-            </a:schemeClr>
-          </a:solidFill>
-        </p:spPr>
-        <p:txBody>
-          <a:bodyPr wrap="square">
-            <a:spAutoFit/>
-          </a:bodyPr>
-          <a:lstStyle/>
-          <a:p>
-            <a:r>
-              <a:rPr lang="en-CA" sz="1000" dirty="0">
-                <a:latin typeface="Courier" pitchFamily="2" charset="0"/>
-                <a:cs typeface="Courier New" panose="02070309020205020404" pitchFamily="49" charset="0"/>
-              </a:rPr>
-              <a:t>+---------------------------------------------------------------+</a:t>
-            </a:r>
-          </a:p>
-          <a:p>
-            <a:r>
-              <a:rPr lang="en-CA" sz="1000" dirty="0">
-                <a:latin typeface="Courier" pitchFamily="2" charset="0"/>
-                <a:cs typeface="Courier New" panose="02070309020205020404" pitchFamily="49" charset="0"/>
-              </a:rPr>
-              <a:t>| IP Header                                                     |</a:t>
-            </a:r>
-          </a:p>
-          <a:p>
-            <a:r>
-              <a:rPr lang="en-CA" sz="1000" dirty="0">
-                <a:latin typeface="Courier" pitchFamily="2" charset="0"/>
-                <a:cs typeface="Courier New" panose="02070309020205020404" pitchFamily="49" charset="0"/>
-              </a:rPr>
-              <a:t>.  Source IP Address = Session-Reflector IPv4 or IPv6 Address   .</a:t>
-            </a:r>
-          </a:p>
-          <a:p>
-            <a:r>
-              <a:rPr lang="en-CA" sz="1000" dirty="0">
-                <a:latin typeface="Courier" pitchFamily="2" charset="0"/>
-                <a:cs typeface="Courier New" panose="02070309020205020404" pitchFamily="49" charset="0"/>
-              </a:rPr>
-              <a:t>.  Destination IP Address = Source IP Address from Query        .</a:t>
-            </a:r>
-          </a:p>
-          <a:p>
-            <a:r>
-              <a:rPr lang="en-CA" sz="1000" dirty="0">
-                <a:latin typeface="Courier" pitchFamily="2" charset="0"/>
-                <a:cs typeface="Courier New" panose="02070309020205020404" pitchFamily="49" charset="0"/>
-              </a:rPr>
-              <a:t>.  Protocol = UDP                                               .</a:t>
-            </a:r>
-          </a:p>
-          <a:p>
-            <a:r>
-              <a:rPr lang="en-CA" sz="1000" dirty="0">
-                <a:latin typeface="Courier" pitchFamily="2" charset="0"/>
-                <a:cs typeface="Courier New" panose="02070309020205020404" pitchFamily="49" charset="0"/>
-              </a:rPr>
-              <a:t>.                                                               .</a:t>
-            </a:r>
-          </a:p>
-          <a:p>
-            <a:r>
-              <a:rPr lang="en-CA" sz="1000" dirty="0">
-                <a:latin typeface="Courier" pitchFamily="2" charset="0"/>
-                <a:cs typeface="Courier New" panose="02070309020205020404" pitchFamily="49" charset="0"/>
-              </a:rPr>
-              <a:t>+---------------------------------------------------------------+</a:t>
-            </a:r>
-          </a:p>
-          <a:p>
-            <a:r>
-              <a:rPr lang="en-CA" sz="1000" dirty="0">
-                <a:latin typeface="Courier" pitchFamily="2" charset="0"/>
-                <a:cs typeface="Courier New" panose="02070309020205020404" pitchFamily="49" charset="0"/>
-              </a:rPr>
-              <a:t>| UDP Header                                                    |</a:t>
-            </a:r>
-          </a:p>
-          <a:p>
-            <a:r>
-              <a:rPr lang="en-CA" sz="1000" dirty="0">
-                <a:latin typeface="Courier" pitchFamily="2" charset="0"/>
-                <a:cs typeface="Courier New" panose="02070309020205020404" pitchFamily="49" charset="0"/>
-              </a:rPr>
-              <a:t>.  Source Port = As chosen by Session-Reflector                 .</a:t>
-            </a:r>
-          </a:p>
-          <a:p>
-            <a:r>
-              <a:rPr lang="en-CA" sz="1000" dirty="0">
-                <a:latin typeface="Courier" pitchFamily="2" charset="0"/>
-                <a:cs typeface="Courier New" panose="02070309020205020404" pitchFamily="49" charset="0"/>
-              </a:rPr>
-              <a:t>.  Destination Port = Source Port from Query                    .</a:t>
-            </a:r>
-          </a:p>
-          <a:p>
-            <a:r>
-              <a:rPr lang="en-CA" sz="1000" dirty="0">
-                <a:latin typeface="Courier" pitchFamily="2" charset="0"/>
-                <a:cs typeface="Courier New" panose="02070309020205020404" pitchFamily="49" charset="0"/>
-              </a:rPr>
-              <a:t>.                                                               .</a:t>
-            </a:r>
-          </a:p>
-          <a:p>
-            <a:r>
-              <a:rPr lang="en-CA" sz="1000" dirty="0">
-                <a:latin typeface="Courier" pitchFamily="2" charset="0"/>
-                <a:cs typeface="Courier New" panose="02070309020205020404" pitchFamily="49" charset="0"/>
-              </a:rPr>
-              <a:t>+---------------------------------------------------------------+</a:t>
-            </a:r>
-          </a:p>
-          <a:p>
-            <a:r>
-              <a:rPr lang="en-CA" sz="1000" dirty="0">
-                <a:latin typeface="Courier" pitchFamily="2" charset="0"/>
-                <a:cs typeface="Courier New" panose="02070309020205020404" pitchFamily="49" charset="0"/>
-              </a:rPr>
-              <a:t>| Payload = DM Response Message |                               |</a:t>
-            </a:r>
-          </a:p>
-          <a:p>
-            <a:r>
-              <a:rPr lang="en-CA" sz="1000" dirty="0">
-                <a:latin typeface="Courier" pitchFamily="2" charset="0"/>
-                <a:cs typeface="Courier New" panose="02070309020205020404" pitchFamily="49" charset="0"/>
-              </a:rPr>
-              <a:t>. Payload = LM Response Message                                 .</a:t>
-            </a:r>
-          </a:p>
-          <a:p>
-            <a:r>
-              <a:rPr lang="en-CA" sz="1000" dirty="0">
-                <a:latin typeface="Courier" pitchFamily="2" charset="0"/>
-                <a:cs typeface="Courier New" panose="02070309020205020404" pitchFamily="49" charset="0"/>
-              </a:rPr>
-              <a:t>.                                                               .</a:t>
-            </a:r>
-          </a:p>
-          <a:p>
-            <a:r>
-              <a:rPr lang="en-CA" sz="1000" dirty="0">
-                <a:latin typeface="Courier" pitchFamily="2" charset="0"/>
-                <a:cs typeface="Courier New" panose="02070309020205020404" pitchFamily="49" charset="0"/>
-              </a:rPr>
-              <a:t>+---------------------------------------------------------------+</a:t>
-            </a:r>
-          </a:p>
-          <a:p>
-            <a:r>
-              <a:rPr lang="en-CA" sz="1000" dirty="0">
-                <a:latin typeface="Courier" pitchFamily="2" charset="0"/>
-                <a:cs typeface="Courier New" panose="02070309020205020404" pitchFamily="49" charset="0"/>
-              </a:rPr>
-              <a:t> </a:t>
-            </a:r>
-          </a:p>
-          <a:p>
-            <a:r>
-              <a:rPr lang="en-CA" sz="1000" dirty="0">
-                <a:latin typeface="Courier" pitchFamily="2" charset="0"/>
-                <a:cs typeface="Courier New" panose="02070309020205020404" pitchFamily="49" charset="0"/>
-              </a:rPr>
-              <a:t>                      Figure: Probe Response Message</a:t>
-            </a:r>
-            <a:endParaRPr lang="en-US" sz="1000" dirty="0">
-              <a:latin typeface="Courier" pitchFamily="2" charset="0"/>
-              <a:ea typeface="Courier" charset="0"/>
-              <a:cs typeface="Courier New" panose="02070309020205020404" pitchFamily="49" charset="0"/>
-            </a:endParaRPr>
-          </a:p>
-        </p:txBody>
-      </p:sp>
-      <p:sp>
-        <p:nvSpPr>
-          <p:cNvPr id="6" name="Slide Number Placeholder 5"/>
-          <p:cNvSpPr>
-            <a:spLocks noGrp="1"/>
-          </p:cNvSpPr>
-          <p:nvPr>
-            <p:ph type="sldNum" sz="quarter" idx="12"/>
-          </p:nvPr>
-        </p:nvSpPr>
-        <p:spPr/>
-        <p:txBody>
-          <a:bodyPr/>
-          <a:lstStyle/>
-          <a:p>
-            <a:pPr>
-              <a:defRPr/>
-            </a:pPr>
-            <a:fld id="{BD6E0F59-1DD8-40FC-9C92-B6295CBA6CCA}" type="slidenum">
-              <a:rPr lang="en-US" altLang="zh-CN" smtClean="0"/>
-              <a:pPr>
-                <a:defRPr/>
-              </a:pPr>
-              <a:t>8</a:t>
-            </a:fld>
-            <a:endParaRPr lang="en-US" altLang="zh-CN"/>
-          </a:p>
-        </p:txBody>
-      </p:sp>
-    </p:spTree>
-    <p:extLst>
-      <p:ext uri="{BB962C8B-B14F-4D97-AF65-F5344CB8AC3E}">
-        <p14:creationId xmlns:p14="http://schemas.microsoft.com/office/powerpoint/2010/main" val="1694318788"/>
       </p:ext>
     </p:extLst>
   </p:cSld>
@@ -9344,7 +9702,7 @@
                 <a:latin typeface="Calibri Light" panose="020F0302020204030204" pitchFamily="34" charset="0"/>
                 <a:cs typeface="Calibri Light" panose="020F0302020204030204" pitchFamily="34" charset="0"/>
               </a:rPr>
-              <a:t>ECMP Support for SR Path</a:t>
+              <a:t>Probe Response Message</a:t>
             </a:r>
           </a:p>
         </p:txBody>
@@ -9361,109 +9719,33 @@
         </p:nvSpPr>
         <p:spPr>
           <a:xfrm>
-            <a:off x="419100" y="912201"/>
-            <a:ext cx="8305800" cy="3259750"/>
+            <a:off x="228600" y="749499"/>
+            <a:ext cx="8686800" cy="1143000"/>
           </a:xfrm>
         </p:spPr>
         <p:txBody>
           <a:bodyPr/>
           <a:lstStyle/>
           <a:p>
-            <a:pPr>
-              <a:lnSpc>
-                <a:spcPts val="2280"/>
-              </a:lnSpc>
-              <a:spcBef>
-                <a:spcPts val="0"/>
-              </a:spcBef>
-            </a:pPr>
-            <a:r>
-              <a:rPr lang="en-US" sz="1800" dirty="0"/>
-              <a:t>SR Path can have ECMP between the ingress and transit nodes, between transit nodes and between transit and egress nodes.</a:t>
-            </a:r>
-          </a:p>
-          <a:p>
-            <a:pPr>
-              <a:lnSpc>
-                <a:spcPts val="2280"/>
-              </a:lnSpc>
-              <a:spcBef>
-                <a:spcPts val="0"/>
-              </a:spcBef>
-            </a:pPr>
-            <a:r>
-              <a:rPr lang="en-US" sz="1800" dirty="0"/>
-              <a:t>Sending probe queries that can take advantage of the hashing function in forwarding plane.</a:t>
-            </a:r>
-          </a:p>
-          <a:p>
-            <a:pPr>
-              <a:lnSpc>
-                <a:spcPts val="2280"/>
-              </a:lnSpc>
-              <a:spcBef>
-                <a:spcPts val="0"/>
-              </a:spcBef>
-            </a:pPr>
-            <a:r>
-              <a:rPr lang="en-US" sz="1800" dirty="0"/>
-              <a:t>Existing forwarding mechanisms are applicable to probe messages. Examples are:</a:t>
-            </a:r>
-          </a:p>
-          <a:p>
-            <a:pPr lvl="1">
-              <a:lnSpc>
-                <a:spcPts val="2280"/>
-              </a:lnSpc>
-              <a:spcBef>
-                <a:spcPts val="0"/>
-              </a:spcBef>
-            </a:pPr>
-            <a:r>
-              <a:rPr lang="en-US" sz="1800" dirty="0"/>
-              <a:t>For IPv4</a:t>
-            </a:r>
-          </a:p>
-          <a:p>
-            <a:pPr lvl="2">
-              <a:lnSpc>
-                <a:spcPts val="2280"/>
-              </a:lnSpc>
-              <a:spcBef>
-                <a:spcPts val="0"/>
-              </a:spcBef>
-            </a:pPr>
-            <a:r>
-              <a:rPr lang="en-US" sz="1800" dirty="0"/>
-              <a:t>Sweeping destination address in IPv4 header (e.g. 127/8)</a:t>
-            </a:r>
-          </a:p>
-          <a:p>
-            <a:pPr lvl="1">
-              <a:lnSpc>
-                <a:spcPts val="2280"/>
-              </a:lnSpc>
-              <a:spcBef>
-                <a:spcPts val="0"/>
-              </a:spcBef>
-            </a:pPr>
-            <a:r>
-              <a:rPr lang="en-US" sz="1800" dirty="0"/>
-              <a:t>For IPv6</a:t>
-            </a:r>
-          </a:p>
-          <a:p>
-            <a:pPr lvl="2">
-              <a:lnSpc>
-                <a:spcPts val="2280"/>
-              </a:lnSpc>
-              <a:spcBef>
-                <a:spcPts val="0"/>
-              </a:spcBef>
-            </a:pPr>
-            <a:r>
-              <a:rPr lang="en-US" sz="1800" dirty="0"/>
-              <a:t>Sweeping flow label in IPv6 header</a:t>
+            <a:r>
+              <a:rPr lang="en-US" sz="1600" dirty="0"/>
+              <a:t>The probe response message is sent using the IP/UDP information from the probe query message. </a:t>
+            </a:r>
+          </a:p>
+          <a:p>
+            <a:r>
+              <a:rPr lang="en-US" sz="1600" dirty="0"/>
+              <a:t>Based on Control Code from the probe query message</a:t>
+            </a:r>
+          </a:p>
+          <a:p>
+            <a:r>
+              <a:rPr lang="en-US" sz="1600" dirty="0">
+                <a:solidFill>
+                  <a:srgbClr val="0070C0"/>
+                </a:solidFill>
+              </a:rPr>
+              <a:t>Use Segment List from Return Path TLV if present in probe query message.</a:t>
             </a:r>
           </a:p>
         </p:txBody>
@@ -9480,7 +9762,7 @@
         </p:nvSpPr>
         <p:spPr>
           <a:xfrm>
-            <a:off x="3124200" y="4781550"/>
+            <a:off x="3124200" y="4786312"/>
             <a:ext cx="2895600" cy="357188"/>
           </a:xfrm>
         </p:spPr>
@@ -9505,7 +9787,202 @@
       </p:sp>
       <p:sp>
         <p:nvSpPr>
-          <p:cNvPr id="5" name="Slide Number Placeholder 4"/>
+          <p:cNvPr id="5" name="Rectangle 4"/>
+          <p:cNvSpPr/>
+          <p:nvPr/>
+        </p:nvSpPr>
+        <p:spPr>
+          <a:xfrm>
+            <a:off x="1828800" y="1857048"/>
+            <a:ext cx="5257800" cy="2862322"/>
+          </a:xfrm>
+          <a:prstGeom prst="rect">
+            <a:avLst/>
+          </a:prstGeom>
+          <a:solidFill>
+            <a:schemeClr val="accent6">
+              <a:lumMod val="20000"/>
+              <a:lumOff val="80000"/>
+            </a:schemeClr>
+          </a:solidFill>
+        </p:spPr>
+        <p:txBody>
+          <a:bodyPr wrap="square">
+            <a:spAutoFit/>
+          </a:bodyPr>
+          <a:lstStyle/>
+          <a:p>
+            <a:r>
+              <a:rPr lang="en-CA" sz="1000" dirty="0">
+                <a:latin typeface="Courier" pitchFamily="2" charset="0"/>
+                <a:cs typeface="Courier New" panose="02070309020205020404" pitchFamily="49" charset="0"/>
+              </a:rPr>
+              <a:t>+---------------------------------------------------------------+</a:t>
+            </a:r>
+          </a:p>
+          <a:p>
+            <a:r>
+              <a:rPr lang="en-CA" sz="1000" dirty="0">
+                <a:latin typeface="Courier" pitchFamily="2" charset="0"/>
+                <a:cs typeface="Courier New" panose="02070309020205020404" pitchFamily="49" charset="0"/>
+              </a:rPr>
+              <a:t>| IP Header                                                     |</a:t>
+            </a:r>
+          </a:p>
+          <a:p>
+            <a:r>
+              <a:rPr lang="en-CA" sz="1000" dirty="0">
+                <a:latin typeface="Courier" pitchFamily="2" charset="0"/>
+                <a:cs typeface="Courier New" panose="02070309020205020404" pitchFamily="49" charset="0"/>
+              </a:rPr>
+              <a:t>.  Source IP Address = Session-Reflector IPv4 or IPv6 Address   .</a:t>
+            </a:r>
+          </a:p>
+          <a:p>
+            <a:r>
+              <a:rPr lang="en-CA" sz="1000" dirty="0">
+                <a:latin typeface="Courier" pitchFamily="2" charset="0"/>
+                <a:cs typeface="Courier New" panose="02070309020205020404" pitchFamily="49" charset="0"/>
+              </a:rPr>
+              <a:t>.  Destination IP Address = Source IP Address from Query        .</a:t>
+            </a:r>
+          </a:p>
+          <a:p>
+            <a:r>
+              <a:rPr lang="en-CA" sz="1000" dirty="0">
+                <a:latin typeface="Courier" pitchFamily="2" charset="0"/>
+                <a:cs typeface="Courier New" panose="02070309020205020404" pitchFamily="49" charset="0"/>
+              </a:rPr>
+              <a:t>.  Protocol = UDP                                               .</a:t>
+            </a:r>
+          </a:p>
+          <a:p>
+            <a:r>
+              <a:rPr lang="en-CA" sz="1000" dirty="0">
+                <a:latin typeface="Courier" pitchFamily="2" charset="0"/>
+                <a:cs typeface="Courier New" panose="02070309020205020404" pitchFamily="49" charset="0"/>
+              </a:rPr>
+              <a:t>.                                                               .</a:t>
+            </a:r>
+          </a:p>
+          <a:p>
+            <a:r>
+              <a:rPr lang="en-CA" sz="1000" dirty="0">
+                <a:latin typeface="Courier" pitchFamily="2" charset="0"/>
+                <a:cs typeface="Courier New" panose="02070309020205020404" pitchFamily="49" charset="0"/>
+              </a:rPr>
+              <a:t>+---------------------------------------------------------------+</a:t>
+            </a:r>
+          </a:p>
+          <a:p>
+            <a:r>
+              <a:rPr lang="en-CA" sz="1000" dirty="0">
+                <a:latin typeface="Courier" pitchFamily="2" charset="0"/>
+                <a:cs typeface="Courier New" panose="02070309020205020404" pitchFamily="49" charset="0"/>
+              </a:rPr>
+              <a:t>| UDP Header                                                    |</a:t>
+            </a:r>
+          </a:p>
+          <a:p>
+            <a:r>
+              <a:rPr lang="en-CA" sz="1000" dirty="0">
+                <a:latin typeface="Courier" pitchFamily="2" charset="0"/>
+                <a:cs typeface="Courier New" panose="02070309020205020404" pitchFamily="49" charset="0"/>
+              </a:rPr>
+              <a:t>.  Source Port = As chosen by Session-Reflector                 .</a:t>
+            </a:r>
+          </a:p>
+          <a:p>
+            <a:r>
+              <a:rPr lang="en-CA" sz="1000" dirty="0">
+                <a:latin typeface="Courier" pitchFamily="2" charset="0"/>
+                <a:cs typeface="Courier New" panose="02070309020205020404" pitchFamily="49" charset="0"/>
+              </a:rPr>
+              <a:t>.  Destination Port = Source Port from Query                    .</a:t>
+            </a:r>
+          </a:p>
+          <a:p>
+            <a:r>
+              <a:rPr lang="en-CA" sz="1000" dirty="0">
+                <a:latin typeface="Courier" pitchFamily="2" charset="0"/>
+                <a:cs typeface="Courier New" panose="02070309020205020404" pitchFamily="49" charset="0"/>
+              </a:rPr>
+              <a:t>.                                                               .</a:t>
+            </a:r>
+          </a:p>
+          <a:p>
+            <a:r>
+              <a:rPr lang="en-CA" sz="1000" dirty="0">
+                <a:latin typeface="Courier" pitchFamily="2" charset="0"/>
+                <a:cs typeface="Courier New" panose="02070309020205020404" pitchFamily="49" charset="0"/>
+              </a:rPr>
+              <a:t>+---------------------------------------------------------------+</a:t>
+            </a:r>
+          </a:p>
+          <a:p>
+            <a:r>
+              <a:rPr lang="en-CA" sz="1000" dirty="0">
+                <a:latin typeface="Courier" pitchFamily="2" charset="0"/>
+                <a:cs typeface="Courier New" panose="02070309020205020404" pitchFamily="49" charset="0"/>
+              </a:rPr>
+              <a:t>| Payload = DM Response Message |                               |</a:t>
+            </a:r>
+          </a:p>
+          <a:p>
+            <a:r>
+              <a:rPr lang="en-CA" sz="1000" dirty="0">
+                <a:latin typeface="Courier" pitchFamily="2" charset="0"/>
+                <a:cs typeface="Courier New" panose="02070309020205020404" pitchFamily="49" charset="0"/>
+              </a:rPr>
+              <a:t>. Payload = LM Response Message                                 .</a:t>
+            </a:r>
+          </a:p>
+          <a:p>
+            <a:r>
+              <a:rPr lang="en-CA" sz="1000" dirty="0">
+                <a:latin typeface="Courier" pitchFamily="2" charset="0"/>
+                <a:cs typeface="Courier New" panose="02070309020205020404" pitchFamily="49" charset="0"/>
+              </a:rPr>
+              <a:t>.                                                               .</a:t>
+            </a:r>
+          </a:p>
+          <a:p>
+            <a:r>
+              <a:rPr lang="en-CA" sz="1000" dirty="0">
+                <a:latin typeface="Courier" pitchFamily="2" charset="0"/>
+                <a:cs typeface="Courier New" panose="02070309020205020404" pitchFamily="49" charset="0"/>
+              </a:rPr>
+              <a:t>+---------------------------------------------------------------+</a:t>
+            </a:r>
+          </a:p>
+          <a:p>
+            <a:r>
+              <a:rPr lang="en-CA" sz="1000" dirty="0">
+                <a:latin typeface="Courier" pitchFamily="2" charset="0"/>
+                <a:cs typeface="Courier New" panose="02070309020205020404" pitchFamily="49" charset="0"/>
+              </a:rPr>
+              <a:t> </a:t>
+            </a:r>
+          </a:p>
+          <a:p>
+            <a:r>
+              <a:rPr lang="en-CA" sz="1000" dirty="0">
+                <a:latin typeface="Courier" pitchFamily="2" charset="0"/>
+                <a:cs typeface="Courier New" panose="02070309020205020404" pitchFamily="49" charset="0"/>
+              </a:rPr>
+              <a:t>                      Figure: Probe Response Message</a:t>
+            </a:r>
+            <a:endParaRPr lang="en-US" sz="1000" dirty="0">
+              <a:latin typeface="Courier" pitchFamily="2" charset="0"/>
+              <a:ea typeface="Courier" charset="0"/>
+              <a:cs typeface="Courier New" panose="02070309020205020404" pitchFamily="49" charset="0"/>
+            </a:endParaRPr>
+          </a:p>
+        </p:txBody>
+      </p:sp>
+      <p:sp>
+        <p:nvSpPr>
+          <p:cNvPr id="6" name="Slide Number Placeholder 5"/>
           <p:cNvSpPr>
             <a:spLocks noGrp="1"/>
           </p:cNvSpPr>
@@ -9535,7 +10012,7 @@
     </p:spTree>
     <p:extLst>
       <p:ext uri="{BB962C8B-B14F-4D97-AF65-F5344CB8AC3E}">
-        <p14:creationId xmlns:p14="http://schemas.microsoft.com/office/powerpoint/2010/main" val="1470821304"/>
+        <p14:creationId xmlns:p14="http://schemas.microsoft.com/office/powerpoint/2010/main" val="1694318788"/>
       </p:ext>
     </p:extLst>
   </p:cSld>

--- a/draft-gandhi-spring-stamp-srpm-03.pptx
+++ b/draft-gandhi-spring-stamp-srpm-03.pptx
@@ -5689,7 +5689,11 @@
               </a:spcBef>
             </a:pPr>
             <a:r>
-              <a:rPr lang="en-US" sz="1800" b="1" dirty="0"/>
+              <a:rPr lang="en-US" sz="1800" dirty="0">
+                <a:solidFill>
+                  <a:srgbClr val="0070C0"/>
+                </a:solidFill>
+              </a:rPr>
               <a:t>Use Return Path TLV for STAMP from the probe query message</a:t>
             </a:r>
           </a:p>
@@ -6175,12 +6179,6 @@
                 <a:cs typeface="Calibri" charset="0"/>
               </a:rPr>
               <a:t>Welcome your comments and suggestions</a:t>
-            </a:r>
-          </a:p>
-          <a:p>
-            <a:r>
-              <a:rPr lang="en-US" sz="2400" dirty="0"/>
-              <a:t>Implementation exists</a:t>
             </a:r>
           </a:p>
           <a:p>

--- a/draft-gandhi-spring-stamp-srpm-03.pptx
+++ b/draft-gandhi-spring-stamp-srpm-03.pptx
@@ -5,26 +5,25 @@
     <p:sldMasterId id="2147483648" r:id="rId1"/>
   </p:sldMasterIdLst>
   <p:notesMasterIdLst>
-    <p:notesMasterId r:id="rId16"/>
+    <p:notesMasterId r:id="rId15"/>
   </p:notesMasterIdLst>
   <p:handoutMasterIdLst>
-    <p:handoutMasterId r:id="rId17"/>
+    <p:handoutMasterId r:id="rId16"/>
   </p:handoutMasterIdLst>
   <p:sldIdLst>
     <p:sldId id="1661" r:id="rId2"/>
     <p:sldId id="1662" r:id="rId3"/>
     <p:sldId id="1663" r:id="rId4"/>
     <p:sldId id="1653" r:id="rId5"/>
-    <p:sldId id="1675" r:id="rId6"/>
-    <p:sldId id="1652" r:id="rId7"/>
-    <p:sldId id="1657" r:id="rId8"/>
-    <p:sldId id="1673" r:id="rId9"/>
-    <p:sldId id="320" r:id="rId10"/>
-    <p:sldId id="1658" r:id="rId11"/>
-    <p:sldId id="1667" r:id="rId12"/>
-    <p:sldId id="1674" r:id="rId13"/>
-    <p:sldId id="1670" r:id="rId14"/>
-    <p:sldId id="1654" r:id="rId15"/>
+    <p:sldId id="1652" r:id="rId6"/>
+    <p:sldId id="1657" r:id="rId7"/>
+    <p:sldId id="1673" r:id="rId8"/>
+    <p:sldId id="320" r:id="rId9"/>
+    <p:sldId id="1658" r:id="rId10"/>
+    <p:sldId id="1667" r:id="rId11"/>
+    <p:sldId id="1674" r:id="rId12"/>
+    <p:sldId id="1670" r:id="rId13"/>
+    <p:sldId id="1654" r:id="rId14"/>
   </p:sldIdLst>
   <p:sldSz cx="9144000" cy="5143500" type="screen16x9"/>
   <p:notesSz cx="6858000" cy="9144000"/>
@@ -257,7 +256,7 @@
           <a:p>
             <a:fld id="{E8FA3DB5-7722-3F4F-947D-12B203669AD7}" type="datetimeFigureOut">
               <a:rPr lang="en-US" smtClean="0"/>
-              <a:t>11/9/20</a:t>
+              <a:t>11/11/20</a:t>
             </a:fld>
             <a:endParaRPr lang="en-US"/>
           </a:p>
@@ -874,96 +873,6 @@
 </p:notes>
 </file>
 
-<file path=ppt/notesSlides/notesSlide10.xml><?xml version="1.0" encoding="utf-8"?>
-<p:notes xmlns:a="http://schemas.openxmlformats.org/drawingml/2006/main" xmlns:r="http://schemas.openxmlformats.org/officeDocument/2006/relationships" xmlns:p="http://schemas.openxmlformats.org/presentationml/2006/main">
-  <p:cSld>
-    <p:spTree>
-      <p:nvGrpSpPr>
-        <p:cNvPr id="1" name=""/>
-        <p:cNvGrpSpPr/>
-        <p:nvPr/>
-      </p:nvGrpSpPr>
-      <p:grpSpPr>
-        <a:xfrm>
-          <a:off x="0" y="0"/>
-          <a:ext cx="0" cy="0"/>
-          <a:chOff x="0" y="0"/>
-          <a:chExt cx="0" cy="0"/>
-        </a:xfrm>
-      </p:grpSpPr>
-      <p:sp>
-        <p:nvSpPr>
-          <p:cNvPr id="2" name="Slide Image Placeholder 1"/>
-          <p:cNvSpPr>
-            <a:spLocks noGrp="1" noRot="1" noChangeAspect="1"/>
-          </p:cNvSpPr>
-          <p:nvPr>
-            <p:ph type="sldImg"/>
-          </p:nvPr>
-        </p:nvSpPr>
-        <p:spPr/>
-      </p:sp>
-      <p:sp>
-        <p:nvSpPr>
-          <p:cNvPr id="3" name="Notes Placeholder 2"/>
-          <p:cNvSpPr>
-            <a:spLocks noGrp="1"/>
-          </p:cNvSpPr>
-          <p:nvPr>
-            <p:ph type="body" idx="1"/>
-          </p:nvPr>
-        </p:nvSpPr>
-        <p:spPr/>
-        <p:txBody>
-          <a:bodyPr/>
-          <a:lstStyle/>
-          <a:p>
-            <a:endParaRPr lang="en-US" dirty="0"/>
-          </a:p>
-        </p:txBody>
-      </p:sp>
-      <p:sp>
-        <p:nvSpPr>
-          <p:cNvPr id="4" name="Slide Number Placeholder 3"/>
-          <p:cNvSpPr>
-            <a:spLocks noGrp="1"/>
-          </p:cNvSpPr>
-          <p:nvPr>
-            <p:ph type="sldNum" sz="quarter" idx="10"/>
-          </p:nvPr>
-        </p:nvSpPr>
-        <p:spPr/>
-        <p:txBody>
-          <a:bodyPr/>
-          <a:lstStyle/>
-          <a:p>
-            <a:pPr>
-              <a:defRPr/>
-            </a:pPr>
-            <a:fld id="{100938BD-FD70-4535-B0C2-13FC38CDF1BE}" type="slidenum">
-              <a:rPr lang="en-US" altLang="zh-CN" smtClean="0"/>
-              <a:pPr>
-                <a:defRPr/>
-              </a:pPr>
-              <a:t>14</a:t>
-            </a:fld>
-            <a:endParaRPr lang="en-US" altLang="zh-CN"/>
-          </a:p>
-        </p:txBody>
-      </p:sp>
-    </p:spTree>
-    <p:extLst>
-      <p:ext uri="{BB962C8B-B14F-4D97-AF65-F5344CB8AC3E}">
-        <p14:creationId xmlns:p14="http://schemas.microsoft.com/office/powerpoint/2010/main" val="2642803163"/>
-      </p:ext>
-    </p:extLst>
-  </p:cSld>
-  <p:clrMapOvr>
-    <a:masterClrMapping/>
-  </p:clrMapOvr>
-</p:notes>
-</file>
-
 <file path=ppt/notesSlides/notesSlide2.xml><?xml version="1.0" encoding="utf-8"?>
 <p:notes xmlns:a="http://schemas.openxmlformats.org/drawingml/2006/main" xmlns:r="http://schemas.openxmlformats.org/officeDocument/2006/relationships" xmlns:p="http://schemas.openxmlformats.org/presentationml/2006/main">
   <p:cSld>
@@ -1278,7 +1187,7 @@
           <a:bodyPr/>
           <a:lstStyle/>
           <a:p>
-            <a:endParaRPr lang="en-CA" dirty="0"/>
+            <a:endParaRPr lang="en-US" dirty="0"/>
           </a:p>
         </p:txBody>
       </p:sp>
@@ -1305,7 +1214,7 @@
               <a:pPr>
                 <a:defRPr/>
               </a:pPr>
-              <a:t>5</a:t>
+              <a:t>9</a:t>
             </a:fld>
             <a:endParaRPr lang="en-US" altLang="zh-CN"/>
           </a:p>
@@ -1314,7 +1223,7 @@
     </p:spTree>
     <p:extLst>
       <p:ext uri="{BB962C8B-B14F-4D97-AF65-F5344CB8AC3E}">
-        <p14:creationId xmlns:p14="http://schemas.microsoft.com/office/powerpoint/2010/main" val="2410420699"/>
+        <p14:creationId xmlns:p14="http://schemas.microsoft.com/office/powerpoint/2010/main" val="3887132760"/>
       </p:ext>
     </p:extLst>
   </p:cSld>
@@ -1404,7 +1313,7 @@
     </p:spTree>
     <p:extLst>
       <p:ext uri="{BB962C8B-B14F-4D97-AF65-F5344CB8AC3E}">
-        <p14:creationId xmlns:p14="http://schemas.microsoft.com/office/powerpoint/2010/main" val="3887132760"/>
+        <p14:creationId xmlns:p14="http://schemas.microsoft.com/office/powerpoint/2010/main" val="2056051401"/>
       </p:ext>
     </p:extLst>
   </p:cSld>
@@ -1494,7 +1403,7 @@
     </p:spTree>
     <p:extLst>
       <p:ext uri="{BB962C8B-B14F-4D97-AF65-F5344CB8AC3E}">
-        <p14:creationId xmlns:p14="http://schemas.microsoft.com/office/powerpoint/2010/main" val="2056051401"/>
+        <p14:creationId xmlns:p14="http://schemas.microsoft.com/office/powerpoint/2010/main" val="2316887433"/>
       </p:ext>
     </p:extLst>
   </p:cSld>
@@ -1548,7 +1457,7 @@
           <a:bodyPr/>
           <a:lstStyle/>
           <a:p>
-            <a:endParaRPr lang="en-US" dirty="0"/>
+            <a:endParaRPr lang="en-CA" dirty="0"/>
           </a:p>
         </p:txBody>
       </p:sp>
@@ -1584,7 +1493,7 @@
     </p:spTree>
     <p:extLst>
       <p:ext uri="{BB962C8B-B14F-4D97-AF65-F5344CB8AC3E}">
-        <p14:creationId xmlns:p14="http://schemas.microsoft.com/office/powerpoint/2010/main" val="2316887433"/>
+        <p14:creationId xmlns:p14="http://schemas.microsoft.com/office/powerpoint/2010/main" val="903991211"/>
       </p:ext>
     </p:extLst>
   </p:cSld>
@@ -1638,7 +1547,7 @@
           <a:bodyPr/>
           <a:lstStyle/>
           <a:p>
-            <a:endParaRPr lang="en-CA" dirty="0"/>
+            <a:endParaRPr lang="en-US" dirty="0"/>
           </a:p>
         </p:txBody>
       </p:sp>
@@ -1674,7 +1583,7 @@
     </p:spTree>
     <p:extLst>
       <p:ext uri="{BB962C8B-B14F-4D97-AF65-F5344CB8AC3E}">
-        <p14:creationId xmlns:p14="http://schemas.microsoft.com/office/powerpoint/2010/main" val="903991211"/>
+        <p14:creationId xmlns:p14="http://schemas.microsoft.com/office/powerpoint/2010/main" val="2642803163"/>
       </p:ext>
     </p:extLst>
   </p:cSld>
@@ -5304,143 +5213,24 @@
                 <a:latin typeface="Calibri Light" panose="020F0302020204030204" pitchFamily="34" charset="0"/>
                 <a:cs typeface="Calibri Light" panose="020F0302020204030204" pitchFamily="34" charset="0"/>
               </a:rPr>
-              <a:t>ECMP Support for SR Path</a:t>
-            </a:r>
-          </a:p>
-        </p:txBody>
-      </p:sp>
-      <p:sp>
-        <p:nvSpPr>
-          <p:cNvPr id="3" name="Content Placeholder 2"/>
+              <a:t>Performance Measurement Modes</a:t>
+            </a:r>
+          </a:p>
+        </p:txBody>
+      </p:sp>
+      <p:sp>
+        <p:nvSpPr>
+          <p:cNvPr id="4" name="Footer Placeholder 3"/>
           <p:cNvSpPr>
             <a:spLocks noGrp="1"/>
           </p:cNvSpPr>
           <p:nvPr>
-            <p:ph idx="1"/>
+            <p:ph type="ftr" sz="quarter" idx="11"/>
           </p:nvPr>
         </p:nvSpPr>
         <p:spPr>
           <a:xfrm>
-            <a:off x="419100" y="912201"/>
-            <a:ext cx="8305800" cy="3259750"/>
-          </a:xfrm>
-        </p:spPr>
-        <p:txBody>
-          <a:bodyPr/>
-          <a:lstStyle/>
-          <a:p>
-            <a:pPr>
-              <a:lnSpc>
-                <a:spcPts val="2280"/>
-              </a:lnSpc>
-              <a:spcBef>
-                <a:spcPts val="0"/>
-              </a:spcBef>
-            </a:pPr>
-            <a:r>
-              <a:rPr lang="en-US" sz="1800" dirty="0"/>
-              <a:t>SR Path can have ECMP between the ingress and transit nodes, between transit nodes and between transit and egress nodes.</a:t>
-            </a:r>
-          </a:p>
-          <a:p>
-            <a:pPr>
-              <a:lnSpc>
-                <a:spcPts val="2280"/>
-              </a:lnSpc>
-              <a:spcBef>
-                <a:spcPts val="0"/>
-              </a:spcBef>
-            </a:pPr>
-            <a:r>
-              <a:rPr lang="en-US" sz="1800" dirty="0"/>
-              <a:t>Sending probe queries that can take advantage of the hashing function in forwarding plane.</a:t>
-            </a:r>
-          </a:p>
-          <a:p>
-            <a:pPr>
-              <a:lnSpc>
-                <a:spcPts val="2280"/>
-              </a:lnSpc>
-              <a:spcBef>
-                <a:spcPts val="0"/>
-              </a:spcBef>
-            </a:pPr>
-            <a:r>
-              <a:rPr lang="en-US" sz="1800" dirty="0"/>
-              <a:t>Existing forwarding mechanisms are applicable to probe messages. Examples are:</a:t>
-            </a:r>
-          </a:p>
-          <a:p>
-            <a:pPr lvl="1">
-              <a:lnSpc>
-                <a:spcPts val="2280"/>
-              </a:lnSpc>
-              <a:spcBef>
-                <a:spcPts val="0"/>
-              </a:spcBef>
-            </a:pPr>
-            <a:r>
-              <a:rPr lang="en-US" sz="1800" dirty="0"/>
-              <a:t>For IPv4</a:t>
-            </a:r>
-          </a:p>
-          <a:p>
-            <a:pPr lvl="2">
-              <a:lnSpc>
-                <a:spcPts val="2280"/>
-              </a:lnSpc>
-              <a:spcBef>
-                <a:spcPts val="0"/>
-              </a:spcBef>
-            </a:pPr>
-            <a:r>
-              <a:rPr lang="en-US" sz="1800" dirty="0"/>
-              <a:t>Sweeping destination address in IPv4 header (e.g. 127/8)</a:t>
-            </a:r>
-          </a:p>
-          <a:p>
-            <a:pPr lvl="1">
-              <a:lnSpc>
-                <a:spcPts val="2280"/>
-              </a:lnSpc>
-              <a:spcBef>
-                <a:spcPts val="0"/>
-              </a:spcBef>
-            </a:pPr>
-            <a:r>
-              <a:rPr lang="en-US" sz="1800" dirty="0"/>
-              <a:t>For IPv6</a:t>
-            </a:r>
-          </a:p>
-          <a:p>
-            <a:pPr lvl="2">
-              <a:lnSpc>
-                <a:spcPts val="2280"/>
-              </a:lnSpc>
-              <a:spcBef>
-                <a:spcPts val="0"/>
-              </a:spcBef>
-            </a:pPr>
-            <a:r>
-              <a:rPr lang="en-US" sz="1800" dirty="0"/>
-              <a:t>Sweeping flow label in IPv6 header</a:t>
-            </a:r>
-          </a:p>
-        </p:txBody>
-      </p:sp>
-      <p:sp>
-        <p:nvSpPr>
-          <p:cNvPr id="4" name="Footer Placeholder 3"/>
-          <p:cNvSpPr>
-            <a:spLocks noGrp="1"/>
-          </p:cNvSpPr>
-          <p:nvPr>
-            <p:ph type="ftr" sz="quarter" idx="11"/>
-          </p:nvPr>
-        </p:nvSpPr>
-        <p:spPr>
-          <a:xfrm>
-            <a:off x="3124200" y="4781550"/>
+            <a:off x="3124200" y="4800151"/>
             <a:ext cx="2895600" cy="357188"/>
           </a:xfrm>
         </p:spPr>
@@ -5465,15 +5255,175 @@
       </p:sp>
       <p:sp>
         <p:nvSpPr>
-          <p:cNvPr id="5" name="Slide Number Placeholder 4"/>
+          <p:cNvPr id="6" name="Content Placeholder 2"/>
           <p:cNvSpPr>
             <a:spLocks noGrp="1"/>
           </p:cNvSpPr>
           <p:nvPr>
+            <p:ph idx="1"/>
+          </p:nvPr>
+        </p:nvSpPr>
+        <p:spPr>
+          <a:xfrm>
+            <a:off x="457200" y="1009650"/>
+            <a:ext cx="8319052" cy="3124200"/>
+          </a:xfrm>
+        </p:spPr>
+        <p:txBody>
+          <a:bodyPr/>
+          <a:lstStyle/>
+          <a:p>
+            <a:pPr>
+              <a:lnSpc>
+                <a:spcPts val="2360"/>
+              </a:lnSpc>
+              <a:spcBef>
+                <a:spcPts val="600"/>
+              </a:spcBef>
+            </a:pPr>
+            <a:r>
+              <a:rPr lang="en-US" sz="1800" dirty="0"/>
+              <a:t>One-way Measurement Mode</a:t>
+            </a:r>
+          </a:p>
+          <a:p>
+            <a:pPr lvl="1">
+              <a:lnSpc>
+                <a:spcPts val="2360"/>
+              </a:lnSpc>
+              <a:spcBef>
+                <a:spcPts val="600"/>
+              </a:spcBef>
+            </a:pPr>
+            <a:r>
+              <a:rPr lang="en-US" sz="1800" dirty="0"/>
+              <a:t>Reply sent “out of band” on IP/UDP path by default</a:t>
+            </a:r>
+          </a:p>
+          <a:p>
+            <a:pPr>
+              <a:lnSpc>
+                <a:spcPts val="2360"/>
+              </a:lnSpc>
+              <a:spcBef>
+                <a:spcPts val="600"/>
+              </a:spcBef>
+            </a:pPr>
+            <a:r>
+              <a:rPr lang="en-US" sz="1800" dirty="0"/>
+              <a:t>Two-way Measurement Mode</a:t>
+            </a:r>
+          </a:p>
+          <a:p>
+            <a:pPr lvl="1">
+              <a:lnSpc>
+                <a:spcPts val="2360"/>
+              </a:lnSpc>
+              <a:spcBef>
+                <a:spcPts val="600"/>
+              </a:spcBef>
+            </a:pPr>
+            <a:r>
+              <a:rPr lang="en-US" sz="1800" dirty="0"/>
+              <a:t>Reply sent “in-band” on reverse SR path</a:t>
+            </a:r>
+          </a:p>
+          <a:p>
+            <a:pPr lvl="2">
+              <a:lnSpc>
+                <a:spcPts val="2360"/>
+              </a:lnSpc>
+              <a:spcBef>
+                <a:spcPts val="600"/>
+              </a:spcBef>
+            </a:pPr>
+            <a:r>
+              <a:rPr lang="en-US" sz="1800" dirty="0"/>
+              <a:t>Based on Control Code from the probe query message</a:t>
+            </a:r>
+          </a:p>
+          <a:p>
+            <a:pPr lvl="1">
+              <a:lnSpc>
+                <a:spcPts val="2360"/>
+              </a:lnSpc>
+              <a:spcBef>
+                <a:spcPts val="600"/>
+              </a:spcBef>
+            </a:pPr>
+            <a:r>
+              <a:rPr lang="en-US" sz="1800" dirty="0">
+                <a:solidFill>
+                  <a:srgbClr val="0070C0"/>
+                </a:solidFill>
+              </a:rPr>
+              <a:t>Use Return Path TLV for STAMP from the probe query message</a:t>
+            </a:r>
+          </a:p>
+          <a:p>
+            <a:pPr>
+              <a:lnSpc>
+                <a:spcPts val="2360"/>
+              </a:lnSpc>
+              <a:spcBef>
+                <a:spcPts val="600"/>
+              </a:spcBef>
+            </a:pPr>
+            <a:r>
+              <a:rPr lang="en-US" sz="1800" dirty="0"/>
+              <a:t>Loopback Measurement Mode</a:t>
+            </a:r>
+          </a:p>
+          <a:p>
+            <a:pPr lvl="1">
+              <a:lnSpc>
+                <a:spcPts val="2360"/>
+              </a:lnSpc>
+              <a:spcBef>
+                <a:spcPts val="600"/>
+              </a:spcBef>
+            </a:pPr>
+            <a:r>
+              <a:rPr lang="en-US" sz="1800" dirty="0"/>
+              <a:t>Probe message carries the return path in the header of the packet</a:t>
+            </a:r>
+            <a:endParaRPr lang="en-US" sz="1800" b="1" dirty="0"/>
+          </a:p>
+          <a:p>
+            <a:pPr>
+              <a:lnSpc>
+                <a:spcPts val="2360"/>
+              </a:lnSpc>
+              <a:spcBef>
+                <a:spcPts val="600"/>
+              </a:spcBef>
+            </a:pPr>
+            <a:endParaRPr lang="en-US" sz="1800" dirty="0"/>
+          </a:p>
+        </p:txBody>
+      </p:sp>
+      <p:sp>
+        <p:nvSpPr>
+          <p:cNvPr id="5" name="Slide Number Placeholder 4">
+            <a:extLst>
+              <a:ext uri="{FF2B5EF4-FFF2-40B4-BE49-F238E27FC236}">
+                <a16:creationId xmlns:a16="http://schemas.microsoft.com/office/drawing/2014/main" id="{DB7171B5-76A8-7648-8775-D1C8FBA7C22C}"/>
+              </a:ext>
+            </a:extLst>
+          </p:cNvPr>
+          <p:cNvSpPr>
+            <a:spLocks noGrp="1"/>
+          </p:cNvSpPr>
+          <p:nvPr>
             <p:ph type="sldNum" sz="quarter" idx="12"/>
           </p:nvPr>
         </p:nvSpPr>
-        <p:spPr/>
+        <p:spPr>
+          <a:xfrm>
+            <a:off x="6553200" y="4705350"/>
+            <a:ext cx="2133600" cy="357188"/>
+          </a:xfrm>
+        </p:spPr>
         <p:txBody>
           <a:bodyPr/>
           <a:lstStyle/>
@@ -5488,14 +5438,14 @@
               </a:pPr>
               <a:t>10</a:t>
             </a:fld>
-            <a:endParaRPr lang="en-US" altLang="zh-CN"/>
+            <a:endParaRPr lang="en-US" altLang="zh-CN" dirty="0"/>
           </a:p>
         </p:txBody>
       </p:sp>
     </p:spTree>
     <p:extLst>
       <p:ext uri="{BB962C8B-B14F-4D97-AF65-F5344CB8AC3E}">
-        <p14:creationId xmlns:p14="http://schemas.microsoft.com/office/powerpoint/2010/main" val="1470821304"/>
+        <p14:creationId xmlns:p14="http://schemas.microsoft.com/office/powerpoint/2010/main" val="421663941"/>
       </p:ext>
     </p:extLst>
   </p:cSld>
@@ -5534,8 +5484,8 @@
         </p:nvSpPr>
         <p:spPr>
           <a:xfrm>
-            <a:off x="457200" y="0"/>
-            <a:ext cx="8229600" cy="857250"/>
+            <a:off x="489857" y="80962"/>
+            <a:ext cx="8153400" cy="857250"/>
           </a:xfrm>
         </p:spPr>
         <p:txBody>
@@ -5550,7 +5500,7 @@
                 <a:latin typeface="Calibri Light" panose="020F0302020204030204" pitchFamily="34" charset="0"/>
                 <a:cs typeface="Calibri Light" panose="020F0302020204030204" pitchFamily="34" charset="0"/>
               </a:rPr>
-              <a:t>Performance Measurement Modes</a:t>
+              <a:t>Example PM Metrics</a:t>
             </a:r>
           </a:p>
         </p:txBody>
@@ -5602,8 +5552,8 @@
         </p:nvSpPr>
         <p:spPr>
           <a:xfrm>
-            <a:off x="457200" y="1009650"/>
-            <a:ext cx="8319052" cy="3124200"/>
+            <a:off x="533400" y="1009650"/>
+            <a:ext cx="8077200" cy="3124200"/>
           </a:xfrm>
         </p:spPr>
         <p:txBody>
@@ -5619,8 +5569,11 @@
               </a:spcBef>
             </a:pPr>
             <a:r>
-              <a:rPr lang="en-US" sz="1800" dirty="0"/>
-              <a:t>One-way Measurement Mode</a:t>
+              <a:rPr lang="en-US" sz="2000" dirty="0">
+                <a:latin typeface="Calibri" panose="020F0502020204030204" pitchFamily="34" charset="0"/>
+                <a:cs typeface="Calibri" panose="020F0502020204030204" pitchFamily="34" charset="0"/>
+              </a:rPr>
+              <a:t>PM probe packets can be used to compute following delay metrics:</a:t>
             </a:r>
           </a:p>
           <a:p>
@@ -5633,8 +5586,62 @@
               </a:spcBef>
             </a:pPr>
             <a:r>
-              <a:rPr lang="en-US" sz="1800" dirty="0"/>
-              <a:t>Reply sent “out of band” on IP/UDP path by default</a:t>
+              <a:rPr lang="en-US" sz="2000" dirty="0">
+                <a:latin typeface="Calibri" panose="020F0502020204030204" pitchFamily="34" charset="0"/>
+                <a:cs typeface="Calibri" panose="020F0502020204030204" pitchFamily="34" charset="0"/>
+              </a:rPr>
+              <a:t>Minimum delay</a:t>
+            </a:r>
+          </a:p>
+          <a:p>
+            <a:pPr lvl="1">
+              <a:lnSpc>
+                <a:spcPts val="2360"/>
+              </a:lnSpc>
+              <a:spcBef>
+                <a:spcPts val="600"/>
+              </a:spcBef>
+            </a:pPr>
+            <a:r>
+              <a:rPr lang="en-US" sz="2000" dirty="0">
+                <a:latin typeface="Calibri" panose="020F0502020204030204" pitchFamily="34" charset="0"/>
+                <a:cs typeface="Calibri" panose="020F0502020204030204" pitchFamily="34" charset="0"/>
+              </a:rPr>
+              <a:t>Maximum delay</a:t>
+            </a:r>
+          </a:p>
+          <a:p>
+            <a:pPr lvl="1">
+              <a:lnSpc>
+                <a:spcPts val="2360"/>
+              </a:lnSpc>
+              <a:spcBef>
+                <a:spcPts val="600"/>
+              </a:spcBef>
+            </a:pPr>
+            <a:r>
+              <a:rPr lang="en-US" sz="2000" dirty="0">
+                <a:latin typeface="Calibri" panose="020F0502020204030204" pitchFamily="34" charset="0"/>
+                <a:cs typeface="Calibri" panose="020F0502020204030204" pitchFamily="34" charset="0"/>
+              </a:rPr>
+              <a:t>Average delay</a:t>
+            </a:r>
+          </a:p>
+          <a:p>
+            <a:pPr lvl="1">
+              <a:lnSpc>
+                <a:spcPts val="2360"/>
+              </a:lnSpc>
+              <a:spcBef>
+                <a:spcPts val="600"/>
+              </a:spcBef>
+            </a:pPr>
+            <a:r>
+              <a:rPr lang="en-US" sz="2000" dirty="0">
+                <a:latin typeface="Calibri" panose="020F0502020204030204" pitchFamily="34" charset="0"/>
+                <a:cs typeface="Calibri" panose="020F0502020204030204" pitchFamily="34" charset="0"/>
+              </a:rPr>
+              <a:t>Delay variance</a:t>
             </a:r>
           </a:p>
           <a:p>
@@ -5647,8 +5654,11 @@
               </a:spcBef>
             </a:pPr>
             <a:r>
-              <a:rPr lang="en-US" sz="1800" dirty="0"/>
-              <a:t>Two-way Measurement Mode</a:t>
+              <a:rPr lang="en-US" sz="2000" dirty="0">
+                <a:latin typeface="Calibri" panose="020F0502020204030204" pitchFamily="34" charset="0"/>
+                <a:cs typeface="Calibri" panose="020F0502020204030204" pitchFamily="34" charset="0"/>
+              </a:rPr>
+              <a:t>PM probe packet loss can be used to compute following loss metrics:</a:t>
             </a:r>
           </a:p>
           <a:p>
@@ -5661,22 +5671,11 @@
               </a:spcBef>
             </a:pPr>
             <a:r>
-              <a:rPr lang="en-US" sz="1800" dirty="0"/>
-              <a:t>Reply sent “in-band” on reverse SR path</a:t>
-            </a:r>
-          </a:p>
-          <a:p>
-            <a:pPr lvl="2">
-              <a:lnSpc>
-                <a:spcPts val="2360"/>
-              </a:lnSpc>
-              <a:spcBef>
-                <a:spcPts val="600"/>
-              </a:spcBef>
-            </a:pPr>
-            <a:r>
-              <a:rPr lang="en-US" sz="1800" dirty="0"/>
-              <a:t>Based on Control Code from the probe query message</a:t>
+              <a:rPr lang="en-US" sz="2000" dirty="0">
+                <a:latin typeface="Calibri" panose="020F0502020204030204" pitchFamily="34" charset="0"/>
+                <a:cs typeface="Calibri" panose="020F0502020204030204" pitchFamily="34" charset="0"/>
+              </a:rPr>
+              <a:t>Synthetic packet loss (aka indirect-mode packet loss measurement)</a:t>
             </a:r>
           </a:p>
           <a:p>
@@ -5689,12 +5688,11 @@
               </a:spcBef>
             </a:pPr>
             <a:r>
-              <a:rPr lang="en-US" sz="1800" dirty="0">
-                <a:solidFill>
-                  <a:srgbClr val="0070C0"/>
-                </a:solidFill>
-              </a:rPr>
-              <a:t>Use Return Path TLV for STAMP from the probe query message</a:t>
+              <a:rPr lang="en-US" sz="2000" dirty="0">
+                <a:latin typeface="Calibri" panose="020F0502020204030204" pitchFamily="34" charset="0"/>
+                <a:cs typeface="Calibri" panose="020F0502020204030204" pitchFamily="34" charset="0"/>
+              </a:rPr>
+              <a:t>Connection loss (aka liveness heart-beat failure detection)</a:t>
             </a:r>
           </a:p>
           <a:p>
@@ -5706,36 +5704,10 @@
                 <a:spcPts val="600"/>
               </a:spcBef>
             </a:pPr>
-            <a:r>
-              <a:rPr lang="en-US" sz="1800" dirty="0"/>
-              <a:t>Loopback Measurement Mode</a:t>
-            </a:r>
-          </a:p>
-          <a:p>
-            <a:pPr lvl="1">
-              <a:lnSpc>
-                <a:spcPts val="2360"/>
-              </a:lnSpc>
-              <a:spcBef>
-                <a:spcPts val="600"/>
-              </a:spcBef>
-            </a:pPr>
-            <a:r>
-              <a:rPr lang="en-US" sz="1800" dirty="0"/>
-              <a:t>Probe message carries the return path in the header of the packet</a:t>
-            </a:r>
-            <a:endParaRPr lang="en-US" sz="1800" b="1" dirty="0"/>
-          </a:p>
-          <a:p>
-            <a:pPr>
-              <a:lnSpc>
-                <a:spcPts val="2360"/>
-              </a:lnSpc>
-              <a:spcBef>
-                <a:spcPts val="600"/>
-              </a:spcBef>
-            </a:pPr>
-            <a:endParaRPr lang="en-US" sz="1800" dirty="0"/>
+            <a:endParaRPr lang="en-US" sz="2000" dirty="0">
+              <a:latin typeface="Arial" panose="020B0604020202020204" pitchFamily="34" charset="0"/>
+              <a:cs typeface="Arial" panose="020B0604020202020204" pitchFamily="34" charset="0"/>
+            </a:endParaRPr>
           </a:p>
         </p:txBody>
       </p:sp>
@@ -5782,7 +5754,7 @@
     </p:spTree>
     <p:extLst>
       <p:ext uri="{BB962C8B-B14F-4D97-AF65-F5344CB8AC3E}">
-        <p14:creationId xmlns:p14="http://schemas.microsoft.com/office/powerpoint/2010/main" val="421663941"/>
+        <p14:creationId xmlns:p14="http://schemas.microsoft.com/office/powerpoint/2010/main" val="2422956264"/>
       </p:ext>
     </p:extLst>
   </p:cSld>
@@ -5821,8 +5793,8 @@
         </p:nvSpPr>
         <p:spPr>
           <a:xfrm>
-            <a:off x="489857" y="80962"/>
-            <a:ext cx="8153400" cy="857250"/>
+            <a:off x="457200" y="0"/>
+            <a:ext cx="8229600" cy="857250"/>
           </a:xfrm>
         </p:spPr>
         <p:txBody>
@@ -5837,24 +5809,77 @@
                 <a:latin typeface="Calibri Light" panose="020F0302020204030204" pitchFamily="34" charset="0"/>
                 <a:cs typeface="Calibri Light" panose="020F0302020204030204" pitchFamily="34" charset="0"/>
               </a:rPr>
-              <a:t>Example PM Metrics</a:t>
-            </a:r>
-          </a:p>
-        </p:txBody>
-      </p:sp>
-      <p:sp>
-        <p:nvSpPr>
-          <p:cNvPr id="4" name="Footer Placeholder 3"/>
+              <a:t>Next Steps</a:t>
+            </a:r>
+          </a:p>
+        </p:txBody>
+      </p:sp>
+      <p:sp>
+        <p:nvSpPr>
+          <p:cNvPr id="3" name="Content Placeholder 2"/>
           <p:cNvSpPr>
             <a:spLocks noGrp="1"/>
           </p:cNvSpPr>
           <p:nvPr>
-            <p:ph type="ftr" sz="quarter" idx="11"/>
+            <p:ph idx="1"/>
           </p:nvPr>
         </p:nvSpPr>
         <p:spPr>
           <a:xfrm>
-            <a:off x="3124200" y="4800151"/>
+            <a:off x="685800" y="1123950"/>
+            <a:ext cx="8001000" cy="2514599"/>
+          </a:xfrm>
+        </p:spPr>
+        <p:txBody>
+          <a:bodyPr/>
+          <a:lstStyle/>
+          <a:p>
+            <a:pPr lvl="0"/>
+            <a:r>
+              <a:rPr lang="en-US" sz="2400" dirty="0">
+                <a:latin typeface="Calibri" charset="0"/>
+                <a:ea typeface="Calibri" charset="0"/>
+                <a:cs typeface="Calibri" charset="0"/>
+              </a:rPr>
+              <a:t>Welcome your comments and suggestions</a:t>
+            </a:r>
+          </a:p>
+          <a:p>
+            <a:r>
+              <a:rPr lang="en-US" sz="2400" dirty="0"/>
+              <a:t>Request SPRING </a:t>
+            </a:r>
+            <a:r>
+              <a:rPr lang="en-US" sz="2400" dirty="0">
+                <a:latin typeface="Calibri" charset="0"/>
+                <a:ea typeface="Calibri" charset="0"/>
+                <a:cs typeface="Calibri" charset="0"/>
+              </a:rPr>
+              <a:t>WG adoption</a:t>
+            </a:r>
+          </a:p>
+          <a:p>
+            <a:endParaRPr lang="en-US" sz="2400" dirty="0">
+              <a:latin typeface="Calibri" charset="0"/>
+              <a:ea typeface="Calibri" charset="0"/>
+              <a:cs typeface="Calibri" charset="0"/>
+            </a:endParaRPr>
+          </a:p>
+        </p:txBody>
+      </p:sp>
+      <p:sp>
+        <p:nvSpPr>
+          <p:cNvPr id="4" name="Footer Placeholder 3"/>
+          <p:cNvSpPr>
+            <a:spLocks noGrp="1"/>
+          </p:cNvSpPr>
+          <p:nvPr>
+            <p:ph type="ftr" sz="quarter" idx="11"/>
+          </p:nvPr>
+        </p:nvSpPr>
+        <p:spPr>
+          <a:xfrm>
+            <a:off x="3124200" y="4786312"/>
             <a:ext cx="2895600" cy="357188"/>
           </a:xfrm>
         </p:spPr>
@@ -5879,197 +5904,15 @@
       </p:sp>
       <p:sp>
         <p:nvSpPr>
-          <p:cNvPr id="6" name="Content Placeholder 2"/>
+          <p:cNvPr id="5" name="Slide Number Placeholder 4"/>
           <p:cNvSpPr>
             <a:spLocks noGrp="1"/>
           </p:cNvSpPr>
           <p:nvPr>
-            <p:ph idx="1"/>
-          </p:nvPr>
-        </p:nvSpPr>
-        <p:spPr>
-          <a:xfrm>
-            <a:off x="533400" y="1009650"/>
-            <a:ext cx="8077200" cy="3124200"/>
-          </a:xfrm>
-        </p:spPr>
-        <p:txBody>
-          <a:bodyPr/>
-          <a:lstStyle/>
-          <a:p>
-            <a:pPr>
-              <a:lnSpc>
-                <a:spcPts val="2360"/>
-              </a:lnSpc>
-              <a:spcBef>
-                <a:spcPts val="600"/>
-              </a:spcBef>
-            </a:pPr>
-            <a:r>
-              <a:rPr lang="en-US" sz="2000" dirty="0">
-                <a:latin typeface="Calibri" panose="020F0502020204030204" pitchFamily="34" charset="0"/>
-                <a:cs typeface="Calibri" panose="020F0502020204030204" pitchFamily="34" charset="0"/>
-              </a:rPr>
-              <a:t>PM probe packets can be used to compute following delay metrics:</a:t>
-            </a:r>
-          </a:p>
-          <a:p>
-            <a:pPr lvl="1">
-              <a:lnSpc>
-                <a:spcPts val="2360"/>
-              </a:lnSpc>
-              <a:spcBef>
-                <a:spcPts val="600"/>
-              </a:spcBef>
-            </a:pPr>
-            <a:r>
-              <a:rPr lang="en-US" sz="2000" dirty="0">
-                <a:latin typeface="Calibri" panose="020F0502020204030204" pitchFamily="34" charset="0"/>
-                <a:cs typeface="Calibri" panose="020F0502020204030204" pitchFamily="34" charset="0"/>
-              </a:rPr>
-              <a:t>Minimum delay</a:t>
-            </a:r>
-          </a:p>
-          <a:p>
-            <a:pPr lvl="1">
-              <a:lnSpc>
-                <a:spcPts val="2360"/>
-              </a:lnSpc>
-              <a:spcBef>
-                <a:spcPts val="600"/>
-              </a:spcBef>
-            </a:pPr>
-            <a:r>
-              <a:rPr lang="en-US" sz="2000" dirty="0">
-                <a:latin typeface="Calibri" panose="020F0502020204030204" pitchFamily="34" charset="0"/>
-                <a:cs typeface="Calibri" panose="020F0502020204030204" pitchFamily="34" charset="0"/>
-              </a:rPr>
-              <a:t>Maximum delay</a:t>
-            </a:r>
-          </a:p>
-          <a:p>
-            <a:pPr lvl="1">
-              <a:lnSpc>
-                <a:spcPts val="2360"/>
-              </a:lnSpc>
-              <a:spcBef>
-                <a:spcPts val="600"/>
-              </a:spcBef>
-            </a:pPr>
-            <a:r>
-              <a:rPr lang="en-US" sz="2000" dirty="0">
-                <a:latin typeface="Calibri" panose="020F0502020204030204" pitchFamily="34" charset="0"/>
-                <a:cs typeface="Calibri" panose="020F0502020204030204" pitchFamily="34" charset="0"/>
-              </a:rPr>
-              <a:t>Average delay</a:t>
-            </a:r>
-          </a:p>
-          <a:p>
-            <a:pPr lvl="1">
-              <a:lnSpc>
-                <a:spcPts val="2360"/>
-              </a:lnSpc>
-              <a:spcBef>
-                <a:spcPts val="600"/>
-              </a:spcBef>
-            </a:pPr>
-            <a:r>
-              <a:rPr lang="en-US" sz="2000" dirty="0">
-                <a:latin typeface="Calibri" panose="020F0502020204030204" pitchFamily="34" charset="0"/>
-                <a:cs typeface="Calibri" panose="020F0502020204030204" pitchFamily="34" charset="0"/>
-              </a:rPr>
-              <a:t>Delay variance</a:t>
-            </a:r>
-          </a:p>
-          <a:p>
-            <a:pPr>
-              <a:lnSpc>
-                <a:spcPts val="2360"/>
-              </a:lnSpc>
-              <a:spcBef>
-                <a:spcPts val="600"/>
-              </a:spcBef>
-            </a:pPr>
-            <a:r>
-              <a:rPr lang="en-US" sz="2000" dirty="0">
-                <a:latin typeface="Calibri" panose="020F0502020204030204" pitchFamily="34" charset="0"/>
-                <a:cs typeface="Calibri" panose="020F0502020204030204" pitchFamily="34" charset="0"/>
-              </a:rPr>
-              <a:t>PM probe packet loss can be used to compute following loss metrics:</a:t>
-            </a:r>
-          </a:p>
-          <a:p>
-            <a:pPr lvl="1">
-              <a:lnSpc>
-                <a:spcPts val="2360"/>
-              </a:lnSpc>
-              <a:spcBef>
-                <a:spcPts val="600"/>
-              </a:spcBef>
-            </a:pPr>
-            <a:r>
-              <a:rPr lang="en-US" sz="2000" dirty="0">
-                <a:latin typeface="Calibri" panose="020F0502020204030204" pitchFamily="34" charset="0"/>
-                <a:cs typeface="Calibri" panose="020F0502020204030204" pitchFamily="34" charset="0"/>
-              </a:rPr>
-              <a:t>Synthetic packet loss (aka indirect-mode packet loss measurement)</a:t>
-            </a:r>
-          </a:p>
-          <a:p>
-            <a:pPr lvl="1">
-              <a:lnSpc>
-                <a:spcPts val="2360"/>
-              </a:lnSpc>
-              <a:spcBef>
-                <a:spcPts val="600"/>
-              </a:spcBef>
-            </a:pPr>
-            <a:r>
-              <a:rPr lang="en-US" sz="2000" dirty="0">
-                <a:latin typeface="Calibri" panose="020F0502020204030204" pitchFamily="34" charset="0"/>
-                <a:cs typeface="Calibri" panose="020F0502020204030204" pitchFamily="34" charset="0"/>
-              </a:rPr>
-              <a:t>Connection loss (aka liveness heart-beat failure detection)</a:t>
-            </a:r>
-          </a:p>
-          <a:p>
-            <a:pPr>
-              <a:lnSpc>
-                <a:spcPts val="2360"/>
-              </a:lnSpc>
-              <a:spcBef>
-                <a:spcPts val="600"/>
-              </a:spcBef>
-            </a:pPr>
-            <a:endParaRPr lang="en-US" sz="2000" dirty="0">
-              <a:latin typeface="Arial" panose="020B0604020202020204" pitchFamily="34" charset="0"/>
-              <a:cs typeface="Arial" panose="020B0604020202020204" pitchFamily="34" charset="0"/>
-            </a:endParaRPr>
-          </a:p>
-        </p:txBody>
-      </p:sp>
-      <p:sp>
-        <p:nvSpPr>
-          <p:cNvPr id="5" name="Slide Number Placeholder 4">
-            <a:extLst>
-              <a:ext uri="{FF2B5EF4-FFF2-40B4-BE49-F238E27FC236}">
-                <a16:creationId xmlns:a16="http://schemas.microsoft.com/office/drawing/2014/main" id="{DB7171B5-76A8-7648-8775-D1C8FBA7C22C}"/>
-              </a:ext>
-            </a:extLst>
-          </p:cNvPr>
-          <p:cNvSpPr>
-            <a:spLocks noGrp="1"/>
-          </p:cNvSpPr>
-          <p:nvPr>
             <p:ph type="sldNum" sz="quarter" idx="12"/>
           </p:nvPr>
         </p:nvSpPr>
-        <p:spPr>
-          <a:xfrm>
-            <a:off x="6553200" y="4705350"/>
-            <a:ext cx="2133600" cy="357188"/>
-          </a:xfrm>
-        </p:spPr>
+        <p:spPr/>
         <p:txBody>
           <a:bodyPr/>
           <a:lstStyle/>
@@ -6083,186 +5926,6 @@
                 <a:defRPr/>
               </a:pPr>
               <a:t>12</a:t>
-            </a:fld>
-            <a:endParaRPr lang="en-US" altLang="zh-CN" dirty="0"/>
-          </a:p>
-        </p:txBody>
-      </p:sp>
-    </p:spTree>
-    <p:extLst>
-      <p:ext uri="{BB962C8B-B14F-4D97-AF65-F5344CB8AC3E}">
-        <p14:creationId xmlns:p14="http://schemas.microsoft.com/office/powerpoint/2010/main" val="2422956264"/>
-      </p:ext>
-    </p:extLst>
-  </p:cSld>
-  <p:clrMapOvr>
-    <a:masterClrMapping/>
-  </p:clrMapOvr>
-</p:sld>
-</file>
-
-<file path=ppt/slides/slide13.xml><?xml version="1.0" encoding="utf-8"?>
-<p:sld xmlns:a="http://schemas.openxmlformats.org/drawingml/2006/main" xmlns:r="http://schemas.openxmlformats.org/officeDocument/2006/relationships" xmlns:p="http://schemas.openxmlformats.org/presentationml/2006/main">
-  <p:cSld>
-    <p:spTree>
-      <p:nvGrpSpPr>
-        <p:cNvPr id="1" name=""/>
-        <p:cNvGrpSpPr/>
-        <p:nvPr/>
-      </p:nvGrpSpPr>
-      <p:grpSpPr>
-        <a:xfrm>
-          <a:off x="0" y="0"/>
-          <a:ext cx="0" cy="0"/>
-          <a:chOff x="0" y="0"/>
-          <a:chExt cx="0" cy="0"/>
-        </a:xfrm>
-      </p:grpSpPr>
-      <p:sp>
-        <p:nvSpPr>
-          <p:cNvPr id="2" name="Title 1"/>
-          <p:cNvSpPr>
-            <a:spLocks noGrp="1"/>
-          </p:cNvSpPr>
-          <p:nvPr>
-            <p:ph type="title"/>
-          </p:nvPr>
-        </p:nvSpPr>
-        <p:spPr>
-          <a:xfrm>
-            <a:off x="457200" y="0"/>
-            <a:ext cx="8229600" cy="857250"/>
-          </a:xfrm>
-        </p:spPr>
-        <p:txBody>
-          <a:bodyPr/>
-          <a:lstStyle/>
-          <a:p>
-            <a:r>
-              <a:rPr lang="en-US" sz="3600" dirty="0">
-                <a:solidFill>
-                  <a:srgbClr val="0070C0"/>
-                </a:solidFill>
-                <a:latin typeface="Calibri Light" panose="020F0302020204030204" pitchFamily="34" charset="0"/>
-                <a:cs typeface="Calibri Light" panose="020F0302020204030204" pitchFamily="34" charset="0"/>
-              </a:rPr>
-              <a:t>Next Steps</a:t>
-            </a:r>
-          </a:p>
-        </p:txBody>
-      </p:sp>
-      <p:sp>
-        <p:nvSpPr>
-          <p:cNvPr id="3" name="Content Placeholder 2"/>
-          <p:cNvSpPr>
-            <a:spLocks noGrp="1"/>
-          </p:cNvSpPr>
-          <p:nvPr>
-            <p:ph idx="1"/>
-          </p:nvPr>
-        </p:nvSpPr>
-        <p:spPr>
-          <a:xfrm>
-            <a:off x="685800" y="1123950"/>
-            <a:ext cx="8001000" cy="2514599"/>
-          </a:xfrm>
-        </p:spPr>
-        <p:txBody>
-          <a:bodyPr/>
-          <a:lstStyle/>
-          <a:p>
-            <a:pPr lvl="0"/>
-            <a:r>
-              <a:rPr lang="en-US" sz="2400" dirty="0">
-                <a:latin typeface="Calibri" charset="0"/>
-                <a:ea typeface="Calibri" charset="0"/>
-                <a:cs typeface="Calibri" charset="0"/>
-              </a:rPr>
-              <a:t>Welcome your comments and suggestions</a:t>
-            </a:r>
-          </a:p>
-          <a:p>
-            <a:r>
-              <a:rPr lang="en-US" sz="2400" dirty="0"/>
-              <a:t>Request SPRING </a:t>
-            </a:r>
-            <a:r>
-              <a:rPr lang="en-US" sz="2400" dirty="0">
-                <a:latin typeface="Calibri" charset="0"/>
-                <a:ea typeface="Calibri" charset="0"/>
-                <a:cs typeface="Calibri" charset="0"/>
-              </a:rPr>
-              <a:t>WG adoption</a:t>
-            </a:r>
-          </a:p>
-          <a:p>
-            <a:endParaRPr lang="en-US" sz="2400" dirty="0">
-              <a:latin typeface="Calibri" charset="0"/>
-              <a:ea typeface="Calibri" charset="0"/>
-              <a:cs typeface="Calibri" charset="0"/>
-            </a:endParaRPr>
-          </a:p>
-        </p:txBody>
-      </p:sp>
-      <p:sp>
-        <p:nvSpPr>
-          <p:cNvPr id="4" name="Footer Placeholder 3"/>
-          <p:cNvSpPr>
-            <a:spLocks noGrp="1"/>
-          </p:cNvSpPr>
-          <p:nvPr>
-            <p:ph type="ftr" sz="quarter" idx="11"/>
-          </p:nvPr>
-        </p:nvSpPr>
-        <p:spPr>
-          <a:xfrm>
-            <a:off x="3124200" y="4786312"/>
-            <a:ext cx="2895600" cy="357188"/>
-          </a:xfrm>
-        </p:spPr>
-        <p:txBody>
-          <a:bodyPr/>
-          <a:lstStyle/>
-          <a:p>
-            <a:r>
-              <a:rPr lang="en-CA" dirty="0"/>
-              <a:t>109</a:t>
-            </a:r>
-            <a:r>
-              <a:rPr lang="en-CA" baseline="30000" dirty="0"/>
-              <a:t>th</a:t>
-            </a:r>
-            <a:r>
-              <a:rPr lang="en-CA" dirty="0"/>
-              <a:t> IETF Online</a:t>
-            </a:r>
-          </a:p>
-        </p:txBody>
-      </p:sp>
-      <p:sp>
-        <p:nvSpPr>
-          <p:cNvPr id="5" name="Slide Number Placeholder 4"/>
-          <p:cNvSpPr>
-            <a:spLocks noGrp="1"/>
-          </p:cNvSpPr>
-          <p:nvPr>
-            <p:ph type="sldNum" sz="quarter" idx="12"/>
-          </p:nvPr>
-        </p:nvSpPr>
-        <p:spPr/>
-        <p:txBody>
-          <a:bodyPr/>
-          <a:lstStyle/>
-          <a:p>
-            <a:pPr>
-              <a:defRPr/>
-            </a:pPr>
-            <a:fld id="{BD6E0F59-1DD8-40FC-9C92-B6295CBA6CCA}" type="slidenum">
-              <a:rPr lang="en-US" altLang="zh-CN" smtClean="0"/>
-              <a:pPr>
-                <a:defRPr/>
-              </a:pPr>
-              <a:t>13</a:t>
             </a:fld>
             <a:endParaRPr lang="en-US" altLang="zh-CN"/>
           </a:p>
@@ -6281,7 +5944,7 @@
 </p:sld>
 </file>
 
-<file path=ppt/slides/slide14.xml><?xml version="1.0" encoding="utf-8"?>
+<file path=ppt/slides/slide13.xml><?xml version="1.0" encoding="utf-8"?>
 <p:sld xmlns:a="http://schemas.openxmlformats.org/drawingml/2006/main" xmlns:r="http://schemas.openxmlformats.org/officeDocument/2006/relationships" xmlns:p="http://schemas.openxmlformats.org/presentationml/2006/main">
   <p:cSld>
     <p:spTree>
@@ -6545,7 +6208,7 @@
               <a:pPr>
                 <a:defRPr/>
               </a:pPr>
-              <a:t>14</a:t>
+              <a:t>13</a:t>
             </a:fld>
             <a:endParaRPr lang="en-US" altLang="zh-CN" dirty="0"/>
           </a:p>
@@ -7432,7 +7095,13 @@
       </p:grpSpPr>
       <p:sp>
         <p:nvSpPr>
-          <p:cNvPr id="2" name="Title 1"/>
+          <p:cNvPr id="2" name="Title 1">
+            <a:extLst>
+              <a:ext uri="{FF2B5EF4-FFF2-40B4-BE49-F238E27FC236}">
+                <a16:creationId xmlns:a16="http://schemas.microsoft.com/office/drawing/2014/main" id="{9A6F4236-AC14-394A-A36C-F2BD8CED3237}"/>
+              </a:ext>
+            </a:extLst>
+          </p:cNvPr>
           <p:cNvSpPr>
             <a:spLocks noGrp="1"/>
           </p:cNvSpPr>
@@ -7442,7 +7111,7 @@
         </p:nvSpPr>
         <p:spPr>
           <a:xfrm>
-            <a:off x="457200" y="0"/>
+            <a:off x="457200" y="-19050"/>
             <a:ext cx="8229600" cy="857250"/>
           </a:xfrm>
         </p:spPr>
@@ -7458,283 +7127,30 @@
                 <a:latin typeface="Calibri Light" panose="020F0302020204030204" pitchFamily="34" charset="0"/>
                 <a:cs typeface="Calibri Light" panose="020F0302020204030204" pitchFamily="34" charset="0"/>
               </a:rPr>
-              <a:t>STAMP - Summary of PM Drafts</a:t>
-            </a:r>
-          </a:p>
-        </p:txBody>
-      </p:sp>
-      <p:sp>
-        <p:nvSpPr>
-          <p:cNvPr id="3" name="Content Placeholder 2"/>
+              <a:t>Example Provisioning Model</a:t>
+            </a:r>
+          </a:p>
+        </p:txBody>
+      </p:sp>
+      <p:sp>
+        <p:nvSpPr>
+          <p:cNvPr id="4" name="Footer Placeholder 3">
+            <a:extLst>
+              <a:ext uri="{FF2B5EF4-FFF2-40B4-BE49-F238E27FC236}">
+                <a16:creationId xmlns:a16="http://schemas.microsoft.com/office/drawing/2014/main" id="{643D160E-CC3C-EB46-A6F1-43B8E2996F46}"/>
+              </a:ext>
+            </a:extLst>
+          </p:cNvPr>
           <p:cNvSpPr>
             <a:spLocks noGrp="1"/>
           </p:cNvSpPr>
           <p:nvPr>
-            <p:ph idx="1"/>
+            <p:ph type="ftr" sz="quarter" idx="11"/>
           </p:nvPr>
         </p:nvSpPr>
         <p:spPr>
           <a:xfrm>
-            <a:off x="533400" y="947738"/>
-            <a:ext cx="8077200" cy="3543300"/>
-          </a:xfrm>
-        </p:spPr>
-        <p:txBody>
-          <a:bodyPr/>
-          <a:lstStyle/>
-          <a:p>
-            <a:pPr marL="0" indent="0">
-              <a:lnSpc>
-                <a:spcPts val="1680"/>
-              </a:lnSpc>
-              <a:spcBef>
-                <a:spcPts val="600"/>
-              </a:spcBef>
-              <a:buNone/>
-            </a:pPr>
-            <a:r>
-              <a:rPr lang="en-US" sz="1600" b="1" dirty="0">
-                <a:latin typeface="Calibri" panose="020F0502020204030204" pitchFamily="34" charset="0"/>
-                <a:cs typeface="Calibri" panose="020F0502020204030204" pitchFamily="34" charset="0"/>
-              </a:rPr>
-              <a:t>draft-</a:t>
-            </a:r>
-            <a:r>
-              <a:rPr lang="en-US" sz="1600" b="1" dirty="0" err="1">
-                <a:latin typeface="Calibri" panose="020F0502020204030204" pitchFamily="34" charset="0"/>
-                <a:cs typeface="Calibri" panose="020F0502020204030204" pitchFamily="34" charset="0"/>
-              </a:rPr>
-              <a:t>gandhi</a:t>
-            </a:r>
-            <a:r>
-              <a:rPr lang="en-US" sz="1600" b="1" dirty="0">
-                <a:latin typeface="Calibri" panose="020F0502020204030204" pitchFamily="34" charset="0"/>
-                <a:cs typeface="Calibri" panose="020F0502020204030204" pitchFamily="34" charset="0"/>
-              </a:rPr>
-              <a:t>-spring-stamp-</a:t>
-            </a:r>
-            <a:r>
-              <a:rPr lang="en-US" sz="1600" b="1" dirty="0" err="1">
-                <a:latin typeface="Calibri" panose="020F0502020204030204" pitchFamily="34" charset="0"/>
-                <a:cs typeface="Calibri" panose="020F0502020204030204" pitchFamily="34" charset="0"/>
-              </a:rPr>
-              <a:t>srpm</a:t>
-            </a:r>
-            <a:endParaRPr lang="en-US" sz="1600" b="1" dirty="0">
-              <a:latin typeface="Calibri" panose="020F0502020204030204" pitchFamily="34" charset="0"/>
-              <a:cs typeface="Calibri" panose="020F0502020204030204" pitchFamily="34" charset="0"/>
-            </a:endParaRPr>
-          </a:p>
-          <a:p>
-            <a:pPr>
-              <a:lnSpc>
-                <a:spcPts val="1680"/>
-              </a:lnSpc>
-              <a:spcBef>
-                <a:spcPts val="600"/>
-              </a:spcBef>
-            </a:pPr>
-            <a:r>
-              <a:rPr lang="en-US" sz="1600" dirty="0">
-                <a:latin typeface="Calibri" panose="020F0502020204030204" pitchFamily="34" charset="0"/>
-                <a:cs typeface="Calibri" panose="020F0502020204030204" pitchFamily="34" charset="0"/>
-              </a:rPr>
-              <a:t>Defines procedures for STAMP messages for delay, synthetic loss and direct-mode loss measurements</a:t>
-            </a:r>
-          </a:p>
-          <a:p>
-            <a:pPr>
-              <a:lnSpc>
-                <a:spcPts val="1680"/>
-              </a:lnSpc>
-              <a:spcBef>
-                <a:spcPts val="600"/>
-              </a:spcBef>
-            </a:pPr>
-            <a:r>
-              <a:rPr lang="en-US" sz="1600" dirty="0">
-                <a:latin typeface="Calibri" panose="020F0502020204030204" pitchFamily="34" charset="0"/>
-                <a:cs typeface="Calibri" panose="020F0502020204030204" pitchFamily="34" charset="0"/>
-              </a:rPr>
-              <a:t>Procedures are defined for Links and end-to-end SR Paths for SR-MPLS and SRv6 data-planes</a:t>
-            </a:r>
-          </a:p>
-          <a:p>
-            <a:pPr>
-              <a:lnSpc>
-                <a:spcPts val="1680"/>
-              </a:lnSpc>
-              <a:spcBef>
-                <a:spcPts val="600"/>
-              </a:spcBef>
-            </a:pPr>
-            <a:endParaRPr lang="en-US" sz="1600" dirty="0">
-              <a:latin typeface="Calibri" panose="020F0502020204030204" pitchFamily="34" charset="0"/>
-              <a:cs typeface="Calibri" panose="020F0502020204030204" pitchFamily="34" charset="0"/>
-            </a:endParaRPr>
-          </a:p>
-          <a:p>
-            <a:pPr marL="0" indent="0">
-              <a:lnSpc>
-                <a:spcPts val="1680"/>
-              </a:lnSpc>
-              <a:spcBef>
-                <a:spcPts val="600"/>
-              </a:spcBef>
-              <a:buNone/>
-            </a:pPr>
-            <a:r>
-              <a:rPr lang="en-US" sz="1600" b="1" dirty="0">
-                <a:latin typeface="Calibri" panose="020F0502020204030204" pitchFamily="34" charset="0"/>
-                <a:cs typeface="Calibri" panose="020F0502020204030204" pitchFamily="34" charset="0"/>
-              </a:rPr>
-              <a:t>draft-</a:t>
-            </a:r>
-            <a:r>
-              <a:rPr lang="en-US" sz="1600" b="1" dirty="0" err="1">
-                <a:latin typeface="Calibri" panose="020F0502020204030204" pitchFamily="34" charset="0"/>
-                <a:cs typeface="Calibri" panose="020F0502020204030204" pitchFamily="34" charset="0"/>
-              </a:rPr>
-              <a:t>gandhi</a:t>
-            </a:r>
-            <a:r>
-              <a:rPr lang="en-US" sz="1600" b="1" dirty="0">
-                <a:latin typeface="Calibri" panose="020F0502020204030204" pitchFamily="34" charset="0"/>
-                <a:cs typeface="Calibri" panose="020F0502020204030204" pitchFamily="34" charset="0"/>
-              </a:rPr>
-              <a:t>-</a:t>
-            </a:r>
-            <a:r>
-              <a:rPr lang="en-US" sz="1600" b="1" dirty="0" err="1">
-                <a:latin typeface="Calibri" panose="020F0502020204030204" pitchFamily="34" charset="0"/>
-                <a:cs typeface="Calibri" panose="020F0502020204030204" pitchFamily="34" charset="0"/>
-              </a:rPr>
-              <a:t>ippm</a:t>
-            </a:r>
-            <a:r>
-              <a:rPr lang="en-US" sz="1600" b="1" dirty="0">
-                <a:latin typeface="Calibri" panose="020F0502020204030204" pitchFamily="34" charset="0"/>
-                <a:cs typeface="Calibri" panose="020F0502020204030204" pitchFamily="34" charset="0"/>
-              </a:rPr>
-              <a:t>-stamp-</a:t>
-            </a:r>
-            <a:r>
-              <a:rPr lang="en-US" sz="1600" b="1" dirty="0" err="1">
-                <a:latin typeface="Calibri" panose="020F0502020204030204" pitchFamily="34" charset="0"/>
-                <a:cs typeface="Calibri" panose="020F0502020204030204" pitchFamily="34" charset="0"/>
-              </a:rPr>
-              <a:t>srpm</a:t>
-            </a:r>
-            <a:endParaRPr lang="en-US" sz="1600" b="1" dirty="0">
-              <a:latin typeface="Calibri" panose="020F0502020204030204" pitchFamily="34" charset="0"/>
-              <a:cs typeface="Calibri" panose="020F0502020204030204" pitchFamily="34" charset="0"/>
-            </a:endParaRPr>
-          </a:p>
-          <a:p>
-            <a:pPr>
-              <a:lnSpc>
-                <a:spcPts val="1680"/>
-              </a:lnSpc>
-              <a:spcBef>
-                <a:spcPts val="600"/>
-              </a:spcBef>
-            </a:pPr>
-            <a:r>
-              <a:rPr lang="en-US" sz="1600" dirty="0">
-                <a:latin typeface="Calibri" panose="020F0502020204030204" pitchFamily="34" charset="0"/>
-                <a:cs typeface="Calibri" panose="020F0502020204030204" pitchFamily="34" charset="0"/>
-              </a:rPr>
-              <a:t>Defines extensions for STAMP for Segment Routing</a:t>
-            </a:r>
-          </a:p>
-          <a:p>
-            <a:pPr>
-              <a:lnSpc>
-                <a:spcPts val="1680"/>
-              </a:lnSpc>
-              <a:spcBef>
-                <a:spcPts val="600"/>
-              </a:spcBef>
-            </a:pPr>
-            <a:r>
-              <a:rPr lang="en-US" sz="1600">
-                <a:latin typeface="Calibri" panose="020F0502020204030204" pitchFamily="34" charset="0"/>
-                <a:cs typeface="Calibri" panose="020F0502020204030204" pitchFamily="34" charset="0"/>
-              </a:rPr>
-              <a:t>Defines Session-Sender </a:t>
-            </a:r>
-            <a:r>
-              <a:rPr lang="en-US" sz="1600" dirty="0">
-                <a:latin typeface="Calibri" panose="020F0502020204030204" pitchFamily="34" charset="0"/>
-                <a:cs typeface="Calibri" panose="020F0502020204030204" pitchFamily="34" charset="0"/>
-              </a:rPr>
-              <a:t>Control code field for in-band response request</a:t>
-            </a:r>
-          </a:p>
-          <a:p>
-            <a:pPr>
-              <a:lnSpc>
-                <a:spcPts val="1680"/>
-              </a:lnSpc>
-              <a:spcBef>
-                <a:spcPts val="600"/>
-              </a:spcBef>
-            </a:pPr>
-            <a:r>
-              <a:rPr lang="en-US" sz="1600" dirty="0">
-                <a:latin typeface="Calibri" panose="020F0502020204030204" pitchFamily="34" charset="0"/>
-                <a:cs typeface="Calibri" panose="020F0502020204030204" pitchFamily="34" charset="0"/>
-              </a:rPr>
-              <a:t>Defines stand-alone direct-mode loss measurement query and response messages</a:t>
-            </a:r>
-          </a:p>
-          <a:p>
-            <a:pPr>
-              <a:lnSpc>
-                <a:spcPts val="1680"/>
-              </a:lnSpc>
-              <a:spcBef>
-                <a:spcPts val="600"/>
-              </a:spcBef>
-            </a:pPr>
-            <a:r>
-              <a:rPr lang="en-US" sz="1600" dirty="0">
-                <a:latin typeface="Calibri" panose="020F0502020204030204" pitchFamily="34" charset="0"/>
-                <a:cs typeface="Calibri" panose="020F0502020204030204" pitchFamily="34" charset="0"/>
-              </a:rPr>
-              <a:t>Defines TLVs to carry Destination Node Address and Return Path</a:t>
-            </a:r>
-          </a:p>
-          <a:p>
-            <a:pPr marL="457200" lvl="1" indent="0">
-              <a:lnSpc>
-                <a:spcPts val="1680"/>
-              </a:lnSpc>
-              <a:spcBef>
-                <a:spcPts val="600"/>
-              </a:spcBef>
-              <a:buNone/>
-            </a:pPr>
-            <a:endParaRPr lang="en-US" sz="1600" dirty="0">
-              <a:latin typeface="Calibri" panose="020F0502020204030204" pitchFamily="34" charset="0"/>
-              <a:cs typeface="Calibri" panose="020F0502020204030204" pitchFamily="34" charset="0"/>
-            </a:endParaRPr>
-          </a:p>
-        </p:txBody>
-      </p:sp>
-      <p:sp>
-        <p:nvSpPr>
-          <p:cNvPr id="4" name="Footer Placeholder 3"/>
-          <p:cNvSpPr>
-            <a:spLocks noGrp="1"/>
-          </p:cNvSpPr>
-          <p:nvPr>
-            <p:ph type="ftr" sz="quarter" idx="11"/>
-          </p:nvPr>
-        </p:nvSpPr>
-        <p:spPr>
-          <a:xfrm>
-            <a:off x="3124200" y="4786312"/>
+            <a:off x="3124200" y="4805362"/>
             <a:ext cx="2895600" cy="357188"/>
           </a:xfrm>
         </p:spPr>
@@ -7759,7 +7175,13 @@
       </p:sp>
       <p:sp>
         <p:nvSpPr>
-          <p:cNvPr id="5" name="Slide Number Placeholder 4"/>
+          <p:cNvPr id="5" name="Slide Number Placeholder 4">
+            <a:extLst>
+              <a:ext uri="{FF2B5EF4-FFF2-40B4-BE49-F238E27FC236}">
+                <a16:creationId xmlns:a16="http://schemas.microsoft.com/office/drawing/2014/main" id="{A8B868AE-B105-7547-A646-14FCDF91C2DD}"/>
+              </a:ext>
+            </a:extLst>
+          </p:cNvPr>
           <p:cNvSpPr>
             <a:spLocks noGrp="1"/>
           </p:cNvSpPr>
@@ -7786,10 +7208,188 @@
           </a:p>
         </p:txBody>
       </p:sp>
+      <p:sp>
+        <p:nvSpPr>
+          <p:cNvPr id="7" name="Rectangle 6">
+            <a:extLst>
+              <a:ext uri="{FF2B5EF4-FFF2-40B4-BE49-F238E27FC236}">
+                <a16:creationId xmlns:a16="http://schemas.microsoft.com/office/drawing/2014/main" id="{AA6E66CA-28BC-2C4A-BC04-4600D8FEBF3B}"/>
+              </a:ext>
+            </a:extLst>
+          </p:cNvPr>
+          <p:cNvSpPr/>
+          <p:nvPr/>
+        </p:nvSpPr>
+        <p:spPr>
+          <a:xfrm>
+            <a:off x="1066800" y="983711"/>
+            <a:ext cx="7010400" cy="3416320"/>
+          </a:xfrm>
+          <a:prstGeom prst="rect">
+            <a:avLst/>
+          </a:prstGeom>
+          <a:solidFill>
+            <a:schemeClr val="accent6">
+              <a:lumMod val="20000"/>
+              <a:lumOff val="80000"/>
+            </a:schemeClr>
+          </a:solidFill>
+        </p:spPr>
+        <p:txBody>
+          <a:bodyPr wrap="square">
+            <a:spAutoFit/>
+          </a:bodyPr>
+          <a:lstStyle/>
+          <a:p>
+            <a:r>
+              <a:rPr lang="en-CA" sz="1200" dirty="0">
+                <a:latin typeface="Courier" pitchFamily="2" charset="0"/>
+              </a:rPr>
+              <a:t>                             +------------+</a:t>
+            </a:r>
+          </a:p>
+          <a:p>
+            <a:r>
+              <a:rPr lang="en-CA" sz="1200" dirty="0">
+                <a:latin typeface="Courier" pitchFamily="2" charset="0"/>
+              </a:rPr>
+              <a:t>                             | Controller |</a:t>
+            </a:r>
+          </a:p>
+          <a:p>
+            <a:r>
+              <a:rPr lang="en-CA" sz="1200" dirty="0">
+                <a:latin typeface="Courier" pitchFamily="2" charset="0"/>
+              </a:rPr>
+              <a:t>                             +------------+</a:t>
+            </a:r>
+          </a:p>
+          <a:p>
+            <a:r>
+              <a:rPr lang="en-CA" sz="1200" dirty="0">
+                <a:latin typeface="Courier" pitchFamily="2" charset="0"/>
+              </a:rPr>
+              <a:t>  Destination UDP Port            /  \         Destination UDP port</a:t>
+            </a:r>
+          </a:p>
+          <a:p>
+            <a:r>
+              <a:rPr lang="en-CA" sz="1200" dirty="0">
+                <a:latin typeface="Courier" pitchFamily="2" charset="0"/>
+              </a:rPr>
+              <a:t>  Measurement Protocol           /    \        Measurement Protocol</a:t>
+            </a:r>
+          </a:p>
+          <a:p>
+            <a:r>
+              <a:rPr lang="en-CA" sz="1200" dirty="0">
+                <a:latin typeface="Courier" pitchFamily="2" charset="0"/>
+              </a:rPr>
+              <a:t>  Measurement Type              /      \       Measurement Type</a:t>
+            </a:r>
+          </a:p>
+          <a:p>
+            <a:r>
+              <a:rPr lang="en-CA" sz="1200" dirty="0">
+                <a:latin typeface="Courier" pitchFamily="2" charset="0"/>
+              </a:rPr>
+              <a:t>     Delay/Loss                /        \        Delay/Loss</a:t>
+            </a:r>
+          </a:p>
+          <a:p>
+            <a:r>
+              <a:rPr lang="en-CA" sz="1200" dirty="0">
+                <a:latin typeface="Courier" pitchFamily="2" charset="0"/>
+              </a:rPr>
+              <a:t>  Authentication Mode &amp; Key   /          \     Authentication Mode &amp; Key</a:t>
+            </a:r>
+          </a:p>
+          <a:p>
+            <a:r>
+              <a:rPr lang="en-CA" sz="1200" dirty="0">
+                <a:latin typeface="Courier" pitchFamily="2" charset="0"/>
+              </a:rPr>
+              <a:t>  Timestamp Format           /            \    Loss Measurement Mode</a:t>
+            </a:r>
+          </a:p>
+          <a:p>
+            <a:r>
+              <a:rPr lang="en-CA" sz="1200" dirty="0">
+                <a:latin typeface="Courier" pitchFamily="2" charset="0"/>
+              </a:rPr>
+              <a:t>  Delay Measurement Mode    /              \   SSID - Wildcard</a:t>
+            </a:r>
+          </a:p>
+          <a:p>
+            <a:r>
+              <a:rPr lang="en-CA" sz="1200" dirty="0">
+                <a:latin typeface="Courier" pitchFamily="2" charset="0"/>
+              </a:rPr>
+              <a:t>  Loss Measurement Mode    /                \</a:t>
+            </a:r>
+          </a:p>
+          <a:p>
+            <a:r>
+              <a:rPr lang="en-CA" sz="1200" dirty="0">
+                <a:latin typeface="Courier" pitchFamily="2" charset="0"/>
+              </a:rPr>
+              <a:t>                          v                  v</a:t>
+            </a:r>
+          </a:p>
+          <a:p>
+            <a:r>
+              <a:rPr lang="en-CA" sz="1200" dirty="0">
+                <a:latin typeface="Courier" pitchFamily="2" charset="0"/>
+              </a:rPr>
+              <a:t>                     +-------+            +-------+</a:t>
+            </a:r>
+          </a:p>
+          <a:p>
+            <a:r>
+              <a:rPr lang="en-CA" sz="1200" dirty="0">
+                <a:latin typeface="Courier" pitchFamily="2" charset="0"/>
+              </a:rPr>
+              <a:t>                     |       |            |       |</a:t>
+            </a:r>
+          </a:p>
+          <a:p>
+            <a:r>
+              <a:rPr lang="en-CA" sz="1200" dirty="0">
+                <a:latin typeface="Courier" pitchFamily="2" charset="0"/>
+              </a:rPr>
+              <a:t>                     |   R1  |============|   R5  |</a:t>
+            </a:r>
+          </a:p>
+          <a:p>
+            <a:r>
+              <a:rPr lang="en-CA" sz="1200" dirty="0">
+                <a:latin typeface="Courier" pitchFamily="2" charset="0"/>
+              </a:rPr>
+              <a:t>                     |       |  SR Path   |       |</a:t>
+            </a:r>
+          </a:p>
+          <a:p>
+            <a:r>
+              <a:rPr lang="en-CA" sz="1200" dirty="0">
+                <a:latin typeface="Courier" pitchFamily="2" charset="0"/>
+              </a:rPr>
+              <a:t>                     +-------+  Or Link   +-------+</a:t>
+            </a:r>
+          </a:p>
+          <a:p>
+            <a:r>
+              <a:rPr lang="en-CA" sz="1200" dirty="0">
+                <a:latin typeface="Courier" pitchFamily="2" charset="0"/>
+              </a:rPr>
+              <a:t>                  Session-Sender       Session-Reflector</a:t>
+            </a:r>
+          </a:p>
+        </p:txBody>
+      </p:sp>
     </p:spTree>
     <p:extLst>
       <p:ext uri="{BB962C8B-B14F-4D97-AF65-F5344CB8AC3E}">
-        <p14:creationId xmlns:p14="http://schemas.microsoft.com/office/powerpoint/2010/main" val="3084405771"/>
+        <p14:creationId xmlns:p14="http://schemas.microsoft.com/office/powerpoint/2010/main" val="674982456"/>
       </p:ext>
     </p:extLst>
   </p:cSld>
@@ -7818,329 +7418,6 @@
       </p:grpSpPr>
       <p:sp>
         <p:nvSpPr>
-          <p:cNvPr id="2" name="Title 1">
-            <a:extLst>
-              <a:ext uri="{FF2B5EF4-FFF2-40B4-BE49-F238E27FC236}">
-                <a16:creationId xmlns:a16="http://schemas.microsoft.com/office/drawing/2014/main" id="{9A6F4236-AC14-394A-A36C-F2BD8CED3237}"/>
-              </a:ext>
-            </a:extLst>
-          </p:cNvPr>
-          <p:cNvSpPr>
-            <a:spLocks noGrp="1"/>
-          </p:cNvSpPr>
-          <p:nvPr>
-            <p:ph type="title"/>
-          </p:nvPr>
-        </p:nvSpPr>
-        <p:spPr>
-          <a:xfrm>
-            <a:off x="457200" y="-19050"/>
-            <a:ext cx="8229600" cy="857250"/>
-          </a:xfrm>
-        </p:spPr>
-        <p:txBody>
-          <a:bodyPr/>
-          <a:lstStyle/>
-          <a:p>
-            <a:r>
-              <a:rPr lang="en-US" sz="3600" dirty="0">
-                <a:solidFill>
-                  <a:srgbClr val="0070C0"/>
-                </a:solidFill>
-                <a:latin typeface="Calibri Light" panose="020F0302020204030204" pitchFamily="34" charset="0"/>
-                <a:cs typeface="Calibri Light" panose="020F0302020204030204" pitchFamily="34" charset="0"/>
-              </a:rPr>
-              <a:t>Example Provisioning Model</a:t>
-            </a:r>
-          </a:p>
-        </p:txBody>
-      </p:sp>
-      <p:sp>
-        <p:nvSpPr>
-          <p:cNvPr id="4" name="Footer Placeholder 3">
-            <a:extLst>
-              <a:ext uri="{FF2B5EF4-FFF2-40B4-BE49-F238E27FC236}">
-                <a16:creationId xmlns:a16="http://schemas.microsoft.com/office/drawing/2014/main" id="{643D160E-CC3C-EB46-A6F1-43B8E2996F46}"/>
-              </a:ext>
-            </a:extLst>
-          </p:cNvPr>
-          <p:cNvSpPr>
-            <a:spLocks noGrp="1"/>
-          </p:cNvSpPr>
-          <p:nvPr>
-            <p:ph type="ftr" sz="quarter" idx="11"/>
-          </p:nvPr>
-        </p:nvSpPr>
-        <p:spPr>
-          <a:xfrm>
-            <a:off x="3124200" y="4805362"/>
-            <a:ext cx="2895600" cy="357188"/>
-          </a:xfrm>
-        </p:spPr>
-        <p:txBody>
-          <a:bodyPr/>
-          <a:lstStyle/>
-          <a:p>
-            <a:r>
-              <a:rPr lang="en-CA" dirty="0"/>
-              <a:t>109</a:t>
-            </a:r>
-            <a:r>
-              <a:rPr lang="en-CA" baseline="30000" dirty="0"/>
-              <a:t>th</a:t>
-            </a:r>
-            <a:r>
-              <a:rPr lang="en-CA" dirty="0"/>
-              <a:t> IETF Online</a:t>
-            </a:r>
-          </a:p>
-        </p:txBody>
-      </p:sp>
-      <p:sp>
-        <p:nvSpPr>
-          <p:cNvPr id="5" name="Slide Number Placeholder 4">
-            <a:extLst>
-              <a:ext uri="{FF2B5EF4-FFF2-40B4-BE49-F238E27FC236}">
-                <a16:creationId xmlns:a16="http://schemas.microsoft.com/office/drawing/2014/main" id="{A8B868AE-B105-7547-A646-14FCDF91C2DD}"/>
-              </a:ext>
-            </a:extLst>
-          </p:cNvPr>
-          <p:cNvSpPr>
-            <a:spLocks noGrp="1"/>
-          </p:cNvSpPr>
-          <p:nvPr>
-            <p:ph type="sldNum" sz="quarter" idx="12"/>
-          </p:nvPr>
-        </p:nvSpPr>
-        <p:spPr/>
-        <p:txBody>
-          <a:bodyPr/>
-          <a:lstStyle/>
-          <a:p>
-            <a:pPr>
-              <a:defRPr/>
-            </a:pPr>
-            <a:fld id="{BD6E0F59-1DD8-40FC-9C92-B6295CBA6CCA}" type="slidenum">
-              <a:rPr lang="en-US" altLang="zh-CN" smtClean="0"/>
-              <a:pPr>
-                <a:defRPr/>
-              </a:pPr>
-              <a:t>6</a:t>
-            </a:fld>
-            <a:endParaRPr lang="en-US" altLang="zh-CN"/>
-          </a:p>
-        </p:txBody>
-      </p:sp>
-      <p:sp>
-        <p:nvSpPr>
-          <p:cNvPr id="7" name="Rectangle 6">
-            <a:extLst>
-              <a:ext uri="{FF2B5EF4-FFF2-40B4-BE49-F238E27FC236}">
-                <a16:creationId xmlns:a16="http://schemas.microsoft.com/office/drawing/2014/main" id="{AA6E66CA-28BC-2C4A-BC04-4600D8FEBF3B}"/>
-              </a:ext>
-            </a:extLst>
-          </p:cNvPr>
-          <p:cNvSpPr/>
-          <p:nvPr/>
-        </p:nvSpPr>
-        <p:spPr>
-          <a:xfrm>
-            <a:off x="1066800" y="983711"/>
-            <a:ext cx="7010400" cy="3416320"/>
-          </a:xfrm>
-          <a:prstGeom prst="rect">
-            <a:avLst/>
-          </a:prstGeom>
-          <a:solidFill>
-            <a:schemeClr val="accent6">
-              <a:lumMod val="20000"/>
-              <a:lumOff val="80000"/>
-            </a:schemeClr>
-          </a:solidFill>
-        </p:spPr>
-        <p:txBody>
-          <a:bodyPr wrap="square">
-            <a:spAutoFit/>
-          </a:bodyPr>
-          <a:lstStyle/>
-          <a:p>
-            <a:r>
-              <a:rPr lang="en-CA" sz="1200" dirty="0">
-                <a:latin typeface="Courier" pitchFamily="2" charset="0"/>
-              </a:rPr>
-              <a:t>                             +------------+</a:t>
-            </a:r>
-          </a:p>
-          <a:p>
-            <a:r>
-              <a:rPr lang="en-CA" sz="1200" dirty="0">
-                <a:latin typeface="Courier" pitchFamily="2" charset="0"/>
-              </a:rPr>
-              <a:t>                             | Controller |</a:t>
-            </a:r>
-          </a:p>
-          <a:p>
-            <a:r>
-              <a:rPr lang="en-CA" sz="1200" dirty="0">
-                <a:latin typeface="Courier" pitchFamily="2" charset="0"/>
-              </a:rPr>
-              <a:t>                             +------------+</a:t>
-            </a:r>
-          </a:p>
-          <a:p>
-            <a:r>
-              <a:rPr lang="en-CA" sz="1200" dirty="0">
-                <a:latin typeface="Courier" pitchFamily="2" charset="0"/>
-              </a:rPr>
-              <a:t>  Destination UDP Port            /  \         Destination UDP port</a:t>
-            </a:r>
-          </a:p>
-          <a:p>
-            <a:r>
-              <a:rPr lang="en-CA" sz="1200" dirty="0">
-                <a:latin typeface="Courier" pitchFamily="2" charset="0"/>
-              </a:rPr>
-              <a:t>  Measurement Protocol           /    \        Measurement Protocol</a:t>
-            </a:r>
-          </a:p>
-          <a:p>
-            <a:r>
-              <a:rPr lang="en-CA" sz="1200" dirty="0">
-                <a:latin typeface="Courier" pitchFamily="2" charset="0"/>
-              </a:rPr>
-              <a:t>  Measurement Type              /      \       Measurement Type</a:t>
-            </a:r>
-          </a:p>
-          <a:p>
-            <a:r>
-              <a:rPr lang="en-CA" sz="1200" dirty="0">
-                <a:latin typeface="Courier" pitchFamily="2" charset="0"/>
-              </a:rPr>
-              <a:t>     Delay/Loss                /        \        Delay/Loss</a:t>
-            </a:r>
-          </a:p>
-          <a:p>
-            <a:r>
-              <a:rPr lang="en-CA" sz="1200" dirty="0">
-                <a:latin typeface="Courier" pitchFamily="2" charset="0"/>
-              </a:rPr>
-              <a:t>  Authentication Mode &amp; Key   /          \     Authentication Mode &amp; Key</a:t>
-            </a:r>
-          </a:p>
-          <a:p>
-            <a:r>
-              <a:rPr lang="en-CA" sz="1200" dirty="0">
-                <a:latin typeface="Courier" pitchFamily="2" charset="0"/>
-              </a:rPr>
-              <a:t>  Timestamp Format           /            \    Loss Measurement Mode</a:t>
-            </a:r>
-          </a:p>
-          <a:p>
-            <a:r>
-              <a:rPr lang="en-CA" sz="1200" dirty="0">
-                <a:latin typeface="Courier" pitchFamily="2" charset="0"/>
-              </a:rPr>
-              <a:t>  Delay Measurement Mode    /              \   SSID - Wildcard</a:t>
-            </a:r>
-          </a:p>
-          <a:p>
-            <a:r>
-              <a:rPr lang="en-CA" sz="1200" dirty="0">
-                <a:latin typeface="Courier" pitchFamily="2" charset="0"/>
-              </a:rPr>
-              <a:t>  Loss Measurement Mode    /                \</a:t>
-            </a:r>
-          </a:p>
-          <a:p>
-            <a:r>
-              <a:rPr lang="en-CA" sz="1200" dirty="0">
-                <a:latin typeface="Courier" pitchFamily="2" charset="0"/>
-              </a:rPr>
-              <a:t>                          v                  v</a:t>
-            </a:r>
-          </a:p>
-          <a:p>
-            <a:r>
-              <a:rPr lang="en-CA" sz="1200" dirty="0">
-                <a:latin typeface="Courier" pitchFamily="2" charset="0"/>
-              </a:rPr>
-              <a:t>                     +-------+            +-------+</a:t>
-            </a:r>
-          </a:p>
-          <a:p>
-            <a:r>
-              <a:rPr lang="en-CA" sz="1200" dirty="0">
-                <a:latin typeface="Courier" pitchFamily="2" charset="0"/>
-              </a:rPr>
-              <a:t>                     |       |            |       |</a:t>
-            </a:r>
-          </a:p>
-          <a:p>
-            <a:r>
-              <a:rPr lang="en-CA" sz="1200" dirty="0">
-                <a:latin typeface="Courier" pitchFamily="2" charset="0"/>
-              </a:rPr>
-              <a:t>                     |   R1  |============|   R5  |</a:t>
-            </a:r>
-          </a:p>
-          <a:p>
-            <a:r>
-              <a:rPr lang="en-CA" sz="1200" dirty="0">
-                <a:latin typeface="Courier" pitchFamily="2" charset="0"/>
-              </a:rPr>
-              <a:t>                     |       |  SR Path   |       |</a:t>
-            </a:r>
-          </a:p>
-          <a:p>
-            <a:r>
-              <a:rPr lang="en-CA" sz="1200" dirty="0">
-                <a:latin typeface="Courier" pitchFamily="2" charset="0"/>
-              </a:rPr>
-              <a:t>                     +-------+  Or Link   +-------+</a:t>
-            </a:r>
-          </a:p>
-          <a:p>
-            <a:r>
-              <a:rPr lang="en-CA" sz="1200" dirty="0">
-                <a:latin typeface="Courier" pitchFamily="2" charset="0"/>
-              </a:rPr>
-              <a:t>                  Session-Sender       Session-Reflector</a:t>
-            </a:r>
-          </a:p>
-        </p:txBody>
-      </p:sp>
-    </p:spTree>
-    <p:extLst>
-      <p:ext uri="{BB962C8B-B14F-4D97-AF65-F5344CB8AC3E}">
-        <p14:creationId xmlns:p14="http://schemas.microsoft.com/office/powerpoint/2010/main" val="674982456"/>
-      </p:ext>
-    </p:extLst>
-  </p:cSld>
-  <p:clrMapOvr>
-    <a:masterClrMapping/>
-  </p:clrMapOvr>
-</p:sld>
-</file>
-
-<file path=ppt/slides/slide7.xml><?xml version="1.0" encoding="utf-8"?>
-<p:sld xmlns:a="http://schemas.openxmlformats.org/drawingml/2006/main" xmlns:r="http://schemas.openxmlformats.org/officeDocument/2006/relationships" xmlns:p="http://schemas.openxmlformats.org/presentationml/2006/main">
-  <p:cSld>
-    <p:spTree>
-      <p:nvGrpSpPr>
-        <p:cNvPr id="1" name=""/>
-        <p:cNvGrpSpPr/>
-        <p:nvPr/>
-      </p:nvGrpSpPr>
-      <p:grpSpPr>
-        <a:xfrm>
-          <a:off x="0" y="0"/>
-          <a:ext cx="0" cy="0"/>
-          <a:chOff x="0" y="0"/>
-          <a:chExt cx="0" cy="0"/>
-        </a:xfrm>
-      </p:grpSpPr>
-      <p:sp>
-        <p:nvSpPr>
           <p:cNvPr id="2" name="Title 1"/>
           <p:cNvSpPr>
             <a:spLocks noGrp="1"/>
@@ -8654,7 +7931,7 @@
               <a:pPr>
                 <a:defRPr/>
               </a:pPr>
-              <a:t>7</a:t>
+              <a:t>6</a:t>
             </a:fld>
             <a:endParaRPr lang="en-US" altLang="zh-CN"/>
           </a:p>
@@ -8673,7 +7950,7 @@
 </p:sld>
 </file>
 
-<file path=ppt/slides/slide8.xml><?xml version="1.0" encoding="utf-8"?>
+<file path=ppt/slides/slide7.xml><?xml version="1.0" encoding="utf-8"?>
 <p:sld xmlns:a="http://schemas.openxmlformats.org/drawingml/2006/main" xmlns:r="http://schemas.openxmlformats.org/officeDocument/2006/relationships" xmlns:p="http://schemas.openxmlformats.org/presentationml/2006/main">
   <p:cSld>
     <p:spTree>
@@ -9227,7 +8504,7 @@
               <a:pPr>
                 <a:defRPr/>
               </a:pPr>
-              <a:t>8</a:t>
+              <a:t>7</a:t>
             </a:fld>
             <a:endParaRPr lang="en-US" altLang="zh-CN"/>
           </a:p>
@@ -9646,6 +8923,371 @@
     <p:extLst>
       <p:ext uri="{BB962C8B-B14F-4D97-AF65-F5344CB8AC3E}">
         <p14:creationId xmlns:p14="http://schemas.microsoft.com/office/powerpoint/2010/main" val="2091496984"/>
+      </p:ext>
+    </p:extLst>
+  </p:cSld>
+  <p:clrMapOvr>
+    <a:masterClrMapping/>
+  </p:clrMapOvr>
+</p:sld>
+</file>
+
+<file path=ppt/slides/slide8.xml><?xml version="1.0" encoding="utf-8"?>
+<p:sld xmlns:a="http://schemas.openxmlformats.org/drawingml/2006/main" xmlns:r="http://schemas.openxmlformats.org/officeDocument/2006/relationships" xmlns:p="http://schemas.openxmlformats.org/presentationml/2006/main">
+  <p:cSld>
+    <p:spTree>
+      <p:nvGrpSpPr>
+        <p:cNvPr id="1" name=""/>
+        <p:cNvGrpSpPr/>
+        <p:nvPr/>
+      </p:nvGrpSpPr>
+      <p:grpSpPr>
+        <a:xfrm>
+          <a:off x="0" y="0"/>
+          <a:ext cx="0" cy="0"/>
+          <a:chOff x="0" y="0"/>
+          <a:chExt cx="0" cy="0"/>
+        </a:xfrm>
+      </p:grpSpPr>
+      <p:sp>
+        <p:nvSpPr>
+          <p:cNvPr id="2" name="Title 1"/>
+          <p:cNvSpPr>
+            <a:spLocks noGrp="1"/>
+          </p:cNvSpPr>
+          <p:nvPr>
+            <p:ph type="title"/>
+          </p:nvPr>
+        </p:nvSpPr>
+        <p:spPr>
+          <a:xfrm>
+            <a:off x="457200" y="0"/>
+            <a:ext cx="8229600" cy="857250"/>
+          </a:xfrm>
+        </p:spPr>
+        <p:txBody>
+          <a:bodyPr/>
+          <a:lstStyle/>
+          <a:p>
+            <a:r>
+              <a:rPr lang="en-US" sz="3600" dirty="0">
+                <a:solidFill>
+                  <a:srgbClr val="0070C0"/>
+                </a:solidFill>
+                <a:latin typeface="Calibri Light" panose="020F0302020204030204" pitchFamily="34" charset="0"/>
+                <a:cs typeface="Calibri Light" panose="020F0302020204030204" pitchFamily="34" charset="0"/>
+              </a:rPr>
+              <a:t>Probe Response Message</a:t>
+            </a:r>
+          </a:p>
+        </p:txBody>
+      </p:sp>
+      <p:sp>
+        <p:nvSpPr>
+          <p:cNvPr id="3" name="Content Placeholder 2"/>
+          <p:cNvSpPr>
+            <a:spLocks noGrp="1"/>
+          </p:cNvSpPr>
+          <p:nvPr>
+            <p:ph idx="1"/>
+          </p:nvPr>
+        </p:nvSpPr>
+        <p:spPr>
+          <a:xfrm>
+            <a:off x="228600" y="749499"/>
+            <a:ext cx="8686800" cy="1143000"/>
+          </a:xfrm>
+        </p:spPr>
+        <p:txBody>
+          <a:bodyPr/>
+          <a:lstStyle/>
+          <a:p>
+            <a:r>
+              <a:rPr lang="en-US" sz="1600" dirty="0"/>
+              <a:t>The probe response message is sent using the IP/UDP information from the probe query message. </a:t>
+            </a:r>
+          </a:p>
+          <a:p>
+            <a:r>
+              <a:rPr lang="en-US" sz="1600" dirty="0"/>
+              <a:t>Based on Control Code from the probe query message</a:t>
+            </a:r>
+          </a:p>
+          <a:p>
+            <a:r>
+              <a:rPr lang="en-US" sz="1600" dirty="0">
+                <a:solidFill>
+                  <a:srgbClr val="0070C0"/>
+                </a:solidFill>
+              </a:rPr>
+              <a:t>Use Segment List from Return Path TLV if present in probe query message.</a:t>
+            </a:r>
+          </a:p>
+        </p:txBody>
+      </p:sp>
+      <p:sp>
+        <p:nvSpPr>
+          <p:cNvPr id="4" name="Footer Placeholder 3"/>
+          <p:cNvSpPr>
+            <a:spLocks noGrp="1"/>
+          </p:cNvSpPr>
+          <p:nvPr>
+            <p:ph type="ftr" sz="quarter" idx="11"/>
+          </p:nvPr>
+        </p:nvSpPr>
+        <p:spPr>
+          <a:xfrm>
+            <a:off x="3124200" y="4786312"/>
+            <a:ext cx="2895600" cy="357188"/>
+          </a:xfrm>
+        </p:spPr>
+        <p:txBody>
+          <a:bodyPr/>
+          <a:lstStyle/>
+          <a:p>
+            <a:r>
+              <a:rPr lang="en-CA" dirty="0"/>
+              <a:t>109</a:t>
+            </a:r>
+            <a:r>
+              <a:rPr lang="en-CA" baseline="30000" dirty="0"/>
+              <a:t>th</a:t>
+            </a:r>
+            <a:r>
+              <a:rPr lang="en-CA" dirty="0"/>
+              <a:t> IETF Online</a:t>
+            </a:r>
+          </a:p>
+        </p:txBody>
+      </p:sp>
+      <p:sp>
+        <p:nvSpPr>
+          <p:cNvPr id="5" name="Rectangle 4"/>
+          <p:cNvSpPr/>
+          <p:nvPr/>
+        </p:nvSpPr>
+        <p:spPr>
+          <a:xfrm>
+            <a:off x="1828800" y="1857048"/>
+            <a:ext cx="5257800" cy="2862322"/>
+          </a:xfrm>
+          <a:prstGeom prst="rect">
+            <a:avLst/>
+          </a:prstGeom>
+          <a:solidFill>
+            <a:schemeClr val="accent6">
+              <a:lumMod val="20000"/>
+              <a:lumOff val="80000"/>
+            </a:schemeClr>
+          </a:solidFill>
+        </p:spPr>
+        <p:txBody>
+          <a:bodyPr wrap="square">
+            <a:spAutoFit/>
+          </a:bodyPr>
+          <a:lstStyle/>
+          <a:p>
+            <a:r>
+              <a:rPr lang="en-CA" sz="1000" dirty="0">
+                <a:latin typeface="Courier" pitchFamily="2" charset="0"/>
+                <a:cs typeface="Courier New" panose="02070309020205020404" pitchFamily="49" charset="0"/>
+              </a:rPr>
+              <a:t>+---------------------------------------------------------------+</a:t>
+            </a:r>
+          </a:p>
+          <a:p>
+            <a:r>
+              <a:rPr lang="en-CA" sz="1000" dirty="0">
+                <a:latin typeface="Courier" pitchFamily="2" charset="0"/>
+                <a:cs typeface="Courier New" panose="02070309020205020404" pitchFamily="49" charset="0"/>
+              </a:rPr>
+              <a:t>| IP Header                                                     |</a:t>
+            </a:r>
+          </a:p>
+          <a:p>
+            <a:r>
+              <a:rPr lang="en-CA" sz="1000" dirty="0">
+                <a:latin typeface="Courier" pitchFamily="2" charset="0"/>
+                <a:cs typeface="Courier New" panose="02070309020205020404" pitchFamily="49" charset="0"/>
+              </a:rPr>
+              <a:t>.  Source IP Address = Session-Reflector IPv4 or IPv6 Address   .</a:t>
+            </a:r>
+          </a:p>
+          <a:p>
+            <a:r>
+              <a:rPr lang="en-CA" sz="1000" dirty="0">
+                <a:latin typeface="Courier" pitchFamily="2" charset="0"/>
+                <a:cs typeface="Courier New" panose="02070309020205020404" pitchFamily="49" charset="0"/>
+              </a:rPr>
+              <a:t>.  Destination IP Address = Source IP Address from Query        .</a:t>
+            </a:r>
+          </a:p>
+          <a:p>
+            <a:r>
+              <a:rPr lang="en-CA" sz="1000" dirty="0">
+                <a:latin typeface="Courier" pitchFamily="2" charset="0"/>
+                <a:cs typeface="Courier New" panose="02070309020205020404" pitchFamily="49" charset="0"/>
+              </a:rPr>
+              <a:t>.  Protocol = UDP                                               .</a:t>
+            </a:r>
+          </a:p>
+          <a:p>
+            <a:r>
+              <a:rPr lang="en-CA" sz="1000" dirty="0">
+                <a:latin typeface="Courier" pitchFamily="2" charset="0"/>
+                <a:cs typeface="Courier New" panose="02070309020205020404" pitchFamily="49" charset="0"/>
+              </a:rPr>
+              <a:t>.                                                               .</a:t>
+            </a:r>
+          </a:p>
+          <a:p>
+            <a:r>
+              <a:rPr lang="en-CA" sz="1000" dirty="0">
+                <a:latin typeface="Courier" pitchFamily="2" charset="0"/>
+                <a:cs typeface="Courier New" panose="02070309020205020404" pitchFamily="49" charset="0"/>
+              </a:rPr>
+              <a:t>+---------------------------------------------------------------+</a:t>
+            </a:r>
+          </a:p>
+          <a:p>
+            <a:r>
+              <a:rPr lang="en-CA" sz="1000" dirty="0">
+                <a:latin typeface="Courier" pitchFamily="2" charset="0"/>
+                <a:cs typeface="Courier New" panose="02070309020205020404" pitchFamily="49" charset="0"/>
+              </a:rPr>
+              <a:t>| UDP Header                                                    |</a:t>
+            </a:r>
+          </a:p>
+          <a:p>
+            <a:r>
+              <a:rPr lang="en-CA" sz="1000" dirty="0">
+                <a:latin typeface="Courier" pitchFamily="2" charset="0"/>
+                <a:cs typeface="Courier New" panose="02070309020205020404" pitchFamily="49" charset="0"/>
+              </a:rPr>
+              <a:t>.  Source Port = As chosen by Session-Reflector                 .</a:t>
+            </a:r>
+          </a:p>
+          <a:p>
+            <a:r>
+              <a:rPr lang="en-CA" sz="1000" dirty="0">
+                <a:latin typeface="Courier" pitchFamily="2" charset="0"/>
+                <a:cs typeface="Courier New" panose="02070309020205020404" pitchFamily="49" charset="0"/>
+              </a:rPr>
+              <a:t>.  Destination Port = Source Port from Query                    .</a:t>
+            </a:r>
+          </a:p>
+          <a:p>
+            <a:r>
+              <a:rPr lang="en-CA" sz="1000" dirty="0">
+                <a:latin typeface="Courier" pitchFamily="2" charset="0"/>
+                <a:cs typeface="Courier New" panose="02070309020205020404" pitchFamily="49" charset="0"/>
+              </a:rPr>
+              <a:t>.                                                               .</a:t>
+            </a:r>
+          </a:p>
+          <a:p>
+            <a:r>
+              <a:rPr lang="en-CA" sz="1000" dirty="0">
+                <a:latin typeface="Courier" pitchFamily="2" charset="0"/>
+                <a:cs typeface="Courier New" panose="02070309020205020404" pitchFamily="49" charset="0"/>
+              </a:rPr>
+              <a:t>+---------------------------------------------------------------+</a:t>
+            </a:r>
+          </a:p>
+          <a:p>
+            <a:r>
+              <a:rPr lang="en-CA" sz="1000" dirty="0">
+                <a:latin typeface="Courier" pitchFamily="2" charset="0"/>
+                <a:cs typeface="Courier New" panose="02070309020205020404" pitchFamily="49" charset="0"/>
+              </a:rPr>
+              <a:t>| Payload = DM Response Message |                               |</a:t>
+            </a:r>
+          </a:p>
+          <a:p>
+            <a:r>
+              <a:rPr lang="en-CA" sz="1000" dirty="0">
+                <a:latin typeface="Courier" pitchFamily="2" charset="0"/>
+                <a:cs typeface="Courier New" panose="02070309020205020404" pitchFamily="49" charset="0"/>
+              </a:rPr>
+              <a:t>. Payload = LM Response Message                                 .</a:t>
+            </a:r>
+          </a:p>
+          <a:p>
+            <a:r>
+              <a:rPr lang="en-CA" sz="1000" dirty="0">
+                <a:latin typeface="Courier" pitchFamily="2" charset="0"/>
+                <a:cs typeface="Courier New" panose="02070309020205020404" pitchFamily="49" charset="0"/>
+              </a:rPr>
+              <a:t>.                                                               .</a:t>
+            </a:r>
+          </a:p>
+          <a:p>
+            <a:r>
+              <a:rPr lang="en-CA" sz="1000" dirty="0">
+                <a:latin typeface="Courier" pitchFamily="2" charset="0"/>
+                <a:cs typeface="Courier New" panose="02070309020205020404" pitchFamily="49" charset="0"/>
+              </a:rPr>
+              <a:t>+---------------------------------------------------------------+</a:t>
+            </a:r>
+          </a:p>
+          <a:p>
+            <a:r>
+              <a:rPr lang="en-CA" sz="1000" dirty="0">
+                <a:latin typeface="Courier" pitchFamily="2" charset="0"/>
+                <a:cs typeface="Courier New" panose="02070309020205020404" pitchFamily="49" charset="0"/>
+              </a:rPr>
+              <a:t> </a:t>
+            </a:r>
+          </a:p>
+          <a:p>
+            <a:r>
+              <a:rPr lang="en-CA" sz="1000" dirty="0">
+                <a:latin typeface="Courier" pitchFamily="2" charset="0"/>
+                <a:cs typeface="Courier New" panose="02070309020205020404" pitchFamily="49" charset="0"/>
+              </a:rPr>
+              <a:t>                      Figure: Probe Response Message</a:t>
+            </a:r>
+            <a:endParaRPr lang="en-US" sz="1000" dirty="0">
+              <a:latin typeface="Courier" pitchFamily="2" charset="0"/>
+              <a:ea typeface="Courier" charset="0"/>
+              <a:cs typeface="Courier New" panose="02070309020205020404" pitchFamily="49" charset="0"/>
+            </a:endParaRPr>
+          </a:p>
+        </p:txBody>
+      </p:sp>
+      <p:sp>
+        <p:nvSpPr>
+          <p:cNvPr id="6" name="Slide Number Placeholder 5"/>
+          <p:cNvSpPr>
+            <a:spLocks noGrp="1"/>
+          </p:cNvSpPr>
+          <p:nvPr>
+            <p:ph type="sldNum" sz="quarter" idx="12"/>
+          </p:nvPr>
+        </p:nvSpPr>
+        <p:spPr/>
+        <p:txBody>
+          <a:bodyPr/>
+          <a:lstStyle/>
+          <a:p>
+            <a:pPr>
+              <a:defRPr/>
+            </a:pPr>
+            <a:fld id="{BD6E0F59-1DD8-40FC-9C92-B6295CBA6CCA}" type="slidenum">
+              <a:rPr lang="en-US" altLang="zh-CN" smtClean="0"/>
+              <a:pPr>
+                <a:defRPr/>
+              </a:pPr>
+              <a:t>8</a:t>
+            </a:fld>
+            <a:endParaRPr lang="en-US" altLang="zh-CN"/>
+          </a:p>
+        </p:txBody>
+      </p:sp>
+    </p:spTree>
+    <p:extLst>
+      <p:ext uri="{BB962C8B-B14F-4D97-AF65-F5344CB8AC3E}">
+        <p14:creationId xmlns:p14="http://schemas.microsoft.com/office/powerpoint/2010/main" val="1694318788"/>
       </p:ext>
     </p:extLst>
   </p:cSld>
@@ -9700,7 +9342,7 @@
                 <a:latin typeface="Calibri Light" panose="020F0302020204030204" pitchFamily="34" charset="0"/>
                 <a:cs typeface="Calibri Light" panose="020F0302020204030204" pitchFamily="34" charset="0"/>
               </a:rPr>
-              <a:t>Probe Response Message</a:t>
+              <a:t>ECMP Support for SR Path</a:t>
             </a:r>
           </a:p>
         </p:txBody>
@@ -9717,33 +9359,109 @@
         </p:nvSpPr>
         <p:spPr>
           <a:xfrm>
-            <a:off x="228600" y="749499"/>
-            <a:ext cx="8686800" cy="1143000"/>
+            <a:off x="419100" y="912201"/>
+            <a:ext cx="8305800" cy="3259750"/>
           </a:xfrm>
         </p:spPr>
         <p:txBody>
           <a:bodyPr/>
           <a:lstStyle/>
           <a:p>
-            <a:r>
-              <a:rPr lang="en-US" sz="1600" dirty="0"/>
-              <a:t>The probe response message is sent using the IP/UDP information from the probe query message. </a:t>
-            </a:r>
-          </a:p>
-          <a:p>
-            <a:r>
-              <a:rPr lang="en-US" sz="1600" dirty="0"/>
-              <a:t>Based on Control Code from the probe query message</a:t>
-            </a:r>
-          </a:p>
-          <a:p>
-            <a:r>
-              <a:rPr lang="en-US" sz="1600" dirty="0">
-                <a:solidFill>
-                  <a:srgbClr val="0070C0"/>
-                </a:solidFill>
-              </a:rPr>
-              <a:t>Use Segment List from Return Path TLV if present in probe query message.</a:t>
+            <a:pPr>
+              <a:lnSpc>
+                <a:spcPts val="2280"/>
+              </a:lnSpc>
+              <a:spcBef>
+                <a:spcPts val="0"/>
+              </a:spcBef>
+            </a:pPr>
+            <a:r>
+              <a:rPr lang="en-US" sz="1800" dirty="0"/>
+              <a:t>SR Path can have ECMP between the ingress and transit nodes, between transit nodes and between transit and egress nodes.</a:t>
+            </a:r>
+          </a:p>
+          <a:p>
+            <a:pPr>
+              <a:lnSpc>
+                <a:spcPts val="2280"/>
+              </a:lnSpc>
+              <a:spcBef>
+                <a:spcPts val="0"/>
+              </a:spcBef>
+            </a:pPr>
+            <a:r>
+              <a:rPr lang="en-US" sz="1800" dirty="0"/>
+              <a:t>Sending probe queries that can take advantage of the hashing function in forwarding plane.</a:t>
+            </a:r>
+          </a:p>
+          <a:p>
+            <a:pPr>
+              <a:lnSpc>
+                <a:spcPts val="2280"/>
+              </a:lnSpc>
+              <a:spcBef>
+                <a:spcPts val="0"/>
+              </a:spcBef>
+            </a:pPr>
+            <a:r>
+              <a:rPr lang="en-US" sz="1800" dirty="0"/>
+              <a:t>Existing forwarding mechanisms are applicable to probe messages. Examples are:</a:t>
+            </a:r>
+          </a:p>
+          <a:p>
+            <a:pPr lvl="1">
+              <a:lnSpc>
+                <a:spcPts val="2280"/>
+              </a:lnSpc>
+              <a:spcBef>
+                <a:spcPts val="0"/>
+              </a:spcBef>
+            </a:pPr>
+            <a:r>
+              <a:rPr lang="en-US" sz="1800" dirty="0"/>
+              <a:t>For IPv4</a:t>
+            </a:r>
+          </a:p>
+          <a:p>
+            <a:pPr lvl="2">
+              <a:lnSpc>
+                <a:spcPts val="2280"/>
+              </a:lnSpc>
+              <a:spcBef>
+                <a:spcPts val="0"/>
+              </a:spcBef>
+            </a:pPr>
+            <a:r>
+              <a:rPr lang="en-US" sz="1800" dirty="0"/>
+              <a:t>Sweeping destination address in IPv4 header (e.g. 127/8)</a:t>
+            </a:r>
+          </a:p>
+          <a:p>
+            <a:pPr lvl="1">
+              <a:lnSpc>
+                <a:spcPts val="2280"/>
+              </a:lnSpc>
+              <a:spcBef>
+                <a:spcPts val="0"/>
+              </a:spcBef>
+            </a:pPr>
+            <a:r>
+              <a:rPr lang="en-US" sz="1800" dirty="0"/>
+              <a:t>For IPv6</a:t>
+            </a:r>
+          </a:p>
+          <a:p>
+            <a:pPr lvl="2">
+              <a:lnSpc>
+                <a:spcPts val="2280"/>
+              </a:lnSpc>
+              <a:spcBef>
+                <a:spcPts val="0"/>
+              </a:spcBef>
+            </a:pPr>
+            <a:r>
+              <a:rPr lang="en-US" sz="1800" dirty="0"/>
+              <a:t>Sweeping flow label in IPv6 header</a:t>
             </a:r>
           </a:p>
         </p:txBody>
@@ -9760,7 +9478,7 @@
         </p:nvSpPr>
         <p:spPr>
           <a:xfrm>
-            <a:off x="3124200" y="4786312"/>
+            <a:off x="3124200" y="4781550"/>
             <a:ext cx="2895600" cy="357188"/>
           </a:xfrm>
         </p:spPr>
@@ -9785,202 +9503,7 @@
       </p:sp>
       <p:sp>
         <p:nvSpPr>
-          <p:cNvPr id="5" name="Rectangle 4"/>
-          <p:cNvSpPr/>
-          <p:nvPr/>
-        </p:nvSpPr>
-        <p:spPr>
-          <a:xfrm>
-            <a:off x="1828800" y="1857048"/>
-            <a:ext cx="5257800" cy="2862322"/>
-          </a:xfrm>
-          <a:prstGeom prst="rect">
-            <a:avLst/>
-          </a:prstGeom>
-          <a:solidFill>
-            <a:schemeClr val="accent6">
-              <a:lumMod val="20000"/>
-              <a:lumOff val="80000"/>
-            </a:schemeClr>
-          </a:solidFill>
-        </p:spPr>
-        <p:txBody>
-          <a:bodyPr wrap="square">
-            <a:spAutoFit/>
-          </a:bodyPr>
-          <a:lstStyle/>
-          <a:p>
-            <a:r>
-              <a:rPr lang="en-CA" sz="1000" dirty="0">
-                <a:latin typeface="Courier" pitchFamily="2" charset="0"/>
-                <a:cs typeface="Courier New" panose="02070309020205020404" pitchFamily="49" charset="0"/>
-              </a:rPr>
-              <a:t>+---------------------------------------------------------------+</a:t>
-            </a:r>
-          </a:p>
-          <a:p>
-            <a:r>
-              <a:rPr lang="en-CA" sz="1000" dirty="0">
-                <a:latin typeface="Courier" pitchFamily="2" charset="0"/>
-                <a:cs typeface="Courier New" panose="02070309020205020404" pitchFamily="49" charset="0"/>
-              </a:rPr>
-              <a:t>| IP Header                                                     |</a:t>
-            </a:r>
-          </a:p>
-          <a:p>
-            <a:r>
-              <a:rPr lang="en-CA" sz="1000" dirty="0">
-                <a:latin typeface="Courier" pitchFamily="2" charset="0"/>
-                <a:cs typeface="Courier New" panose="02070309020205020404" pitchFamily="49" charset="0"/>
-              </a:rPr>
-              <a:t>.  Source IP Address = Session-Reflector IPv4 or IPv6 Address   .</a:t>
-            </a:r>
-          </a:p>
-          <a:p>
-            <a:r>
-              <a:rPr lang="en-CA" sz="1000" dirty="0">
-                <a:latin typeface="Courier" pitchFamily="2" charset="0"/>
-                <a:cs typeface="Courier New" panose="02070309020205020404" pitchFamily="49" charset="0"/>
-              </a:rPr>
-              <a:t>.  Destination IP Address = Source IP Address from Query        .</a:t>
-            </a:r>
-          </a:p>
-          <a:p>
-            <a:r>
-              <a:rPr lang="en-CA" sz="1000" dirty="0">
-                <a:latin typeface="Courier" pitchFamily="2" charset="0"/>
-                <a:cs typeface="Courier New" panose="02070309020205020404" pitchFamily="49" charset="0"/>
-              </a:rPr>
-              <a:t>.  Protocol = UDP                                               .</a:t>
-            </a:r>
-          </a:p>
-          <a:p>
-            <a:r>
-              <a:rPr lang="en-CA" sz="1000" dirty="0">
-                <a:latin typeface="Courier" pitchFamily="2" charset="0"/>
-                <a:cs typeface="Courier New" panose="02070309020205020404" pitchFamily="49" charset="0"/>
-              </a:rPr>
-              <a:t>.                                                               .</a:t>
-            </a:r>
-          </a:p>
-          <a:p>
-            <a:r>
-              <a:rPr lang="en-CA" sz="1000" dirty="0">
-                <a:latin typeface="Courier" pitchFamily="2" charset="0"/>
-                <a:cs typeface="Courier New" panose="02070309020205020404" pitchFamily="49" charset="0"/>
-              </a:rPr>
-              <a:t>+---------------------------------------------------------------+</a:t>
-            </a:r>
-          </a:p>
-          <a:p>
-            <a:r>
-              <a:rPr lang="en-CA" sz="1000" dirty="0">
-                <a:latin typeface="Courier" pitchFamily="2" charset="0"/>
-                <a:cs typeface="Courier New" panose="02070309020205020404" pitchFamily="49" charset="0"/>
-              </a:rPr>
-              <a:t>| UDP Header                                                    |</a:t>
-            </a:r>
-          </a:p>
-          <a:p>
-            <a:r>
-              <a:rPr lang="en-CA" sz="1000" dirty="0">
-                <a:latin typeface="Courier" pitchFamily="2" charset="0"/>
-                <a:cs typeface="Courier New" panose="02070309020205020404" pitchFamily="49" charset="0"/>
-              </a:rPr>
-              <a:t>.  Source Port = As chosen by Session-Reflector                 .</a:t>
-            </a:r>
-          </a:p>
-          <a:p>
-            <a:r>
-              <a:rPr lang="en-CA" sz="1000" dirty="0">
-                <a:latin typeface="Courier" pitchFamily="2" charset="0"/>
-                <a:cs typeface="Courier New" panose="02070309020205020404" pitchFamily="49" charset="0"/>
-              </a:rPr>
-              <a:t>.  Destination Port = Source Port from Query                    .</a:t>
-            </a:r>
-          </a:p>
-          <a:p>
-            <a:r>
-              <a:rPr lang="en-CA" sz="1000" dirty="0">
-                <a:latin typeface="Courier" pitchFamily="2" charset="0"/>
-                <a:cs typeface="Courier New" panose="02070309020205020404" pitchFamily="49" charset="0"/>
-              </a:rPr>
-              <a:t>.                                                               .</a:t>
-            </a:r>
-          </a:p>
-          <a:p>
-            <a:r>
-              <a:rPr lang="en-CA" sz="1000" dirty="0">
-                <a:latin typeface="Courier" pitchFamily="2" charset="0"/>
-                <a:cs typeface="Courier New" panose="02070309020205020404" pitchFamily="49" charset="0"/>
-              </a:rPr>
-              <a:t>+---------------------------------------------------------------+</a:t>
-            </a:r>
-          </a:p>
-          <a:p>
-            <a:r>
-              <a:rPr lang="en-CA" sz="1000" dirty="0">
-                <a:latin typeface="Courier" pitchFamily="2" charset="0"/>
-                <a:cs typeface="Courier New" panose="02070309020205020404" pitchFamily="49" charset="0"/>
-              </a:rPr>
-              <a:t>| Payload = DM Response Message |                               |</a:t>
-            </a:r>
-          </a:p>
-          <a:p>
-            <a:r>
-              <a:rPr lang="en-CA" sz="1000" dirty="0">
-                <a:latin typeface="Courier" pitchFamily="2" charset="0"/>
-                <a:cs typeface="Courier New" panose="02070309020205020404" pitchFamily="49" charset="0"/>
-              </a:rPr>
-              <a:t>. Payload = LM Response Message                                 .</a:t>
-            </a:r>
-          </a:p>
-          <a:p>
-            <a:r>
-              <a:rPr lang="en-CA" sz="1000" dirty="0">
-                <a:latin typeface="Courier" pitchFamily="2" charset="0"/>
-                <a:cs typeface="Courier New" panose="02070309020205020404" pitchFamily="49" charset="0"/>
-              </a:rPr>
-              <a:t>.                                                               .</a:t>
-            </a:r>
-          </a:p>
-          <a:p>
-            <a:r>
-              <a:rPr lang="en-CA" sz="1000" dirty="0">
-                <a:latin typeface="Courier" pitchFamily="2" charset="0"/>
-                <a:cs typeface="Courier New" panose="02070309020205020404" pitchFamily="49" charset="0"/>
-              </a:rPr>
-              <a:t>+---------------------------------------------------------------+</a:t>
-            </a:r>
-          </a:p>
-          <a:p>
-            <a:r>
-              <a:rPr lang="en-CA" sz="1000" dirty="0">
-                <a:latin typeface="Courier" pitchFamily="2" charset="0"/>
-                <a:cs typeface="Courier New" panose="02070309020205020404" pitchFamily="49" charset="0"/>
-              </a:rPr>
-              <a:t> </a:t>
-            </a:r>
-          </a:p>
-          <a:p>
-            <a:r>
-              <a:rPr lang="en-CA" sz="1000" dirty="0">
-                <a:latin typeface="Courier" pitchFamily="2" charset="0"/>
-                <a:cs typeface="Courier New" panose="02070309020205020404" pitchFamily="49" charset="0"/>
-              </a:rPr>
-              <a:t>                      Figure: Probe Response Message</a:t>
-            </a:r>
-            <a:endParaRPr lang="en-US" sz="1000" dirty="0">
-              <a:latin typeface="Courier" pitchFamily="2" charset="0"/>
-              <a:ea typeface="Courier" charset="0"/>
-              <a:cs typeface="Courier New" panose="02070309020205020404" pitchFamily="49" charset="0"/>
-            </a:endParaRPr>
-          </a:p>
-        </p:txBody>
-      </p:sp>
-      <p:sp>
-        <p:nvSpPr>
-          <p:cNvPr id="6" name="Slide Number Placeholder 5"/>
+          <p:cNvPr id="5" name="Slide Number Placeholder 4"/>
           <p:cNvSpPr>
             <a:spLocks noGrp="1"/>
           </p:cNvSpPr>
@@ -10010,7 +9533,7 @@
     </p:spTree>
     <p:extLst>
       <p:ext uri="{BB962C8B-B14F-4D97-AF65-F5344CB8AC3E}">
-        <p14:creationId xmlns:p14="http://schemas.microsoft.com/office/powerpoint/2010/main" val="1694318788"/>
+        <p14:creationId xmlns:p14="http://schemas.microsoft.com/office/powerpoint/2010/main" val="1470821304"/>
       </p:ext>
     </p:extLst>
   </p:cSld>

--- a/draft-gandhi-spring-stamp-srpm-03.pptx
+++ b/draft-gandhi-spring-stamp-srpm-03.pptx
@@ -5847,7 +5847,7 @@
           <a:p>
             <a:r>
               <a:rPr lang="en-US" sz="2400" dirty="0"/>
-              <a:t>Request SPRING </a:t>
+              <a:t>In SPRING </a:t>
             </a:r>
             <a:r>
               <a:rPr lang="en-US" sz="2400" dirty="0">
@@ -5855,7 +5855,7 @@
                 <a:ea typeface="Calibri" charset="0"/>
                 <a:cs typeface="Calibri" charset="0"/>
               </a:rPr>
-              <a:t>WG adoption</a:t>
+              <a:t>WG adoption poll</a:t>
             </a:r>
           </a:p>
           <a:p>
@@ -6484,7 +6484,7 @@
             </a:pPr>
             <a:r>
               <a:rPr lang="en-US" sz="1400" dirty="0"/>
-              <a:t>Delay and Loss Performance Measurement (PM) </a:t>
+              <a:t>Delay and Synthetic Loss Performance Measurement (PM) </a:t>
             </a:r>
           </a:p>
           <a:p>
